--- a/pres/Final_Presentation_V01.pptx
+++ b/pres/Final_Presentation_V01.pptx
@@ -10,25 +10,31 @@
     <p:sldMasterId id="2147483697" r:id="rId6"/>
   </p:sldMasterIdLst>
   <p:notesMasterIdLst>
-    <p:notesMasterId r:id="rId20"/>
+    <p:notesMasterId r:id="rId26"/>
   </p:notesMasterIdLst>
   <p:handoutMasterIdLst>
-    <p:handoutMasterId r:id="rId21"/>
+    <p:handoutMasterId r:id="rId27"/>
   </p:handoutMasterIdLst>
   <p:sldIdLst>
-    <p:sldId id="397" r:id="rId7"/>
-    <p:sldId id="402" r:id="rId8"/>
-    <p:sldId id="398" r:id="rId9"/>
-    <p:sldId id="399" r:id="rId10"/>
-    <p:sldId id="400" r:id="rId11"/>
-    <p:sldId id="401" r:id="rId12"/>
-    <p:sldId id="371" r:id="rId13"/>
-    <p:sldId id="372" r:id="rId14"/>
-    <p:sldId id="394" r:id="rId15"/>
-    <p:sldId id="379" r:id="rId16"/>
-    <p:sldId id="395" r:id="rId17"/>
-    <p:sldId id="380" r:id="rId18"/>
-    <p:sldId id="381" r:id="rId19"/>
+    <p:sldId id="403" r:id="rId7"/>
+    <p:sldId id="397" r:id="rId8"/>
+    <p:sldId id="402" r:id="rId9"/>
+    <p:sldId id="398" r:id="rId10"/>
+    <p:sldId id="399" r:id="rId11"/>
+    <p:sldId id="406" r:id="rId12"/>
+    <p:sldId id="400" r:id="rId13"/>
+    <p:sldId id="405" r:id="rId14"/>
+    <p:sldId id="401" r:id="rId15"/>
+    <p:sldId id="408" r:id="rId16"/>
+    <p:sldId id="407" r:id="rId17"/>
+    <p:sldId id="409" r:id="rId18"/>
+    <p:sldId id="371" r:id="rId19"/>
+    <p:sldId id="372" r:id="rId20"/>
+    <p:sldId id="394" r:id="rId21"/>
+    <p:sldId id="379" r:id="rId22"/>
+    <p:sldId id="395" r:id="rId23"/>
+    <p:sldId id="380" r:id="rId24"/>
+    <p:sldId id="381" r:id="rId25"/>
   </p:sldIdLst>
   <p:sldSz cx="9144000" cy="6858000" type="screen4x3"/>
   <p:notesSz cx="9925050" cy="6665913"/>
@@ -1599,6 +1605,96 @@
 </p:notesMaster>
 </file>
 
+<file path=ppt/notesSlides/notesSlide1.xml><?xml version="1.0" encoding="utf-8"?>
+<p:notes xmlns:a="http://schemas.openxmlformats.org/drawingml/2006/main" xmlns:r="http://schemas.openxmlformats.org/officeDocument/2006/relationships" xmlns:p="http://schemas.openxmlformats.org/presentationml/2006/main">
+  <p:cSld>
+    <p:spTree>
+      <p:nvGrpSpPr>
+        <p:cNvPr id="1" name=""/>
+        <p:cNvGrpSpPr/>
+        <p:nvPr/>
+      </p:nvGrpSpPr>
+      <p:grpSpPr>
+        <a:xfrm>
+          <a:off x="0" y="0"/>
+          <a:ext cx="0" cy="0"/>
+          <a:chOff x="0" y="0"/>
+          <a:chExt cx="0" cy="0"/>
+        </a:xfrm>
+      </p:grpSpPr>
+      <p:sp>
+        <p:nvSpPr>
+          <p:cNvPr id="2" name="Folienbildplatzhalter 1"/>
+          <p:cNvSpPr>
+            <a:spLocks noGrp="1" noRot="1" noChangeAspect="1"/>
+          </p:cNvSpPr>
+          <p:nvPr>
+            <p:ph type="sldImg"/>
+          </p:nvPr>
+        </p:nvSpPr>
+        <p:spPr/>
+      </p:sp>
+      <p:sp>
+        <p:nvSpPr>
+          <p:cNvPr id="3" name="Notizenplatzhalter 2"/>
+          <p:cNvSpPr>
+            <a:spLocks noGrp="1"/>
+          </p:cNvSpPr>
+          <p:nvPr>
+            <p:ph type="body" idx="1"/>
+          </p:nvPr>
+        </p:nvSpPr>
+        <p:spPr/>
+        <p:txBody>
+          <a:bodyPr/>
+          <a:lstStyle/>
+          <a:p>
+            <a:endParaRPr lang="en-US" dirty="0"/>
+          </a:p>
+        </p:txBody>
+      </p:sp>
+      <p:sp>
+        <p:nvSpPr>
+          <p:cNvPr id="4" name="Foliennummernplatzhalter 3"/>
+          <p:cNvSpPr>
+            <a:spLocks noGrp="1"/>
+          </p:cNvSpPr>
+          <p:nvPr>
+            <p:ph type="sldNum" sz="quarter" idx="10"/>
+          </p:nvPr>
+        </p:nvSpPr>
+        <p:spPr/>
+        <p:txBody>
+          <a:bodyPr/>
+          <a:lstStyle/>
+          <a:p>
+            <a:pPr>
+              <a:defRPr/>
+            </a:pPr>
+            <a:fld id="{00AFC6D0-44D5-4EB7-828F-6F464F83D79A}" type="slidenum">
+              <a:rPr lang="en-GB" smtClean="0"/>
+              <a:pPr>
+                <a:defRPr/>
+              </a:pPr>
+              <a:t>1</a:t>
+            </a:fld>
+            <a:endParaRPr lang="en-GB"/>
+          </a:p>
+        </p:txBody>
+      </p:sp>
+    </p:spTree>
+    <p:extLst>
+      <p:ext uri="{BB962C8B-B14F-4D97-AF65-F5344CB8AC3E}">
+        <p14:creationId xmlns:p14="http://schemas.microsoft.com/office/powerpoint/2010/main" val="2790977142"/>
+      </p:ext>
+    </p:extLst>
+  </p:cSld>
+  <p:clrMapOvr>
+    <a:masterClrMapping/>
+  </p:clrMapOvr>
+</p:notes>
+</file>
+
 <file path=ppt/slideLayouts/slideLayout1.xml><?xml version="1.0" encoding="utf-8"?>
 <p:sldLayout xmlns:a="http://schemas.openxmlformats.org/drawingml/2006/main" xmlns:r="http://schemas.openxmlformats.org/officeDocument/2006/relationships" xmlns:p="http://schemas.openxmlformats.org/presentationml/2006/main" preserve="1" userDrawn="1">
   <p:cSld name="Start">
@@ -3227,15 +3323,31 @@
           <a:p>
             <a:pPr lvl="0"/>
             <a:r>
-              <a:rPr lang="de-DE" noProof="0" dirty="0"/>
+              <a:rPr lang="en-US" noProof="0" dirty="0"/>
               <a:t>Referent</a:t>
             </a:r>
             <a:br>
-              <a:rPr lang="de-DE" noProof="0" dirty="0"/>
+              <a:rPr lang="en-US" noProof="0" dirty="0"/>
             </a:br>
             <a:r>
-              <a:rPr lang="de-DE" noProof="0" dirty="0"/>
-              <a:t>Ort, Datum (Schreibweise: 00. Januar 2015)</a:t>
+              <a:rPr lang="en-US" noProof="0" dirty="0"/>
+              <a:t>Ort, Datum (</a:t>
+            </a:r>
+            <a:r>
+              <a:rPr lang="en-US" noProof="0" dirty="0" err="1"/>
+              <a:t>Schreibweise</a:t>
+            </a:r>
+            <a:r>
+              <a:rPr lang="en-US" noProof="0" dirty="0"/>
+              <a:t>: 00. </a:t>
+            </a:r>
+            <a:r>
+              <a:rPr lang="en-US" noProof="0" dirty="0" err="1"/>
+              <a:t>Januar</a:t>
+            </a:r>
+            <a:r>
+              <a:rPr lang="en-US" noProof="0" dirty="0"/>
+              <a:t> 2015)</a:t>
             </a:r>
           </a:p>
         </p:txBody>
@@ -3371,9 +3483,34 @@
           <a:p>
             <a:pPr lvl="0"/>
             <a:r>
-              <a:rPr lang="de-DE" noProof="0" dirty="0"/>
-              <a:t>Titel durch Klicken bearbeiten</a:t>
-            </a:r>
+              <a:rPr lang="en-US" noProof="0" dirty="0" err="1"/>
+              <a:t>Titel</a:t>
+            </a:r>
+            <a:r>
+              <a:rPr lang="en-US" noProof="0" dirty="0"/>
+              <a:t> </a:t>
+            </a:r>
+            <a:r>
+              <a:rPr lang="en-US" noProof="0" dirty="0" err="1"/>
+              <a:t>durch</a:t>
+            </a:r>
+            <a:r>
+              <a:rPr lang="en-US" noProof="0" dirty="0"/>
+              <a:t> </a:t>
+            </a:r>
+            <a:r>
+              <a:rPr lang="en-US" noProof="0" dirty="0" err="1"/>
+              <a:t>Klicken</a:t>
+            </a:r>
+            <a:r>
+              <a:rPr lang="en-US" noProof="0" dirty="0"/>
+              <a:t> </a:t>
+            </a:r>
+            <a:r>
+              <a:rPr lang="en-US" noProof="0" dirty="0" err="1"/>
+              <a:t>bearbeiten</a:t>
+            </a:r>
+            <a:endParaRPr lang="en-US" noProof="0" dirty="0"/>
           </a:p>
         </p:txBody>
       </p:sp>
@@ -3457,15 +3594,31 @@
           <a:p>
             <a:pPr lvl="0"/>
             <a:r>
-              <a:rPr lang="de-DE" noProof="0" dirty="0"/>
+              <a:rPr lang="en-US" noProof="0" dirty="0"/>
               <a:t>Referent</a:t>
             </a:r>
             <a:br>
-              <a:rPr lang="de-DE" noProof="0" dirty="0"/>
+              <a:rPr lang="en-US" noProof="0" dirty="0"/>
             </a:br>
             <a:r>
-              <a:rPr lang="de-DE" noProof="0" dirty="0"/>
-              <a:t>Ort, Datum (Schreibweise: 00. Januar 2015)</a:t>
+              <a:rPr lang="en-US" noProof="0" dirty="0"/>
+              <a:t>Ort, Datum (</a:t>
+            </a:r>
+            <a:r>
+              <a:rPr lang="en-US" noProof="0" dirty="0" err="1"/>
+              <a:t>Schreibweise</a:t>
+            </a:r>
+            <a:r>
+              <a:rPr lang="en-US" noProof="0" dirty="0"/>
+              <a:t>: 00. </a:t>
+            </a:r>
+            <a:r>
+              <a:rPr lang="en-US" noProof="0" dirty="0" err="1"/>
+              <a:t>Januar</a:t>
+            </a:r>
+            <a:r>
+              <a:rPr lang="en-US" noProof="0" dirty="0"/>
+              <a:t> 2015)</a:t>
             </a:r>
           </a:p>
         </p:txBody>
@@ -3601,9 +3754,34 @@
           <a:p>
             <a:pPr lvl="0"/>
             <a:r>
-              <a:rPr lang="de-DE" noProof="0" dirty="0"/>
-              <a:t>Titel durch Klicken bearbeiten</a:t>
-            </a:r>
+              <a:rPr lang="en-US" noProof="0" dirty="0" err="1"/>
+              <a:t>Titel</a:t>
+            </a:r>
+            <a:r>
+              <a:rPr lang="en-US" noProof="0" dirty="0"/>
+              <a:t> </a:t>
+            </a:r>
+            <a:r>
+              <a:rPr lang="en-US" noProof="0" dirty="0" err="1"/>
+              <a:t>durch</a:t>
+            </a:r>
+            <a:r>
+              <a:rPr lang="en-US" noProof="0" dirty="0"/>
+              <a:t> </a:t>
+            </a:r>
+            <a:r>
+              <a:rPr lang="en-US" noProof="0" dirty="0" err="1"/>
+              <a:t>Klicken</a:t>
+            </a:r>
+            <a:r>
+              <a:rPr lang="en-US" noProof="0" dirty="0"/>
+              <a:t> </a:t>
+            </a:r>
+            <a:r>
+              <a:rPr lang="en-US" noProof="0" dirty="0" err="1"/>
+              <a:t>bearbeiten</a:t>
+            </a:r>
+            <a:endParaRPr lang="en-US" noProof="0" dirty="0"/>
           </a:p>
         </p:txBody>
       </p:sp>
@@ -9329,40 +9507,194 @@
       </p:grpSpPr>
       <p:pic>
         <p:nvPicPr>
-          <p:cNvPr id="4" name="Bild 4" descr="TUM_Glockenturm.tif">
+          <p:cNvPr id="7" name="intro-01">
+            <a:hlinkClick r:id="" action="ppaction://media"/>
             <a:extLst>
               <a:ext uri="{FF2B5EF4-FFF2-40B4-BE49-F238E27FC236}">
-                <a16:creationId xmlns:a16="http://schemas.microsoft.com/office/drawing/2014/main" id="{6E1B4B54-6271-48C4-BF68-95E6A46C9AA9}"/>
+                <a16:creationId xmlns:a16="http://schemas.microsoft.com/office/drawing/2014/main" id="{E9DAB0C4-0742-4B9D-8495-5F035E5EE148}"/>
               </a:ext>
             </a:extLst>
           </p:cNvPr>
           <p:cNvPicPr>
             <a:picLocks noChangeAspect="1"/>
           </p:cNvPicPr>
-          <p:nvPr/>
+          <p:nvPr>
+            <a:audioFile r:link="rId2"/>
+            <p:extLst>
+              <p:ext uri="{DAA4B4D4-6D71-4841-9C94-3DE7FCFB9230}">
+                <p14:media xmlns:p14="http://schemas.microsoft.com/office/powerpoint/2010/main" r:embed="rId1"/>
+              </p:ext>
+            </p:extLst>
+          </p:nvPr>
         </p:nvPicPr>
         <p:blipFill>
-          <a:blip r:embed="rId2"/>
+          <a:blip r:embed="rId5"/>
           <a:stretch>
             <a:fillRect/>
           </a:stretch>
         </p:blipFill>
         <p:spPr>
           <a:xfrm>
-            <a:off x="4927101" y="3051360"/>
-            <a:ext cx="3892489" cy="3397419"/>
+            <a:off x="3308230" y="2380891"/>
+            <a:ext cx="2323382" cy="2323382"/>
           </a:xfrm>
           <a:prstGeom prst="rect">
             <a:avLst/>
           </a:prstGeom>
+          <a:noFill/>
+          <a:ln>
+            <a:noFill/>
+          </a:ln>
+          <a:effectLst/>
         </p:spPr>
       </p:pic>
+    </p:spTree>
+    <p:extLst>
+      <p:ext uri="{BB962C8B-B14F-4D97-AF65-F5344CB8AC3E}">
+        <p14:creationId xmlns:p14="http://schemas.microsoft.com/office/powerpoint/2010/main" val="2351970695"/>
+      </p:ext>
+    </p:extLst>
+  </p:cSld>
+  <p:clrMapOvr>
+    <a:masterClrMapping/>
+  </p:clrMapOvr>
+  <p:timing>
+    <p:tnLst>
+      <p:par>
+        <p:cTn id="1" dur="indefinite" restart="never" nodeType="tmRoot">
+          <p:childTnLst>
+            <p:seq concurrent="1" nextAc="seek">
+              <p:cTn id="2" dur="indefinite" nodeType="mainSeq">
+                <p:childTnLst>
+                  <p:par>
+                    <p:cTn id="3" fill="hold">
+                      <p:stCondLst>
+                        <p:cond delay="indefinite"/>
+                      </p:stCondLst>
+                      <p:childTnLst>
+                        <p:par>
+                          <p:cTn id="4" fill="hold">
+                            <p:stCondLst>
+                              <p:cond delay="0"/>
+                            </p:stCondLst>
+                            <p:childTnLst>
+                              <p:par>
+                                <p:cTn id="5" presetID="1" presetClass="entr" presetSubtype="0" fill="hold" nodeType="clickEffect">
+                                  <p:stCondLst>
+                                    <p:cond delay="0"/>
+                                  </p:stCondLst>
+                                  <p:childTnLst>
+                                    <p:set>
+                                      <p:cBhvr>
+                                        <p:cTn id="6" dur="1" fill="hold">
+                                          <p:stCondLst>
+                                            <p:cond delay="0"/>
+                                          </p:stCondLst>
+                                        </p:cTn>
+                                        <p:tgtEl>
+                                          <p:spTgt spid="7"/>
+                                        </p:tgtEl>
+                                        <p:attrNameLst>
+                                          <p:attrName>style.visibility</p:attrName>
+                                        </p:attrNameLst>
+                                      </p:cBhvr>
+                                      <p:to>
+                                        <p:strVal val="visible"/>
+                                      </p:to>
+                                    </p:set>
+                                  </p:childTnLst>
+                                </p:cTn>
+                              </p:par>
+                              <p:par>
+                                <p:cTn id="7" presetID="1" presetClass="mediacall" presetSubtype="0" fill="hold" nodeType="withEffect">
+                                  <p:stCondLst>
+                                    <p:cond delay="0"/>
+                                  </p:stCondLst>
+                                  <p:childTnLst>
+                                    <p:cmd type="call" cmd="playFrom(0.0)">
+                                      <p:cBhvr>
+                                        <p:cTn id="8" dur="7803" fill="hold"/>
+                                        <p:tgtEl>
+                                          <p:spTgt spid="7"/>
+                                        </p:tgtEl>
+                                      </p:cBhvr>
+                                    </p:cmd>
+                                  </p:childTnLst>
+                                </p:cTn>
+                              </p:par>
+                            </p:childTnLst>
+                          </p:cTn>
+                        </p:par>
+                      </p:childTnLst>
+                    </p:cTn>
+                  </p:par>
+                </p:childTnLst>
+              </p:cTn>
+              <p:prevCondLst>
+                <p:cond evt="onPrev" delay="0">
+                  <p:tgtEl>
+                    <p:sldTgt/>
+                  </p:tgtEl>
+                </p:cond>
+              </p:prevCondLst>
+              <p:nextCondLst>
+                <p:cond evt="onNext" delay="0">
+                  <p:tgtEl>
+                    <p:sldTgt/>
+                  </p:tgtEl>
+                </p:cond>
+              </p:nextCondLst>
+            </p:seq>
+            <p:audio>
+              <p:cMediaNode vol="80000">
+                <p:cTn id="9" fill="hold" display="0">
+                  <p:stCondLst>
+                    <p:cond delay="indefinite"/>
+                  </p:stCondLst>
+                  <p:endCondLst>
+                    <p:cond evt="onStopAudio" delay="0">
+                      <p:tgtEl>
+                        <p:sldTgt/>
+                      </p:tgtEl>
+                    </p:cond>
+                  </p:endCondLst>
+                </p:cTn>
+                <p:tgtEl>
+                  <p:spTgt spid="7"/>
+                </p:tgtEl>
+              </p:cMediaNode>
+            </p:audio>
+          </p:childTnLst>
+        </p:cTn>
+      </p:par>
+    </p:tnLst>
+  </p:timing>
+</p:sld>
+</file>
+
+<file path=ppt/slides/slide10.xml><?xml version="1.0" encoding="utf-8"?>
+<p:sld xmlns:a="http://schemas.openxmlformats.org/drawingml/2006/main" xmlns:r="http://schemas.openxmlformats.org/officeDocument/2006/relationships" xmlns:p="http://schemas.openxmlformats.org/presentationml/2006/main">
+  <p:cSld>
+    <p:spTree>
+      <p:nvGrpSpPr>
+        <p:cNvPr id="1" name=""/>
+        <p:cNvGrpSpPr/>
+        <p:nvPr/>
+      </p:nvGrpSpPr>
+      <p:grpSpPr>
+        <a:xfrm>
+          <a:off x="0" y="0"/>
+          <a:ext cx="0" cy="0"/>
+          <a:chOff x="0" y="0"/>
+          <a:chExt cx="0" cy="0"/>
+        </a:xfrm>
+      </p:grpSpPr>
       <p:sp>
         <p:nvSpPr>
-          <p:cNvPr id="9" name="Inhaltsplatzhalter 2">
+          <p:cNvPr id="2" name="Inhaltsplatzhalter 1">
             <a:extLst>
               <a:ext uri="{FF2B5EF4-FFF2-40B4-BE49-F238E27FC236}">
-                <a16:creationId xmlns:a16="http://schemas.microsoft.com/office/drawing/2014/main" id="{7EC2C0AF-CED8-47C6-94F8-41D6EFFAB6EF}"/>
+                <a16:creationId xmlns:a16="http://schemas.microsoft.com/office/drawing/2014/main" id="{8A7E94C3-2964-4EDC-B78B-AA3DDEE7EAFE}"/>
               </a:ext>
             </a:extLst>
           </p:cNvPr>
@@ -9375,78 +9707,733 @@
         </p:nvSpPr>
         <p:spPr>
           <a:xfrm>
-            <a:off x="319088" y="1962017"/>
-            <a:ext cx="8508999" cy="2085280"/>
+            <a:off x="319088" y="1978720"/>
+            <a:ext cx="8508999" cy="3274767"/>
           </a:xfrm>
         </p:spPr>
         <p:txBody>
           <a:bodyPr/>
           <a:lstStyle/>
           <a:p>
-            <a:r>
-              <a:rPr lang="de-DE" dirty="0"/>
-              <a:t>Hannes Bohnengel</a:t>
-            </a:r>
-          </a:p>
-          <a:p>
-            <a:r>
-              <a:rPr lang="en-US" dirty="0"/>
-              <a:t>Technical</a:t>
-            </a:r>
-            <a:r>
-              <a:rPr lang="de-DE" dirty="0"/>
+            <a:pPr marL="285750" indent="-285750">
+              <a:lnSpc>
+                <a:spcPct val="200000"/>
+              </a:lnSpc>
+              <a:buFont typeface="Arial" panose="020B0604020202020204" pitchFamily="34" charset="0"/>
+              <a:buChar char="•"/>
+            </a:pPr>
+            <a:r>
+              <a:rPr lang="en-US" sz="2200" dirty="0">
+                <a:solidFill>
+                  <a:schemeClr val="tx1"/>
+                </a:solidFill>
+              </a:rPr>
+              <a:t>Conventional</a:t>
+            </a:r>
+            <a:r>
+              <a:rPr lang="de-DE" sz="2200" dirty="0">
+                <a:solidFill>
+                  <a:schemeClr val="tx1"/>
+                </a:solidFill>
+              </a:rPr>
               <a:t> </a:t>
             </a:r>
             <a:r>
-              <a:rPr lang="en-US" dirty="0"/>
-              <a:t>University</a:t>
-            </a:r>
-            <a:r>
-              <a:rPr lang="de-DE" dirty="0"/>
+              <a:rPr lang="en-US" sz="2200" dirty="0">
+                <a:solidFill>
+                  <a:schemeClr val="tx1"/>
+                </a:solidFill>
+              </a:rPr>
+              <a:t>Speech</a:t>
+            </a:r>
+            <a:r>
+              <a:rPr lang="de-DE" sz="2200" dirty="0">
+                <a:solidFill>
+                  <a:schemeClr val="tx1"/>
+                </a:solidFill>
+              </a:rPr>
               <a:t> </a:t>
             </a:r>
             <a:r>
-              <a:rPr lang="de-DE" dirty="0" err="1"/>
-              <a:t>of</a:t>
-            </a:r>
-            <a:r>
-              <a:rPr lang="de-DE" dirty="0"/>
-              <a:t> Munich</a:t>
-            </a:r>
-          </a:p>
-          <a:p>
-            <a:r>
-              <a:rPr lang="en-US" dirty="0"/>
-              <a:t>TUM Department of Electrical and Computer Engineering</a:t>
-            </a:r>
-          </a:p>
-          <a:p>
-            <a:r>
-              <a:rPr lang="en-US" dirty="0"/>
-              <a:t>Chair of Real-Time Computer Systems</a:t>
-            </a:r>
-            <a:endParaRPr lang="de-DE" dirty="0"/>
-          </a:p>
-          <a:p>
-            <a:r>
-              <a:rPr lang="de-DE" dirty="0"/>
-              <a:t>Munich, 21 </a:t>
-            </a:r>
-            <a:r>
-              <a:rPr lang="de-DE" dirty="0" err="1"/>
-              <a:t>July</a:t>
-            </a:r>
-            <a:r>
-              <a:rPr lang="de-DE" dirty="0"/>
-              <a:t> 2017</a:t>
-            </a:r>
-            <a:endParaRPr dirty="0"/>
+              <a:rPr lang="en-US" sz="2200" dirty="0">
+                <a:solidFill>
+                  <a:schemeClr val="tx1"/>
+                </a:solidFill>
+              </a:rPr>
+              <a:t>Synthesis</a:t>
+            </a:r>
+          </a:p>
+          <a:p>
+            <a:pPr marL="285750" indent="-285750">
+              <a:lnSpc>
+                <a:spcPct val="200000"/>
+              </a:lnSpc>
+              <a:buFont typeface="Arial" panose="020B0604020202020204" pitchFamily="34" charset="0"/>
+              <a:buChar char="•"/>
+            </a:pPr>
+            <a:r>
+              <a:rPr lang="en-US" sz="2200" dirty="0">
+                <a:solidFill>
+                  <a:schemeClr val="tx1"/>
+                </a:solidFill>
+              </a:rPr>
+              <a:t>Introducing</a:t>
+            </a:r>
+            <a:r>
+              <a:rPr lang="de-DE" sz="2200" dirty="0">
+                <a:solidFill>
+                  <a:schemeClr val="tx1"/>
+                </a:solidFill>
+              </a:rPr>
+              <a:t> </a:t>
+            </a:r>
+            <a:r>
+              <a:rPr lang="en-US" sz="2200" dirty="0">
+                <a:solidFill>
+                  <a:schemeClr val="tx1"/>
+                </a:solidFill>
+              </a:rPr>
+              <a:t>Deep</a:t>
+            </a:r>
+            <a:r>
+              <a:rPr lang="de-DE" sz="2200" dirty="0">
+                <a:solidFill>
+                  <a:schemeClr val="tx1"/>
+                </a:solidFill>
+              </a:rPr>
+              <a:t> </a:t>
+            </a:r>
+            <a:r>
+              <a:rPr lang="en-US" sz="2200" dirty="0">
+                <a:solidFill>
+                  <a:schemeClr val="tx1"/>
+                </a:solidFill>
+              </a:rPr>
+              <a:t>Learning</a:t>
+            </a:r>
+            <a:r>
+              <a:rPr lang="de-DE" sz="2200" dirty="0">
+                <a:solidFill>
+                  <a:schemeClr val="tx1"/>
+                </a:solidFill>
+              </a:rPr>
+              <a:t> </a:t>
+            </a:r>
+            <a:r>
+              <a:rPr lang="en-US" sz="2200" dirty="0">
+                <a:solidFill>
+                  <a:schemeClr val="tx1"/>
+                </a:solidFill>
+              </a:rPr>
+              <a:t>Models</a:t>
+            </a:r>
+          </a:p>
+          <a:p>
+            <a:pPr marL="285750" indent="-285750">
+              <a:lnSpc>
+                <a:spcPct val="200000"/>
+              </a:lnSpc>
+              <a:buFont typeface="Arial" panose="020B0604020202020204" pitchFamily="34" charset="0"/>
+              <a:buChar char="•"/>
+            </a:pPr>
+            <a:r>
+              <a:rPr lang="de-DE" sz="2200" dirty="0"/>
+              <a:t>Speech</a:t>
+            </a:r>
+            <a:r>
+              <a:rPr lang="en-US" sz="2200" dirty="0"/>
+              <a:t> Synthesis on Mobile Devices</a:t>
+            </a:r>
+          </a:p>
+          <a:p>
+            <a:pPr marL="285750" indent="-285750">
+              <a:lnSpc>
+                <a:spcPct val="200000"/>
+              </a:lnSpc>
+              <a:buFont typeface="Arial" panose="020B0604020202020204" pitchFamily="34" charset="0"/>
+              <a:buChar char="•"/>
+            </a:pPr>
+            <a:r>
+              <a:rPr lang="en-US" sz="2200" dirty="0"/>
+              <a:t>Conclusions</a:t>
+            </a:r>
+          </a:p>
+          <a:p>
+            <a:endParaRPr lang="en-US" dirty="0"/>
           </a:p>
         </p:txBody>
       </p:sp>
       <p:sp>
         <p:nvSpPr>
-          <p:cNvPr id="7" name="Titel 6"/>
+          <p:cNvPr id="3" name="Foliennummernplatzhalter 2">
+            <a:extLst>
+              <a:ext uri="{FF2B5EF4-FFF2-40B4-BE49-F238E27FC236}">
+                <a16:creationId xmlns:a16="http://schemas.microsoft.com/office/drawing/2014/main" id="{1365DE39-A1A7-40D2-AE79-CC14FF2E3805}"/>
+              </a:ext>
+            </a:extLst>
+          </p:cNvPr>
+          <p:cNvSpPr>
+            <a:spLocks noGrp="1"/>
+          </p:cNvSpPr>
+          <p:nvPr>
+            <p:ph type="sldNum" sz="quarter" idx="11"/>
+          </p:nvPr>
+        </p:nvSpPr>
+        <p:spPr/>
+        <p:txBody>
+          <a:bodyPr/>
+          <a:lstStyle/>
+          <a:p>
+            <a:fld id="{CE58CB1E-F828-4F11-99E0-327109AF9DA4}" type="slidenum">
+              <a:rPr lang="de-DE" smtClean="0"/>
+              <a:pPr/>
+              <a:t>10</a:t>
+            </a:fld>
+            <a:endParaRPr lang="de-DE" dirty="0"/>
+          </a:p>
+        </p:txBody>
+      </p:sp>
+      <p:sp>
+        <p:nvSpPr>
+          <p:cNvPr id="4" name="Titel 3">
+            <a:extLst>
+              <a:ext uri="{FF2B5EF4-FFF2-40B4-BE49-F238E27FC236}">
+                <a16:creationId xmlns:a16="http://schemas.microsoft.com/office/drawing/2014/main" id="{6654AC61-DCA5-4E04-916B-BCA64AE1B3FB}"/>
+              </a:ext>
+            </a:extLst>
+          </p:cNvPr>
+          <p:cNvSpPr>
+            <a:spLocks noGrp="1"/>
+          </p:cNvSpPr>
+          <p:nvPr>
+            <p:ph type="title"/>
+          </p:nvPr>
+        </p:nvSpPr>
+        <p:spPr/>
+        <p:txBody>
+          <a:bodyPr/>
+          <a:lstStyle/>
+          <a:p>
+            <a:r>
+              <a:rPr lang="de-DE" dirty="0"/>
+              <a:t>Outline</a:t>
+            </a:r>
+            <a:endParaRPr lang="en-US" dirty="0"/>
+          </a:p>
+        </p:txBody>
+      </p:sp>
+    </p:spTree>
+    <p:extLst>
+      <p:ext uri="{BB962C8B-B14F-4D97-AF65-F5344CB8AC3E}">
+        <p14:creationId xmlns:p14="http://schemas.microsoft.com/office/powerpoint/2010/main" val="1011796526"/>
+      </p:ext>
+    </p:extLst>
+  </p:cSld>
+  <p:clrMapOvr>
+    <a:masterClrMapping/>
+  </p:clrMapOvr>
+  <p:timing>
+    <p:tnLst>
+      <p:par>
+        <p:cTn id="1" dur="indefinite" restart="never" nodeType="tmRoot">
+          <p:childTnLst>
+            <p:seq concurrent="1" nextAc="seek">
+              <p:cTn id="2" dur="indefinite" nodeType="mainSeq">
+                <p:childTnLst>
+                  <p:par>
+                    <p:cTn id="3" fill="hold">
+                      <p:stCondLst>
+                        <p:cond delay="indefinite"/>
+                      </p:stCondLst>
+                      <p:childTnLst>
+                        <p:par>
+                          <p:cTn id="4" fill="hold">
+                            <p:stCondLst>
+                              <p:cond delay="0"/>
+                            </p:stCondLst>
+                            <p:childTnLst>
+                              <p:par>
+                                <p:cTn id="5" presetID="19" presetClass="emph" presetSubtype="0" fill="hold" grpId="0" nodeType="clickEffect">
+                                  <p:stCondLst>
+                                    <p:cond delay="0"/>
+                                  </p:stCondLst>
+                                  <p:childTnLst>
+                                    <p:animClr clrSpc="rgb" dir="cw">
+                                      <p:cBhvr override="childStyle">
+                                        <p:cTn id="6" dur="500" fill="hold"/>
+                                        <p:tgtEl>
+                                          <p:spTgt spid="2">
+                                            <p:txEl>
+                                              <p:pRg st="1" end="1"/>
+                                            </p:txEl>
+                                          </p:spTgt>
+                                        </p:tgtEl>
+                                        <p:attrNameLst>
+                                          <p:attrName>style.color</p:attrName>
+                                        </p:attrNameLst>
+                                      </p:cBhvr>
+                                      <p:to>
+                                        <a:srgbClr val="D8D8D8"/>
+                                      </p:to>
+                                    </p:animClr>
+                                    <p:animClr clrSpc="rgb" dir="cw">
+                                      <p:cBhvr>
+                                        <p:cTn id="7" dur="500" fill="hold"/>
+                                        <p:tgtEl>
+                                          <p:spTgt spid="2">
+                                            <p:txEl>
+                                              <p:pRg st="1" end="1"/>
+                                            </p:txEl>
+                                          </p:spTgt>
+                                        </p:tgtEl>
+                                        <p:attrNameLst>
+                                          <p:attrName>fillcolor</p:attrName>
+                                        </p:attrNameLst>
+                                      </p:cBhvr>
+                                      <p:to>
+                                        <a:srgbClr val="D8D8D8"/>
+                                      </p:to>
+                                    </p:animClr>
+                                    <p:set>
+                                      <p:cBhvr>
+                                        <p:cTn id="8" dur="500" fill="hold"/>
+                                        <p:tgtEl>
+                                          <p:spTgt spid="2">
+                                            <p:txEl>
+                                              <p:pRg st="1" end="1"/>
+                                            </p:txEl>
+                                          </p:spTgt>
+                                        </p:tgtEl>
+                                        <p:attrNameLst>
+                                          <p:attrName>fill.type</p:attrName>
+                                        </p:attrNameLst>
+                                      </p:cBhvr>
+                                      <p:to>
+                                        <p:strVal val="solid"/>
+                                      </p:to>
+                                    </p:set>
+                                    <p:set>
+                                      <p:cBhvr>
+                                        <p:cTn id="9" dur="500" fill="hold"/>
+                                        <p:tgtEl>
+                                          <p:spTgt spid="2">
+                                            <p:txEl>
+                                              <p:pRg st="1" end="1"/>
+                                            </p:txEl>
+                                          </p:spTgt>
+                                        </p:tgtEl>
+                                        <p:attrNameLst>
+                                          <p:attrName>fill.on</p:attrName>
+                                        </p:attrNameLst>
+                                      </p:cBhvr>
+                                      <p:to>
+                                        <p:strVal val="true"/>
+                                      </p:to>
+                                    </p:set>
+                                  </p:childTnLst>
+                                </p:cTn>
+                              </p:par>
+                              <p:par>
+                                <p:cTn id="10" presetID="19" presetClass="emph" presetSubtype="0" fill="hold" grpId="1" nodeType="withEffect">
+                                  <p:stCondLst>
+                                    <p:cond delay="0"/>
+                                  </p:stCondLst>
+                                  <p:childTnLst>
+                                    <p:animClr clrSpc="rgb" dir="cw">
+                                      <p:cBhvr override="childStyle">
+                                        <p:cTn id="11" dur="500" fill="hold"/>
+                                        <p:tgtEl>
+                                          <p:spTgt spid="2">
+                                            <p:txEl>
+                                              <p:pRg st="0" end="0"/>
+                                            </p:txEl>
+                                          </p:spTgt>
+                                        </p:tgtEl>
+                                        <p:attrNameLst>
+                                          <p:attrName>style.color</p:attrName>
+                                        </p:attrNameLst>
+                                      </p:cBhvr>
+                                      <p:to>
+                                        <a:srgbClr val="D8D8D8"/>
+                                      </p:to>
+                                    </p:animClr>
+                                    <p:animClr clrSpc="rgb" dir="cw">
+                                      <p:cBhvr>
+                                        <p:cTn id="12" dur="500" fill="hold"/>
+                                        <p:tgtEl>
+                                          <p:spTgt spid="2">
+                                            <p:txEl>
+                                              <p:pRg st="0" end="0"/>
+                                            </p:txEl>
+                                          </p:spTgt>
+                                        </p:tgtEl>
+                                        <p:attrNameLst>
+                                          <p:attrName>fillcolor</p:attrName>
+                                        </p:attrNameLst>
+                                      </p:cBhvr>
+                                      <p:to>
+                                        <a:srgbClr val="D8D8D8"/>
+                                      </p:to>
+                                    </p:animClr>
+                                    <p:set>
+                                      <p:cBhvr>
+                                        <p:cTn id="13" dur="500" fill="hold"/>
+                                        <p:tgtEl>
+                                          <p:spTgt spid="2">
+                                            <p:txEl>
+                                              <p:pRg st="0" end="0"/>
+                                            </p:txEl>
+                                          </p:spTgt>
+                                        </p:tgtEl>
+                                        <p:attrNameLst>
+                                          <p:attrName>fill.type</p:attrName>
+                                        </p:attrNameLst>
+                                      </p:cBhvr>
+                                      <p:to>
+                                        <p:strVal val="solid"/>
+                                      </p:to>
+                                    </p:set>
+                                    <p:set>
+                                      <p:cBhvr>
+                                        <p:cTn id="14" dur="500" fill="hold"/>
+                                        <p:tgtEl>
+                                          <p:spTgt spid="2">
+                                            <p:txEl>
+                                              <p:pRg st="0" end="0"/>
+                                            </p:txEl>
+                                          </p:spTgt>
+                                        </p:tgtEl>
+                                        <p:attrNameLst>
+                                          <p:attrName>fill.on</p:attrName>
+                                        </p:attrNameLst>
+                                      </p:cBhvr>
+                                      <p:to>
+                                        <p:strVal val="true"/>
+                                      </p:to>
+                                    </p:set>
+                                  </p:childTnLst>
+                                </p:cTn>
+                              </p:par>
+                              <p:par>
+                                <p:cTn id="15" presetID="19" presetClass="emph" presetSubtype="0" fill="hold" grpId="2" nodeType="withEffect">
+                                  <p:stCondLst>
+                                    <p:cond delay="0"/>
+                                  </p:stCondLst>
+                                  <p:childTnLst>
+                                    <p:animClr clrSpc="rgb" dir="cw">
+                                      <p:cBhvr override="childStyle">
+                                        <p:cTn id="16" dur="500" fill="hold"/>
+                                        <p:tgtEl>
+                                          <p:spTgt spid="2">
+                                            <p:txEl>
+                                              <p:pRg st="2" end="2"/>
+                                            </p:txEl>
+                                          </p:spTgt>
+                                        </p:tgtEl>
+                                        <p:attrNameLst>
+                                          <p:attrName>style.color</p:attrName>
+                                        </p:attrNameLst>
+                                      </p:cBhvr>
+                                      <p:to>
+                                        <a:srgbClr val="D8D8D8"/>
+                                      </p:to>
+                                    </p:animClr>
+                                    <p:animClr clrSpc="rgb" dir="cw">
+                                      <p:cBhvr>
+                                        <p:cTn id="17" dur="500" fill="hold"/>
+                                        <p:tgtEl>
+                                          <p:spTgt spid="2">
+                                            <p:txEl>
+                                              <p:pRg st="2" end="2"/>
+                                            </p:txEl>
+                                          </p:spTgt>
+                                        </p:tgtEl>
+                                        <p:attrNameLst>
+                                          <p:attrName>fillcolor</p:attrName>
+                                        </p:attrNameLst>
+                                      </p:cBhvr>
+                                      <p:to>
+                                        <a:srgbClr val="D8D8D8"/>
+                                      </p:to>
+                                    </p:animClr>
+                                    <p:set>
+                                      <p:cBhvr>
+                                        <p:cTn id="18" dur="500" fill="hold"/>
+                                        <p:tgtEl>
+                                          <p:spTgt spid="2">
+                                            <p:txEl>
+                                              <p:pRg st="2" end="2"/>
+                                            </p:txEl>
+                                          </p:spTgt>
+                                        </p:tgtEl>
+                                        <p:attrNameLst>
+                                          <p:attrName>fill.type</p:attrName>
+                                        </p:attrNameLst>
+                                      </p:cBhvr>
+                                      <p:to>
+                                        <p:strVal val="solid"/>
+                                      </p:to>
+                                    </p:set>
+                                    <p:set>
+                                      <p:cBhvr>
+                                        <p:cTn id="19" dur="500" fill="hold"/>
+                                        <p:tgtEl>
+                                          <p:spTgt spid="2">
+                                            <p:txEl>
+                                              <p:pRg st="2" end="2"/>
+                                            </p:txEl>
+                                          </p:spTgt>
+                                        </p:tgtEl>
+                                        <p:attrNameLst>
+                                          <p:attrName>fill.on</p:attrName>
+                                        </p:attrNameLst>
+                                      </p:cBhvr>
+                                      <p:to>
+                                        <p:strVal val="true"/>
+                                      </p:to>
+                                    </p:set>
+                                  </p:childTnLst>
+                                </p:cTn>
+                              </p:par>
+                            </p:childTnLst>
+                          </p:cTn>
+                        </p:par>
+                      </p:childTnLst>
+                    </p:cTn>
+                  </p:par>
+                </p:childTnLst>
+              </p:cTn>
+              <p:prevCondLst>
+                <p:cond evt="onPrev" delay="0">
+                  <p:tgtEl>
+                    <p:sldTgt/>
+                  </p:tgtEl>
+                </p:cond>
+              </p:prevCondLst>
+              <p:nextCondLst>
+                <p:cond evt="onNext" delay="0">
+                  <p:tgtEl>
+                    <p:sldTgt/>
+                  </p:tgtEl>
+                </p:cond>
+              </p:nextCondLst>
+            </p:seq>
+          </p:childTnLst>
+        </p:cTn>
+      </p:par>
+    </p:tnLst>
+    <p:bldLst>
+      <p:bldP spid="2" grpId="0" uiExpand="1" build="p"/>
+      <p:bldP spid="2" grpId="1" uiExpand="1" build="p"/>
+      <p:bldP spid="2" grpId="2" uiExpand="1" build="p"/>
+    </p:bldLst>
+  </p:timing>
+</p:sld>
+</file>
+
+<file path=ppt/slides/slide11.xml><?xml version="1.0" encoding="utf-8"?>
+<p:sld xmlns:a="http://schemas.openxmlformats.org/drawingml/2006/main" xmlns:r="http://schemas.openxmlformats.org/officeDocument/2006/relationships" xmlns:p="http://schemas.openxmlformats.org/presentationml/2006/main">
+  <p:cSld>
+    <p:spTree>
+      <p:nvGrpSpPr>
+        <p:cNvPr id="1" name=""/>
+        <p:cNvGrpSpPr/>
+        <p:nvPr/>
+      </p:nvGrpSpPr>
+      <p:grpSpPr>
+        <a:xfrm>
+          <a:off x="0" y="0"/>
+          <a:ext cx="0" cy="0"/>
+          <a:chOff x="0" y="0"/>
+          <a:chExt cx="0" cy="0"/>
+        </a:xfrm>
+      </p:grpSpPr>
+      <p:sp>
+        <p:nvSpPr>
+          <p:cNvPr id="2" name="Inhaltsplatzhalter 1">
+            <a:extLst>
+              <a:ext uri="{FF2B5EF4-FFF2-40B4-BE49-F238E27FC236}">
+                <a16:creationId xmlns:a16="http://schemas.microsoft.com/office/drawing/2014/main" id="{1A13543A-4520-4953-B045-E96B7FAC8F8B}"/>
+              </a:ext>
+            </a:extLst>
+          </p:cNvPr>
+          <p:cNvSpPr>
+            <a:spLocks noGrp="1"/>
+          </p:cNvSpPr>
+          <p:nvPr>
+            <p:ph idx="10"/>
+          </p:nvPr>
+        </p:nvSpPr>
+        <p:spPr/>
+        <p:txBody>
+          <a:bodyPr/>
+          <a:lstStyle/>
+          <a:p>
+            <a:pPr marL="285750" indent="-285750">
+              <a:buFont typeface="Arial" panose="020B0604020202020204" pitchFamily="34" charset="0"/>
+              <a:buChar char="•"/>
+            </a:pPr>
+            <a:r>
+              <a:rPr lang="en-US" dirty="0"/>
+              <a:t>Point 1</a:t>
+            </a:r>
+          </a:p>
+          <a:p>
+            <a:pPr marL="285750" indent="-285750">
+              <a:buFont typeface="Arial" panose="020B0604020202020204" pitchFamily="34" charset="0"/>
+              <a:buChar char="•"/>
+            </a:pPr>
+            <a:r>
+              <a:rPr lang="en-US" dirty="0"/>
+              <a:t>Point 2</a:t>
+            </a:r>
+          </a:p>
+          <a:p>
+            <a:pPr marL="285750" indent="-285750">
+              <a:buFont typeface="Arial" panose="020B0604020202020204" pitchFamily="34" charset="0"/>
+              <a:buChar char="•"/>
+            </a:pPr>
+            <a:r>
+              <a:rPr lang="en-US" dirty="0"/>
+              <a:t>Point 3</a:t>
+            </a:r>
+          </a:p>
+          <a:p>
+            <a:pPr marL="285750" indent="-285750">
+              <a:buFont typeface="Arial" panose="020B0604020202020204" pitchFamily="34" charset="0"/>
+              <a:buChar char="•"/>
+            </a:pPr>
+            <a:endParaRPr lang="en-US" dirty="0"/>
+          </a:p>
+        </p:txBody>
+      </p:sp>
+      <p:sp>
+        <p:nvSpPr>
+          <p:cNvPr id="3" name="Foliennummernplatzhalter 2">
+            <a:extLst>
+              <a:ext uri="{FF2B5EF4-FFF2-40B4-BE49-F238E27FC236}">
+                <a16:creationId xmlns:a16="http://schemas.microsoft.com/office/drawing/2014/main" id="{A366489A-8C80-4D71-99AB-A1991302B570}"/>
+              </a:ext>
+            </a:extLst>
+          </p:cNvPr>
+          <p:cNvSpPr>
+            <a:spLocks noGrp="1"/>
+          </p:cNvSpPr>
+          <p:nvPr>
+            <p:ph type="sldNum" sz="quarter" idx="11"/>
+          </p:nvPr>
+        </p:nvSpPr>
+        <p:spPr/>
+        <p:txBody>
+          <a:bodyPr/>
+          <a:lstStyle/>
+          <a:p>
+            <a:fld id="{CE58CB1E-F828-4F11-99E0-327109AF9DA4}" type="slidenum">
+              <a:rPr lang="de-DE" smtClean="0"/>
+              <a:pPr/>
+              <a:t>11</a:t>
+            </a:fld>
+            <a:endParaRPr lang="de-DE" dirty="0"/>
+          </a:p>
+        </p:txBody>
+      </p:sp>
+      <p:sp>
+        <p:nvSpPr>
+          <p:cNvPr id="4" name="Titel 3">
+            <a:extLst>
+              <a:ext uri="{FF2B5EF4-FFF2-40B4-BE49-F238E27FC236}">
+                <a16:creationId xmlns:a16="http://schemas.microsoft.com/office/drawing/2014/main" id="{36ADE80A-1283-4AF4-A236-A4BF09D9B274}"/>
+              </a:ext>
+            </a:extLst>
+          </p:cNvPr>
+          <p:cNvSpPr>
+            <a:spLocks noGrp="1"/>
+          </p:cNvSpPr>
+          <p:nvPr>
+            <p:ph type="title"/>
+          </p:nvPr>
+        </p:nvSpPr>
+        <p:spPr/>
+        <p:txBody>
+          <a:bodyPr/>
+          <a:lstStyle/>
+          <a:p>
+            <a:r>
+              <a:rPr lang="en-US" dirty="0"/>
+              <a:t>Conclusions</a:t>
+            </a:r>
+          </a:p>
+        </p:txBody>
+      </p:sp>
+    </p:spTree>
+    <p:extLst>
+      <p:ext uri="{BB962C8B-B14F-4D97-AF65-F5344CB8AC3E}">
+        <p14:creationId xmlns:p14="http://schemas.microsoft.com/office/powerpoint/2010/main" val="1631079468"/>
+      </p:ext>
+    </p:extLst>
+  </p:cSld>
+  <p:clrMapOvr>
+    <a:masterClrMapping/>
+  </p:clrMapOvr>
+</p:sld>
+</file>
+
+<file path=ppt/slides/slide12.xml><?xml version="1.0" encoding="utf-8"?>
+<p:sld xmlns:a="http://schemas.openxmlformats.org/drawingml/2006/main" xmlns:r="http://schemas.openxmlformats.org/officeDocument/2006/relationships" xmlns:p="http://schemas.openxmlformats.org/presentationml/2006/main">
+  <p:cSld>
+    <p:spTree>
+      <p:nvGrpSpPr>
+        <p:cNvPr id="1" name=""/>
+        <p:cNvGrpSpPr/>
+        <p:nvPr/>
+      </p:nvGrpSpPr>
+      <p:grpSpPr>
+        <a:xfrm>
+          <a:off x="0" y="0"/>
+          <a:ext cx="0" cy="0"/>
+          <a:chOff x="0" y="0"/>
+          <a:chExt cx="0" cy="0"/>
+        </a:xfrm>
+      </p:grpSpPr>
+      <p:sp>
+        <p:nvSpPr>
+          <p:cNvPr id="3" name="Foliennummernplatzhalter 2">
+            <a:extLst>
+              <a:ext uri="{FF2B5EF4-FFF2-40B4-BE49-F238E27FC236}">
+                <a16:creationId xmlns:a16="http://schemas.microsoft.com/office/drawing/2014/main" id="{A366489A-8C80-4D71-99AB-A1991302B570}"/>
+              </a:ext>
+            </a:extLst>
+          </p:cNvPr>
+          <p:cNvSpPr>
+            <a:spLocks noGrp="1"/>
+          </p:cNvSpPr>
+          <p:nvPr>
+            <p:ph type="sldNum" sz="quarter" idx="11"/>
+          </p:nvPr>
+        </p:nvSpPr>
+        <p:spPr/>
+        <p:txBody>
+          <a:bodyPr/>
+          <a:lstStyle/>
+          <a:p>
+            <a:fld id="{CE58CB1E-F828-4F11-99E0-327109AF9DA4}" type="slidenum">
+              <a:rPr lang="de-DE" smtClean="0"/>
+              <a:pPr/>
+              <a:t>12</a:t>
+            </a:fld>
+            <a:endParaRPr lang="de-DE" dirty="0"/>
+          </a:p>
+        </p:txBody>
+      </p:sp>
+      <p:sp>
+        <p:nvSpPr>
+          <p:cNvPr id="4" name="Titel 3">
+            <a:extLst>
+              <a:ext uri="{FF2B5EF4-FFF2-40B4-BE49-F238E27FC236}">
+                <a16:creationId xmlns:a16="http://schemas.microsoft.com/office/drawing/2014/main" id="{36ADE80A-1283-4AF4-A236-A4BF09D9B274}"/>
+              </a:ext>
+            </a:extLst>
+          </p:cNvPr>
           <p:cNvSpPr>
             <a:spLocks noGrp="1"/>
           </p:cNvSpPr>
@@ -9456,22 +10443,18 @@
         </p:nvSpPr>
         <p:spPr>
           <a:xfrm>
-            <a:off x="319090" y="994334"/>
-            <a:ext cx="8508999" cy="482248"/>
+            <a:off x="319090" y="3223816"/>
+            <a:ext cx="8508999" cy="410369"/>
           </a:xfrm>
         </p:spPr>
         <p:txBody>
           <a:bodyPr/>
           <a:lstStyle/>
           <a:p>
-            <a:pPr>
-              <a:lnSpc>
-                <a:spcPct val="114000"/>
-              </a:lnSpc>
-            </a:pPr>
+            <a:pPr algn="ctr"/>
             <a:r>
               <a:rPr lang="en-US" dirty="0"/>
-              <a:t>Final Presentation of Advanced Seminar</a:t>
+              <a:t>Thank you for your attention!</a:t>
             </a:r>
           </a:p>
         </p:txBody>
@@ -9479,7 +10462,7 @@
     </p:spTree>
     <p:extLst>
       <p:ext uri="{BB962C8B-B14F-4D97-AF65-F5344CB8AC3E}">
-        <p14:creationId xmlns:p14="http://schemas.microsoft.com/office/powerpoint/2010/main" val="2086259993"/>
+        <p14:creationId xmlns:p14="http://schemas.microsoft.com/office/powerpoint/2010/main" val="3579100488"/>
       </p:ext>
     </p:extLst>
   </p:cSld>
@@ -9489,7 +10472,1540 @@
 </p:sld>
 </file>
 
-<file path=ppt/slides/slide10.xml><?xml version="1.0" encoding="utf-8"?>
+<file path=ppt/slides/slide13.xml><?xml version="1.0" encoding="utf-8"?>
+<p:sld xmlns:a="http://schemas.openxmlformats.org/drawingml/2006/main" xmlns:r="http://schemas.openxmlformats.org/officeDocument/2006/relationships" xmlns:p="http://schemas.openxmlformats.org/presentationml/2006/main" show="0">
+  <p:cSld>
+    <p:spTree>
+      <p:nvGrpSpPr>
+        <p:cNvPr id="1" name=""/>
+        <p:cNvGrpSpPr/>
+        <p:nvPr/>
+      </p:nvGrpSpPr>
+      <p:grpSpPr>
+        <a:xfrm>
+          <a:off x="0" y="0"/>
+          <a:ext cx="0" cy="0"/>
+          <a:chOff x="0" y="0"/>
+          <a:chExt cx="0" cy="0"/>
+        </a:xfrm>
+      </p:grpSpPr>
+      <p:sp>
+        <p:nvSpPr>
+          <p:cNvPr id="2" name="Inhaltsplatzhalter 1"/>
+          <p:cNvSpPr>
+            <a:spLocks noGrp="1"/>
+          </p:cNvSpPr>
+          <p:nvPr>
+            <p:ph idx="1"/>
+          </p:nvPr>
+        </p:nvSpPr>
+        <p:spPr/>
+        <p:txBody>
+          <a:bodyPr/>
+          <a:lstStyle/>
+          <a:p>
+            <a:r>
+              <a:rPr dirty="0"/>
+              <a:t>Das Grundprinzip ist, Informationen bestmöglich zu transportieren. Dazu muss vor allem die Schrift einheitlich und für alle im Raum lesbar sein. </a:t>
+            </a:r>
+          </a:p>
+          <a:p>
+            <a:endParaRPr dirty="0"/>
+          </a:p>
+          <a:p>
+            <a:r>
+              <a:rPr dirty="0" err="1"/>
+              <a:t>Schriftart</a:t>
+            </a:r>
+            <a:r>
+              <a:rPr dirty="0"/>
+              <a:t>: Arial</a:t>
+            </a:r>
+          </a:p>
+          <a:p>
+            <a:endParaRPr dirty="0"/>
+          </a:p>
+          <a:p>
+            <a:r>
+              <a:rPr dirty="0" err="1"/>
+              <a:t>Schriftgr</a:t>
+            </a:r>
+            <a:r>
+              <a:rPr lang="de-DE" dirty="0" err="1"/>
+              <a:t>ößen</a:t>
+            </a:r>
+            <a:r>
+              <a:rPr dirty="0"/>
+              <a:t>:</a:t>
+            </a:r>
+            <a:r>
+              <a:rPr lang="de-DE" dirty="0"/>
+              <a:t>30 | 22 | 16 | 12</a:t>
+            </a:r>
+            <a:endParaRPr dirty="0"/>
+          </a:p>
+          <a:p>
+            <a:endParaRPr dirty="0"/>
+          </a:p>
+          <a:p>
+            <a:r>
+              <a:rPr dirty="0" err="1"/>
+              <a:t>Zeilenabstand</a:t>
+            </a:r>
+            <a:r>
+              <a:rPr dirty="0"/>
+              <a:t>: 1,15mm</a:t>
+            </a:r>
+          </a:p>
+          <a:p>
+            <a:endParaRPr dirty="0"/>
+          </a:p>
+          <a:p>
+            <a:r>
+              <a:rPr dirty="0"/>
+              <a:t>Die Einstellungen sind in den Textfeldern und Textfeldvorlagen dieses ppt-Masters als Standard eingestellt. Bei Diagrammen und Tabellen muss die Schriftgröße ggf. angepasst werden.</a:t>
+            </a:r>
+            <a:r>
+              <a:rPr lang="de-DE" dirty="0"/>
+              <a:t> Für Auszeichnungen im Fließtext kann auch </a:t>
+            </a:r>
+            <a:r>
+              <a:rPr lang="de-DE" b="1" dirty="0"/>
+              <a:t>fett </a:t>
+            </a:r>
+            <a:r>
+              <a:rPr lang="de-DE" dirty="0"/>
+              <a:t>markiert werden.</a:t>
+            </a:r>
+            <a:endParaRPr dirty="0"/>
+          </a:p>
+          <a:p>
+            <a:r>
+              <a:rPr dirty="0"/>
+              <a:t>Bei großer Distanz bzw. </a:t>
+            </a:r>
+            <a:r>
+              <a:rPr dirty="0" err="1"/>
+              <a:t>kleinem</a:t>
+            </a:r>
+            <a:r>
+              <a:rPr dirty="0"/>
+              <a:t> </a:t>
+            </a:r>
+            <a:r>
+              <a:rPr dirty="0" err="1"/>
+              <a:t>Präsentationsmedium</a:t>
+            </a:r>
+            <a:r>
+              <a:rPr dirty="0"/>
+              <a:t> kann der Schriftgrad notfalls proportional erhöht werden.</a:t>
+            </a:r>
+          </a:p>
+        </p:txBody>
+      </p:sp>
+      <p:sp>
+        <p:nvSpPr>
+          <p:cNvPr id="4" name="Foliennummernplatzhalter 3"/>
+          <p:cNvSpPr>
+            <a:spLocks noGrp="1"/>
+          </p:cNvSpPr>
+          <p:nvPr>
+            <p:ph type="sldNum" sz="quarter" idx="11"/>
+          </p:nvPr>
+        </p:nvSpPr>
+        <p:spPr>
+          <a:prstGeom prst="rect">
+            <a:avLst/>
+          </a:prstGeom>
+        </p:spPr>
+        <p:txBody>
+          <a:bodyPr/>
+          <a:lstStyle/>
+          <a:p>
+            <a:fld id="{CE58CB1E-F828-4F11-99E0-327109AF9DA4}" type="slidenum">
+              <a:rPr lang="de-DE" smtClean="0"/>
+              <a:pPr/>
+              <a:t>13</a:t>
+            </a:fld>
+            <a:endParaRPr lang="de-DE" dirty="0"/>
+          </a:p>
+        </p:txBody>
+      </p:sp>
+      <p:sp>
+        <p:nvSpPr>
+          <p:cNvPr id="3" name="Titel 2"/>
+          <p:cNvSpPr>
+            <a:spLocks noGrp="1"/>
+          </p:cNvSpPr>
+          <p:nvPr>
+            <p:ph type="title"/>
+          </p:nvPr>
+        </p:nvSpPr>
+        <p:spPr>
+          <a:prstGeom prst="rect">
+            <a:avLst/>
+          </a:prstGeom>
+        </p:spPr>
+        <p:txBody>
+          <a:bodyPr/>
+          <a:lstStyle/>
+          <a:p>
+            <a:r>
+              <a:rPr sz="3000" dirty="0"/>
+              <a:t>Schrift</a:t>
+            </a:r>
+            <a:endParaRPr lang="de-DE" sz="3000" dirty="0"/>
+          </a:p>
+        </p:txBody>
+      </p:sp>
+      <p:sp>
+        <p:nvSpPr>
+          <p:cNvPr id="7" name="Fußzeilenplatzhalter 3">
+            <a:extLst>
+              <a:ext uri="{FF2B5EF4-FFF2-40B4-BE49-F238E27FC236}">
+                <a16:creationId xmlns:a16="http://schemas.microsoft.com/office/drawing/2014/main" id="{3EF033C2-BFE5-463A-8665-11E06BDCE587}"/>
+              </a:ext>
+            </a:extLst>
+          </p:cNvPr>
+          <p:cNvSpPr>
+            <a:spLocks noGrp="1"/>
+          </p:cNvSpPr>
+          <p:nvPr>
+            <p:ph type="ftr" sz="quarter" idx="12"/>
+          </p:nvPr>
+        </p:nvSpPr>
+        <p:spPr>
+          <a:xfrm>
+            <a:off x="311163" y="6473313"/>
+            <a:ext cx="1430552" cy="365125"/>
+          </a:xfrm>
+        </p:spPr>
+        <p:txBody>
+          <a:bodyPr/>
+          <a:lstStyle/>
+          <a:p>
+            <a:r>
+              <a:rPr lang="de-DE" dirty="0"/>
+              <a:t>Hannes Bohnengel</a:t>
+            </a:r>
+            <a:endParaRPr lang="en-US" dirty="0"/>
+          </a:p>
+        </p:txBody>
+      </p:sp>
+    </p:spTree>
+  </p:cSld>
+  <p:clrMapOvr>
+    <a:masterClrMapping/>
+  </p:clrMapOvr>
+</p:sld>
+</file>
+
+<file path=ppt/slides/slide14.xml><?xml version="1.0" encoding="utf-8"?>
+<p:sld xmlns:a="http://schemas.openxmlformats.org/drawingml/2006/main" xmlns:r="http://schemas.openxmlformats.org/officeDocument/2006/relationships" xmlns:p="http://schemas.openxmlformats.org/presentationml/2006/main" show="0">
+  <p:cSld>
+    <p:spTree>
+      <p:nvGrpSpPr>
+        <p:cNvPr id="1" name=""/>
+        <p:cNvGrpSpPr/>
+        <p:nvPr/>
+      </p:nvGrpSpPr>
+      <p:grpSpPr>
+        <a:xfrm>
+          <a:off x="0" y="0"/>
+          <a:ext cx="0" cy="0"/>
+          <a:chOff x="0" y="0"/>
+          <a:chExt cx="0" cy="0"/>
+        </a:xfrm>
+      </p:grpSpPr>
+      <p:sp>
+        <p:nvSpPr>
+          <p:cNvPr id="2" name="Inhaltsplatzhalter 1"/>
+          <p:cNvSpPr>
+            <a:spLocks noGrp="1"/>
+          </p:cNvSpPr>
+          <p:nvPr>
+            <p:ph idx="1"/>
+          </p:nvPr>
+        </p:nvSpPr>
+        <p:spPr/>
+        <p:txBody>
+          <a:bodyPr/>
+          <a:lstStyle/>
+          <a:p>
+            <a:r>
+              <a:rPr dirty="0"/>
+              <a:t>Als erstes soll mit schwarz und weiß gearbeitet werden.</a:t>
+            </a:r>
+            <a:br>
+              <a:rPr dirty="0"/>
+            </a:br>
+            <a:r>
+              <a:rPr dirty="0"/>
+              <a:t>Für Aufwändigere Darstellungen sind Farben mit Bedacht und in möglichst geringem Umfang einzusetzen.</a:t>
+            </a:r>
+            <a:br>
+              <a:rPr dirty="0"/>
+            </a:br>
+            <a:endParaRPr dirty="0"/>
+          </a:p>
+          <a:p>
+            <a:r>
+              <a:rPr dirty="0"/>
+              <a:t>In diesem Folienmaster ist die Farbpalette festgelegt.</a:t>
+            </a:r>
+          </a:p>
+          <a:p>
+            <a:endParaRPr dirty="0"/>
+          </a:p>
+          <a:p>
+            <a:r>
+              <a:rPr dirty="0"/>
+              <a:t>Zuerst mit </a:t>
+            </a:r>
+            <a:r>
+              <a:rPr lang="de-DE" dirty="0"/>
+              <a:t>den Primärfarben </a:t>
+            </a:r>
+            <a:r>
+              <a:rPr dirty="0"/>
+              <a:t>arbeiten</a:t>
+            </a:r>
+            <a:r>
+              <a:rPr lang="de-DE" dirty="0"/>
+              <a:t>.</a:t>
+            </a:r>
+          </a:p>
+          <a:p>
+            <a:endParaRPr lang="de-DE" dirty="0"/>
+          </a:p>
+          <a:p>
+            <a:endParaRPr lang="de-DE" dirty="0"/>
+          </a:p>
+          <a:p>
+            <a:r>
+              <a:rPr dirty="0"/>
+              <a:t>Für z.B. komplexe Diagramme stehen noch</a:t>
+            </a:r>
+            <a:r>
+              <a:rPr lang="de-DE" dirty="0"/>
+              <a:t>Sekundärfarben </a:t>
+            </a:r>
+            <a:r>
+              <a:rPr dirty="0"/>
+              <a:t>zur Verfügung.</a:t>
+            </a:r>
+          </a:p>
+          <a:p>
+            <a:endParaRPr dirty="0"/>
+          </a:p>
+          <a:p>
+            <a:endParaRPr dirty="0"/>
+          </a:p>
+          <a:p>
+            <a:r>
+              <a:rPr lang="de-DE" dirty="0"/>
+              <a:t>Gering im Einsatz sind die Akzentfarben.</a:t>
+            </a:r>
+            <a:endParaRPr dirty="0"/>
+          </a:p>
+          <a:p>
+            <a:endParaRPr dirty="0"/>
+          </a:p>
+        </p:txBody>
+      </p:sp>
+      <p:sp>
+        <p:nvSpPr>
+          <p:cNvPr id="4" name="Foliennummernplatzhalter 3"/>
+          <p:cNvSpPr>
+            <a:spLocks noGrp="1"/>
+          </p:cNvSpPr>
+          <p:nvPr>
+            <p:ph type="sldNum" sz="quarter" idx="11"/>
+          </p:nvPr>
+        </p:nvSpPr>
+        <p:spPr>
+          <a:prstGeom prst="rect">
+            <a:avLst/>
+          </a:prstGeom>
+        </p:spPr>
+        <p:txBody>
+          <a:bodyPr/>
+          <a:lstStyle/>
+          <a:p>
+            <a:fld id="{CE58CB1E-F828-4F11-99E0-327109AF9DA4}" type="slidenum">
+              <a:rPr lang="de-DE" smtClean="0"/>
+              <a:pPr/>
+              <a:t>14</a:t>
+            </a:fld>
+            <a:endParaRPr lang="de-DE" dirty="0"/>
+          </a:p>
+        </p:txBody>
+      </p:sp>
+      <p:sp>
+        <p:nvSpPr>
+          <p:cNvPr id="3" name="Titel 2"/>
+          <p:cNvSpPr>
+            <a:spLocks noGrp="1"/>
+          </p:cNvSpPr>
+          <p:nvPr>
+            <p:ph type="title"/>
+          </p:nvPr>
+        </p:nvSpPr>
+        <p:spPr>
+          <a:prstGeom prst="rect">
+            <a:avLst/>
+          </a:prstGeom>
+        </p:spPr>
+        <p:txBody>
+          <a:bodyPr/>
+          <a:lstStyle/>
+          <a:p>
+            <a:r>
+              <a:rPr sz="3000" dirty="0"/>
+              <a:t>Farben</a:t>
+            </a:r>
+            <a:endParaRPr lang="de-DE" sz="3000" dirty="0"/>
+          </a:p>
+        </p:txBody>
+      </p:sp>
+      <p:sp>
+        <p:nvSpPr>
+          <p:cNvPr id="14" name="Rechteck 13"/>
+          <p:cNvSpPr/>
+          <p:nvPr/>
+        </p:nvSpPr>
+        <p:spPr>
+          <a:xfrm>
+            <a:off x="321735" y="3843868"/>
+            <a:ext cx="855132" cy="245531"/>
+          </a:xfrm>
+          <a:prstGeom prst="rect">
+            <a:avLst/>
+          </a:prstGeom>
+          <a:solidFill>
+            <a:schemeClr val="bg2"/>
+          </a:solidFill>
+          <a:ln>
+            <a:noFill/>
+          </a:ln>
+        </p:spPr>
+        <p:style>
+          <a:lnRef idx="2">
+            <a:schemeClr val="accent1">
+              <a:shade val="50000"/>
+            </a:schemeClr>
+          </a:lnRef>
+          <a:fillRef idx="1">
+            <a:schemeClr val="accent1"/>
+          </a:fillRef>
+          <a:effectRef idx="0">
+            <a:schemeClr val="accent1"/>
+          </a:effectRef>
+          <a:fontRef idx="minor">
+            <a:schemeClr val="lt1"/>
+          </a:fontRef>
+        </p:style>
+        <p:txBody>
+          <a:bodyPr rot="0" spcFirstLastPara="0" vertOverflow="overflow" horzOverflow="overflow" vert="horz" wrap="square" lIns="91440" tIns="45720" rIns="91440" bIns="45720" numCol="1" spcCol="0" rtlCol="0" fromWordArt="0" anchor="t" anchorCtr="0" forceAA="0" compatLnSpc="1">
+            <a:prstTxWarp prst="textNoShape">
+              <a:avLst/>
+            </a:prstTxWarp>
+            <a:noAutofit/>
+          </a:bodyPr>
+          <a:lstStyle/>
+          <a:p>
+            <a:pPr algn="ctr">
+              <a:lnSpc>
+                <a:spcPct val="114000"/>
+              </a:lnSpc>
+            </a:pPr>
+            <a:endParaRPr lang="de-DE" dirty="0">
+              <a:solidFill>
+                <a:schemeClr val="accent1"/>
+              </a:solidFill>
+            </a:endParaRPr>
+          </a:p>
+        </p:txBody>
+      </p:sp>
+      <p:sp>
+        <p:nvSpPr>
+          <p:cNvPr id="24" name="Rechteck 23"/>
+          <p:cNvSpPr/>
+          <p:nvPr/>
+        </p:nvSpPr>
+        <p:spPr>
+          <a:xfrm>
+            <a:off x="1295402" y="3843868"/>
+            <a:ext cx="855132" cy="245531"/>
+          </a:xfrm>
+          <a:prstGeom prst="rect">
+            <a:avLst/>
+          </a:prstGeom>
+          <a:solidFill>
+            <a:schemeClr val="tx1"/>
+          </a:solidFill>
+          <a:ln>
+            <a:noFill/>
+          </a:ln>
+        </p:spPr>
+        <p:style>
+          <a:lnRef idx="2">
+            <a:schemeClr val="accent1">
+              <a:shade val="50000"/>
+            </a:schemeClr>
+          </a:lnRef>
+          <a:fillRef idx="1">
+            <a:schemeClr val="accent1"/>
+          </a:fillRef>
+          <a:effectRef idx="0">
+            <a:schemeClr val="accent1"/>
+          </a:effectRef>
+          <a:fontRef idx="minor">
+            <a:schemeClr val="lt1"/>
+          </a:fontRef>
+        </p:style>
+        <p:txBody>
+          <a:bodyPr rot="0" spcFirstLastPara="0" vertOverflow="overflow" horzOverflow="overflow" vert="horz" wrap="square" lIns="91440" tIns="45720" rIns="91440" bIns="45720" numCol="1" spcCol="0" rtlCol="0" fromWordArt="0" anchor="t" anchorCtr="0" forceAA="0" compatLnSpc="1">
+            <a:prstTxWarp prst="textNoShape">
+              <a:avLst/>
+            </a:prstTxWarp>
+            <a:noAutofit/>
+          </a:bodyPr>
+          <a:lstStyle/>
+          <a:p>
+            <a:pPr algn="ctr">
+              <a:lnSpc>
+                <a:spcPct val="114000"/>
+              </a:lnSpc>
+            </a:pPr>
+            <a:endParaRPr lang="de-DE" dirty="0">
+              <a:solidFill>
+                <a:schemeClr val="tx1"/>
+              </a:solidFill>
+            </a:endParaRPr>
+          </a:p>
+        </p:txBody>
+      </p:sp>
+      <p:sp>
+        <p:nvSpPr>
+          <p:cNvPr id="25" name="Rechteck 24"/>
+          <p:cNvSpPr/>
+          <p:nvPr/>
+        </p:nvSpPr>
+        <p:spPr>
+          <a:xfrm>
+            <a:off x="2260602" y="3843868"/>
+            <a:ext cx="855132" cy="245531"/>
+          </a:xfrm>
+          <a:prstGeom prst="rect">
+            <a:avLst/>
+          </a:prstGeom>
+          <a:solidFill>
+            <a:schemeClr val="bg1"/>
+          </a:solidFill>
+          <a:ln w="6350" cap="flat" cmpd="sng" algn="ctr">
+            <a:solidFill>
+              <a:schemeClr val="tx1"/>
+            </a:solidFill>
+            <a:prstDash val="solid"/>
+            <a:round/>
+            <a:headEnd type="none" w="med" len="med"/>
+            <a:tailEnd type="none" w="med" len="med"/>
+          </a:ln>
+        </p:spPr>
+        <p:style>
+          <a:lnRef idx="2">
+            <a:schemeClr val="accent1">
+              <a:shade val="50000"/>
+            </a:schemeClr>
+          </a:lnRef>
+          <a:fillRef idx="1">
+            <a:schemeClr val="accent1"/>
+          </a:fillRef>
+          <a:effectRef idx="0">
+            <a:schemeClr val="accent1"/>
+          </a:effectRef>
+          <a:fontRef idx="minor">
+            <a:schemeClr val="lt1"/>
+          </a:fontRef>
+        </p:style>
+        <p:txBody>
+          <a:bodyPr rot="0" spcFirstLastPara="0" vertOverflow="overflow" horzOverflow="overflow" vert="horz" wrap="square" lIns="91440" tIns="45720" rIns="91440" bIns="45720" numCol="1" spcCol="0" rtlCol="0" fromWordArt="0" anchor="t" anchorCtr="0" forceAA="0" compatLnSpc="1">
+            <a:prstTxWarp prst="textNoShape">
+              <a:avLst/>
+            </a:prstTxWarp>
+            <a:noAutofit/>
+          </a:bodyPr>
+          <a:lstStyle/>
+          <a:p>
+            <a:pPr algn="ctr">
+              <a:lnSpc>
+                <a:spcPct val="114000"/>
+              </a:lnSpc>
+            </a:pPr>
+            <a:endParaRPr lang="de-DE" dirty="0"/>
+          </a:p>
+        </p:txBody>
+      </p:sp>
+      <p:sp>
+        <p:nvSpPr>
+          <p:cNvPr id="26" name="Rechteck 25"/>
+          <p:cNvSpPr/>
+          <p:nvPr/>
+        </p:nvSpPr>
+        <p:spPr>
+          <a:xfrm>
+            <a:off x="321735" y="4665135"/>
+            <a:ext cx="855132" cy="245531"/>
+          </a:xfrm>
+          <a:prstGeom prst="rect">
+            <a:avLst/>
+          </a:prstGeom>
+          <a:solidFill>
+            <a:schemeClr val="accent1"/>
+          </a:solidFill>
+          <a:ln>
+            <a:noFill/>
+          </a:ln>
+        </p:spPr>
+        <p:style>
+          <a:lnRef idx="2">
+            <a:schemeClr val="accent1">
+              <a:shade val="50000"/>
+            </a:schemeClr>
+          </a:lnRef>
+          <a:fillRef idx="1">
+            <a:schemeClr val="accent1"/>
+          </a:fillRef>
+          <a:effectRef idx="0">
+            <a:schemeClr val="accent1"/>
+          </a:effectRef>
+          <a:fontRef idx="minor">
+            <a:schemeClr val="lt1"/>
+          </a:fontRef>
+        </p:style>
+        <p:txBody>
+          <a:bodyPr rot="0" spcFirstLastPara="0" vertOverflow="overflow" horzOverflow="overflow" vert="horz" wrap="square" lIns="91440" tIns="45720" rIns="91440" bIns="45720" numCol="1" spcCol="0" rtlCol="0" fromWordArt="0" anchor="t" anchorCtr="0" forceAA="0" compatLnSpc="1">
+            <a:prstTxWarp prst="textNoShape">
+              <a:avLst/>
+            </a:prstTxWarp>
+            <a:noAutofit/>
+          </a:bodyPr>
+          <a:lstStyle/>
+          <a:p>
+            <a:pPr algn="ctr">
+              <a:lnSpc>
+                <a:spcPct val="114000"/>
+              </a:lnSpc>
+            </a:pPr>
+            <a:endParaRPr lang="de-DE" dirty="0"/>
+          </a:p>
+        </p:txBody>
+      </p:sp>
+      <p:sp>
+        <p:nvSpPr>
+          <p:cNvPr id="27" name="Rechteck 26"/>
+          <p:cNvSpPr/>
+          <p:nvPr/>
+        </p:nvSpPr>
+        <p:spPr>
+          <a:xfrm>
+            <a:off x="1295402" y="4665135"/>
+            <a:ext cx="855132" cy="245531"/>
+          </a:xfrm>
+          <a:prstGeom prst="rect">
+            <a:avLst/>
+          </a:prstGeom>
+          <a:solidFill>
+            <a:schemeClr val="accent2"/>
+          </a:solidFill>
+          <a:ln>
+            <a:noFill/>
+          </a:ln>
+        </p:spPr>
+        <p:style>
+          <a:lnRef idx="2">
+            <a:schemeClr val="accent1">
+              <a:shade val="50000"/>
+            </a:schemeClr>
+          </a:lnRef>
+          <a:fillRef idx="1">
+            <a:schemeClr val="accent1"/>
+          </a:fillRef>
+          <a:effectRef idx="0">
+            <a:schemeClr val="accent1"/>
+          </a:effectRef>
+          <a:fontRef idx="minor">
+            <a:schemeClr val="lt1"/>
+          </a:fontRef>
+        </p:style>
+        <p:txBody>
+          <a:bodyPr rot="0" spcFirstLastPara="0" vertOverflow="overflow" horzOverflow="overflow" vert="horz" wrap="square" lIns="91440" tIns="45720" rIns="91440" bIns="45720" numCol="1" spcCol="0" rtlCol="0" fromWordArt="0" anchor="t" anchorCtr="0" forceAA="0" compatLnSpc="1">
+            <a:prstTxWarp prst="textNoShape">
+              <a:avLst/>
+            </a:prstTxWarp>
+            <a:noAutofit/>
+          </a:bodyPr>
+          <a:lstStyle/>
+          <a:p>
+            <a:pPr algn="ctr">
+              <a:lnSpc>
+                <a:spcPct val="114000"/>
+              </a:lnSpc>
+            </a:pPr>
+            <a:endParaRPr lang="de-DE" dirty="0"/>
+          </a:p>
+        </p:txBody>
+      </p:sp>
+      <p:sp>
+        <p:nvSpPr>
+          <p:cNvPr id="28" name="Rechteck 27"/>
+          <p:cNvSpPr/>
+          <p:nvPr/>
+        </p:nvSpPr>
+        <p:spPr>
+          <a:xfrm>
+            <a:off x="2260602" y="4665135"/>
+            <a:ext cx="855132" cy="245531"/>
+          </a:xfrm>
+          <a:prstGeom prst="rect">
+            <a:avLst/>
+          </a:prstGeom>
+          <a:solidFill>
+            <a:schemeClr val="accent3"/>
+          </a:solidFill>
+          <a:ln>
+            <a:noFill/>
+          </a:ln>
+        </p:spPr>
+        <p:style>
+          <a:lnRef idx="2">
+            <a:schemeClr val="accent1">
+              <a:shade val="50000"/>
+            </a:schemeClr>
+          </a:lnRef>
+          <a:fillRef idx="1">
+            <a:schemeClr val="accent1"/>
+          </a:fillRef>
+          <a:effectRef idx="0">
+            <a:schemeClr val="accent1"/>
+          </a:effectRef>
+          <a:fontRef idx="minor">
+            <a:schemeClr val="lt1"/>
+          </a:fontRef>
+        </p:style>
+        <p:txBody>
+          <a:bodyPr rot="0" spcFirstLastPara="0" vertOverflow="overflow" horzOverflow="overflow" vert="horz" wrap="square" lIns="91440" tIns="45720" rIns="91440" bIns="45720" numCol="1" spcCol="0" rtlCol="0" fromWordArt="0" anchor="t" anchorCtr="0" forceAA="0" compatLnSpc="1">
+            <a:prstTxWarp prst="textNoShape">
+              <a:avLst/>
+            </a:prstTxWarp>
+            <a:noAutofit/>
+          </a:bodyPr>
+          <a:lstStyle/>
+          <a:p>
+            <a:pPr algn="ctr">
+              <a:lnSpc>
+                <a:spcPct val="114000"/>
+              </a:lnSpc>
+            </a:pPr>
+            <a:endParaRPr lang="de-DE" dirty="0"/>
+          </a:p>
+        </p:txBody>
+      </p:sp>
+      <p:sp>
+        <p:nvSpPr>
+          <p:cNvPr id="29" name="Rechteck 28"/>
+          <p:cNvSpPr/>
+          <p:nvPr/>
+        </p:nvSpPr>
+        <p:spPr>
+          <a:xfrm>
+            <a:off x="3225802" y="4665135"/>
+            <a:ext cx="855132" cy="245531"/>
+          </a:xfrm>
+          <a:prstGeom prst="rect">
+            <a:avLst/>
+          </a:prstGeom>
+          <a:solidFill>
+            <a:srgbClr val="999999"/>
+          </a:solidFill>
+          <a:ln>
+            <a:noFill/>
+          </a:ln>
+        </p:spPr>
+        <p:style>
+          <a:lnRef idx="2">
+            <a:schemeClr val="accent1">
+              <a:shade val="50000"/>
+            </a:schemeClr>
+          </a:lnRef>
+          <a:fillRef idx="1">
+            <a:schemeClr val="accent1"/>
+          </a:fillRef>
+          <a:effectRef idx="0">
+            <a:schemeClr val="accent1"/>
+          </a:effectRef>
+          <a:fontRef idx="minor">
+            <a:schemeClr val="lt1"/>
+          </a:fontRef>
+        </p:style>
+        <p:txBody>
+          <a:bodyPr rot="0" spcFirstLastPara="0" vertOverflow="overflow" horzOverflow="overflow" vert="horz" wrap="square" lIns="91440" tIns="45720" rIns="91440" bIns="45720" numCol="1" spcCol="0" rtlCol="0" fromWordArt="0" anchor="t" anchorCtr="0" forceAA="0" compatLnSpc="1">
+            <a:prstTxWarp prst="textNoShape">
+              <a:avLst/>
+            </a:prstTxWarp>
+            <a:noAutofit/>
+          </a:bodyPr>
+          <a:lstStyle/>
+          <a:p>
+            <a:pPr algn="ctr">
+              <a:lnSpc>
+                <a:spcPct val="114000"/>
+              </a:lnSpc>
+            </a:pPr>
+            <a:endParaRPr lang="de-DE" dirty="0"/>
+          </a:p>
+        </p:txBody>
+      </p:sp>
+      <p:sp>
+        <p:nvSpPr>
+          <p:cNvPr id="36" name="Rechteck 35"/>
+          <p:cNvSpPr/>
+          <p:nvPr/>
+        </p:nvSpPr>
+        <p:spPr>
+          <a:xfrm>
+            <a:off x="321735" y="5529793"/>
+            <a:ext cx="855132" cy="245531"/>
+          </a:xfrm>
+          <a:prstGeom prst="rect">
+            <a:avLst/>
+          </a:prstGeom>
+          <a:solidFill>
+            <a:schemeClr val="accent5"/>
+          </a:solidFill>
+          <a:ln>
+            <a:noFill/>
+          </a:ln>
+        </p:spPr>
+        <p:style>
+          <a:lnRef idx="2">
+            <a:schemeClr val="accent1">
+              <a:shade val="50000"/>
+            </a:schemeClr>
+          </a:lnRef>
+          <a:fillRef idx="1">
+            <a:schemeClr val="accent1"/>
+          </a:fillRef>
+          <a:effectRef idx="0">
+            <a:schemeClr val="accent1"/>
+          </a:effectRef>
+          <a:fontRef idx="minor">
+            <a:schemeClr val="lt1"/>
+          </a:fontRef>
+        </p:style>
+        <p:txBody>
+          <a:bodyPr rot="0" spcFirstLastPara="0" vertOverflow="overflow" horzOverflow="overflow" vert="horz" wrap="square" lIns="91440" tIns="45720" rIns="91440" bIns="45720" numCol="1" spcCol="0" rtlCol="0" fromWordArt="0" anchor="t" anchorCtr="0" forceAA="0" compatLnSpc="1">
+            <a:prstTxWarp prst="textNoShape">
+              <a:avLst/>
+            </a:prstTxWarp>
+            <a:noAutofit/>
+          </a:bodyPr>
+          <a:lstStyle/>
+          <a:p>
+            <a:pPr algn="ctr">
+              <a:lnSpc>
+                <a:spcPct val="114000"/>
+              </a:lnSpc>
+            </a:pPr>
+            <a:endParaRPr lang="de-DE" dirty="0"/>
+          </a:p>
+        </p:txBody>
+      </p:sp>
+      <p:sp>
+        <p:nvSpPr>
+          <p:cNvPr id="37" name="Rechteck 36"/>
+          <p:cNvSpPr/>
+          <p:nvPr/>
+        </p:nvSpPr>
+        <p:spPr>
+          <a:xfrm>
+            <a:off x="1295402" y="5529793"/>
+            <a:ext cx="855132" cy="245531"/>
+          </a:xfrm>
+          <a:prstGeom prst="rect">
+            <a:avLst/>
+          </a:prstGeom>
+          <a:solidFill>
+            <a:schemeClr val="accent4"/>
+          </a:solidFill>
+          <a:ln>
+            <a:noFill/>
+          </a:ln>
+        </p:spPr>
+        <p:style>
+          <a:lnRef idx="2">
+            <a:schemeClr val="accent1">
+              <a:shade val="50000"/>
+            </a:schemeClr>
+          </a:lnRef>
+          <a:fillRef idx="1">
+            <a:schemeClr val="accent1"/>
+          </a:fillRef>
+          <a:effectRef idx="0">
+            <a:schemeClr val="accent1"/>
+          </a:effectRef>
+          <a:fontRef idx="minor">
+            <a:schemeClr val="lt1"/>
+          </a:fontRef>
+        </p:style>
+        <p:txBody>
+          <a:bodyPr rot="0" spcFirstLastPara="0" vertOverflow="overflow" horzOverflow="overflow" vert="horz" wrap="square" lIns="91440" tIns="45720" rIns="91440" bIns="45720" numCol="1" spcCol="0" rtlCol="0" fromWordArt="0" anchor="t" anchorCtr="0" forceAA="0" compatLnSpc="1">
+            <a:prstTxWarp prst="textNoShape">
+              <a:avLst/>
+            </a:prstTxWarp>
+            <a:noAutofit/>
+          </a:bodyPr>
+          <a:lstStyle/>
+          <a:p>
+            <a:pPr algn="ctr">
+              <a:lnSpc>
+                <a:spcPct val="114000"/>
+              </a:lnSpc>
+            </a:pPr>
+            <a:endParaRPr lang="de-DE" dirty="0"/>
+          </a:p>
+        </p:txBody>
+      </p:sp>
+      <p:sp>
+        <p:nvSpPr>
+          <p:cNvPr id="38" name="Rechteck 37"/>
+          <p:cNvSpPr/>
+          <p:nvPr/>
+        </p:nvSpPr>
+        <p:spPr>
+          <a:xfrm>
+            <a:off x="2260602" y="5529793"/>
+            <a:ext cx="855132" cy="245531"/>
+          </a:xfrm>
+          <a:prstGeom prst="rect">
+            <a:avLst/>
+          </a:prstGeom>
+          <a:solidFill>
+            <a:schemeClr val="accent6"/>
+          </a:solidFill>
+          <a:ln>
+            <a:noFill/>
+          </a:ln>
+        </p:spPr>
+        <p:style>
+          <a:lnRef idx="2">
+            <a:schemeClr val="accent1">
+              <a:shade val="50000"/>
+            </a:schemeClr>
+          </a:lnRef>
+          <a:fillRef idx="1">
+            <a:schemeClr val="accent1"/>
+          </a:fillRef>
+          <a:effectRef idx="0">
+            <a:schemeClr val="accent1"/>
+          </a:effectRef>
+          <a:fontRef idx="minor">
+            <a:schemeClr val="lt1"/>
+          </a:fontRef>
+        </p:style>
+        <p:txBody>
+          <a:bodyPr rot="0" spcFirstLastPara="0" vertOverflow="overflow" horzOverflow="overflow" vert="horz" wrap="square" lIns="91440" tIns="45720" rIns="91440" bIns="45720" numCol="1" spcCol="0" rtlCol="0" fromWordArt="0" anchor="t" anchorCtr="0" forceAA="0" compatLnSpc="1">
+            <a:prstTxWarp prst="textNoShape">
+              <a:avLst/>
+            </a:prstTxWarp>
+            <a:noAutofit/>
+          </a:bodyPr>
+          <a:lstStyle/>
+          <a:p>
+            <a:pPr algn="ctr">
+              <a:lnSpc>
+                <a:spcPct val="114000"/>
+              </a:lnSpc>
+            </a:pPr>
+            <a:endParaRPr lang="de-DE" dirty="0"/>
+          </a:p>
+        </p:txBody>
+      </p:sp>
+      <p:sp>
+        <p:nvSpPr>
+          <p:cNvPr id="16" name="Fußzeilenplatzhalter 3">
+            <a:extLst>
+              <a:ext uri="{FF2B5EF4-FFF2-40B4-BE49-F238E27FC236}">
+                <a16:creationId xmlns:a16="http://schemas.microsoft.com/office/drawing/2014/main" id="{EB3F7DAC-614D-4776-A8BF-0C8AB298A04F}"/>
+              </a:ext>
+            </a:extLst>
+          </p:cNvPr>
+          <p:cNvSpPr>
+            <a:spLocks noGrp="1"/>
+          </p:cNvSpPr>
+          <p:nvPr>
+            <p:ph type="ftr" sz="quarter" idx="12"/>
+          </p:nvPr>
+        </p:nvSpPr>
+        <p:spPr>
+          <a:xfrm>
+            <a:off x="311163" y="6473313"/>
+            <a:ext cx="1430552" cy="365125"/>
+          </a:xfrm>
+        </p:spPr>
+        <p:txBody>
+          <a:bodyPr/>
+          <a:lstStyle/>
+          <a:p>
+            <a:r>
+              <a:rPr lang="de-DE" dirty="0"/>
+              <a:t>Hannes Bohnengel</a:t>
+            </a:r>
+            <a:endParaRPr lang="en-US" dirty="0"/>
+          </a:p>
+        </p:txBody>
+      </p:sp>
+      <p:sp>
+        <p:nvSpPr>
+          <p:cNvPr id="17" name="Fußzeilenplatzhalter 3">
+            <a:extLst>
+              <a:ext uri="{FF2B5EF4-FFF2-40B4-BE49-F238E27FC236}">
+                <a16:creationId xmlns:a16="http://schemas.microsoft.com/office/drawing/2014/main" id="{96B9A911-4D91-41E4-8270-9C1667A8ED5C}"/>
+              </a:ext>
+            </a:extLst>
+          </p:cNvPr>
+          <p:cNvSpPr txBox="1">
+            <a:spLocks/>
+          </p:cNvSpPr>
+          <p:nvPr/>
+        </p:nvSpPr>
+        <p:spPr>
+          <a:xfrm>
+            <a:off x="3062514" y="6473312"/>
+            <a:ext cx="3022146" cy="365125"/>
+          </a:xfrm>
+          <a:prstGeom prst="rect">
+            <a:avLst/>
+          </a:prstGeom>
+        </p:spPr>
+        <p:txBody>
+          <a:bodyPr vert="horz" lIns="0" tIns="45720" rIns="0" bIns="45720" rtlCol="0" anchor="ctr"/>
+          <a:lstStyle>
+            <a:defPPr>
+              <a:defRPr lang="de-DE"/>
+            </a:defPPr>
+            <a:lvl1pPr algn="l" rtl="0" fontAlgn="base">
+              <a:spcBef>
+                <a:spcPct val="0"/>
+              </a:spcBef>
+              <a:spcAft>
+                <a:spcPct val="0"/>
+              </a:spcAft>
+              <a:defRPr sz="1200" kern="1200">
+                <a:solidFill>
+                  <a:schemeClr val="tx1"/>
+                </a:solidFill>
+                <a:latin typeface="Arial" charset="0"/>
+                <a:ea typeface="+mn-ea"/>
+                <a:cs typeface="Arial" charset="0"/>
+              </a:defRPr>
+            </a:lvl1pPr>
+            <a:lvl2pPr marL="457200" algn="l" rtl="0" fontAlgn="base">
+              <a:spcBef>
+                <a:spcPct val="0"/>
+              </a:spcBef>
+              <a:spcAft>
+                <a:spcPct val="0"/>
+              </a:spcAft>
+              <a:defRPr kern="1200">
+                <a:solidFill>
+                  <a:schemeClr val="tx1"/>
+                </a:solidFill>
+                <a:latin typeface="Arial" charset="0"/>
+                <a:ea typeface="+mn-ea"/>
+                <a:cs typeface="Arial" charset="0"/>
+              </a:defRPr>
+            </a:lvl2pPr>
+            <a:lvl3pPr marL="914400" algn="l" rtl="0" fontAlgn="base">
+              <a:spcBef>
+                <a:spcPct val="0"/>
+              </a:spcBef>
+              <a:spcAft>
+                <a:spcPct val="0"/>
+              </a:spcAft>
+              <a:defRPr kern="1200">
+                <a:solidFill>
+                  <a:schemeClr val="tx1"/>
+                </a:solidFill>
+                <a:latin typeface="Arial" charset="0"/>
+                <a:ea typeface="+mn-ea"/>
+                <a:cs typeface="Arial" charset="0"/>
+              </a:defRPr>
+            </a:lvl3pPr>
+            <a:lvl4pPr marL="1371600" algn="l" rtl="0" fontAlgn="base">
+              <a:spcBef>
+                <a:spcPct val="0"/>
+              </a:spcBef>
+              <a:spcAft>
+                <a:spcPct val="0"/>
+              </a:spcAft>
+              <a:defRPr kern="1200">
+                <a:solidFill>
+                  <a:schemeClr val="tx1"/>
+                </a:solidFill>
+                <a:latin typeface="Arial" charset="0"/>
+                <a:ea typeface="+mn-ea"/>
+                <a:cs typeface="Arial" charset="0"/>
+              </a:defRPr>
+            </a:lvl4pPr>
+            <a:lvl5pPr marL="1828800" algn="l" rtl="0" fontAlgn="base">
+              <a:spcBef>
+                <a:spcPct val="0"/>
+              </a:spcBef>
+              <a:spcAft>
+                <a:spcPct val="0"/>
+              </a:spcAft>
+              <a:defRPr kern="1200">
+                <a:solidFill>
+                  <a:schemeClr val="tx1"/>
+                </a:solidFill>
+                <a:latin typeface="Arial" charset="0"/>
+                <a:ea typeface="+mn-ea"/>
+                <a:cs typeface="Arial" charset="0"/>
+              </a:defRPr>
+            </a:lvl5pPr>
+            <a:lvl6pPr marL="2286000" algn="l" defTabSz="914400" rtl="0" eaLnBrk="1" latinLnBrk="0" hangingPunct="1">
+              <a:defRPr kern="1200">
+                <a:solidFill>
+                  <a:schemeClr val="tx1"/>
+                </a:solidFill>
+                <a:latin typeface="Arial" charset="0"/>
+                <a:ea typeface="+mn-ea"/>
+                <a:cs typeface="Arial" charset="0"/>
+              </a:defRPr>
+            </a:lvl6pPr>
+            <a:lvl7pPr marL="2743200" algn="l" defTabSz="914400" rtl="0" eaLnBrk="1" latinLnBrk="0" hangingPunct="1">
+              <a:defRPr kern="1200">
+                <a:solidFill>
+                  <a:schemeClr val="tx1"/>
+                </a:solidFill>
+                <a:latin typeface="Arial" charset="0"/>
+                <a:ea typeface="+mn-ea"/>
+                <a:cs typeface="Arial" charset="0"/>
+              </a:defRPr>
+            </a:lvl7pPr>
+            <a:lvl8pPr marL="3200400" algn="l" defTabSz="914400" rtl="0" eaLnBrk="1" latinLnBrk="0" hangingPunct="1">
+              <a:defRPr kern="1200">
+                <a:solidFill>
+                  <a:schemeClr val="tx1"/>
+                </a:solidFill>
+                <a:latin typeface="Arial" charset="0"/>
+                <a:ea typeface="+mn-ea"/>
+                <a:cs typeface="Arial" charset="0"/>
+              </a:defRPr>
+            </a:lvl8pPr>
+            <a:lvl9pPr marL="3657600" algn="l" defTabSz="914400" rtl="0" eaLnBrk="1" latinLnBrk="0" hangingPunct="1">
+              <a:defRPr kern="1200">
+                <a:solidFill>
+                  <a:schemeClr val="tx1"/>
+                </a:solidFill>
+                <a:latin typeface="Arial" charset="0"/>
+                <a:ea typeface="+mn-ea"/>
+                <a:cs typeface="Arial" charset="0"/>
+              </a:defRPr>
+            </a:lvl9pPr>
+          </a:lstStyle>
+          <a:p>
+            <a:pPr algn="ctr"/>
+            <a:r>
+              <a:rPr lang="en-US" dirty="0"/>
+              <a:t>Final Presentation of Advanced Seminar</a:t>
+            </a:r>
+          </a:p>
+        </p:txBody>
+      </p:sp>
+    </p:spTree>
+  </p:cSld>
+  <p:clrMapOvr>
+    <a:masterClrMapping/>
+  </p:clrMapOvr>
+</p:sld>
+</file>
+
+<file path=ppt/slides/slide15.xml><?xml version="1.0" encoding="utf-8"?>
+<p:sld xmlns:a="http://schemas.openxmlformats.org/drawingml/2006/main" xmlns:r="http://schemas.openxmlformats.org/officeDocument/2006/relationships" xmlns:p="http://schemas.openxmlformats.org/presentationml/2006/main" show="0">
+  <p:cSld>
+    <p:spTree>
+      <p:nvGrpSpPr>
+        <p:cNvPr id="1" name=""/>
+        <p:cNvGrpSpPr/>
+        <p:nvPr/>
+      </p:nvGrpSpPr>
+      <p:grpSpPr>
+        <a:xfrm>
+          <a:off x="0" y="0"/>
+          <a:ext cx="0" cy="0"/>
+          <a:chOff x="0" y="0"/>
+          <a:chExt cx="0" cy="0"/>
+        </a:xfrm>
+      </p:grpSpPr>
+      <p:sp>
+        <p:nvSpPr>
+          <p:cNvPr id="2" name="Inhaltsplatzhalter 1"/>
+          <p:cNvSpPr>
+            <a:spLocks noGrp="1"/>
+          </p:cNvSpPr>
+          <p:nvPr>
+            <p:ph idx="1"/>
+          </p:nvPr>
+        </p:nvSpPr>
+        <p:spPr/>
+        <p:txBody>
+          <a:bodyPr/>
+          <a:lstStyle/>
+          <a:p>
+            <a:r>
+              <a:rPr lang="de-DE"/>
+              <a:t>Bei kleinen Aufzählungen auf Aufzählungszeichen verzichten und ggf. zusätzliche Leerzeile</a:t>
+            </a:r>
+          </a:p>
+          <a:p>
+            <a:r>
+              <a:rPr lang="de-DE"/>
+              <a:t>Nur die wesentlichen Punkte nennen und Themen auf verschiedene Seiten splitten.</a:t>
+            </a:r>
+          </a:p>
+          <a:p>
+            <a:endParaRPr lang="de-DE"/>
+          </a:p>
+          <a:p>
+            <a:r>
+              <a:rPr lang="de-DE"/>
+              <a:t>Punkt 1</a:t>
+            </a:r>
+          </a:p>
+          <a:p>
+            <a:endParaRPr lang="de-DE"/>
+          </a:p>
+          <a:p>
+            <a:r>
+              <a:rPr lang="de-DE"/>
+              <a:t>Punkt 2</a:t>
+            </a:r>
+          </a:p>
+          <a:p>
+            <a:endParaRPr lang="de-DE"/>
+          </a:p>
+          <a:p>
+            <a:r>
+              <a:rPr lang="de-DE"/>
+              <a:t>Wenn Unterpunkte in einer Aufzählung nötig sind ist ein Einrücken mit – möglich</a:t>
+            </a:r>
+          </a:p>
+          <a:p>
+            <a:pPr lvl="1"/>
+            <a:r>
+              <a:rPr lang="de-DE"/>
+              <a:t>Unterpunkt 1</a:t>
+            </a:r>
+          </a:p>
+          <a:p>
+            <a:pPr lvl="2"/>
+            <a:r>
+              <a:rPr lang="de-DE"/>
+              <a:t>Unterpunkt 1</a:t>
+            </a:r>
+          </a:p>
+          <a:p>
+            <a:pPr lvl="2"/>
+            <a:r>
+              <a:rPr lang="de-DE"/>
+              <a:t>Unterpunkt 2</a:t>
+            </a:r>
+          </a:p>
+          <a:p>
+            <a:endParaRPr lang="de-DE"/>
+          </a:p>
+          <a:p>
+            <a:r>
+              <a:rPr lang="de-DE"/>
+              <a:t>Bei größeren Listen die Standardeinstellung • verwenden</a:t>
+            </a:r>
+          </a:p>
+          <a:p>
+            <a:pPr lvl="1"/>
+            <a:r>
+              <a:rPr lang="de-DE"/>
+              <a:t>Unterpunkt 1</a:t>
+            </a:r>
+          </a:p>
+          <a:p>
+            <a:pPr lvl="1"/>
+            <a:r>
+              <a:rPr lang="de-DE"/>
+              <a:t>Unterpunkt 2</a:t>
+            </a:r>
+          </a:p>
+          <a:p>
+            <a:pPr lvl="1"/>
+            <a:r>
+              <a:rPr lang="de-DE"/>
+              <a:t>Unterpunkt 3</a:t>
+            </a:r>
+            <a:endParaRPr lang="de-DE" dirty="0"/>
+          </a:p>
+        </p:txBody>
+      </p:sp>
+      <p:sp>
+        <p:nvSpPr>
+          <p:cNvPr id="4" name="Foliennummernplatzhalter 3"/>
+          <p:cNvSpPr>
+            <a:spLocks noGrp="1"/>
+          </p:cNvSpPr>
+          <p:nvPr>
+            <p:ph type="sldNum" sz="quarter" idx="11"/>
+          </p:nvPr>
+        </p:nvSpPr>
+        <p:spPr/>
+        <p:txBody>
+          <a:bodyPr/>
+          <a:lstStyle/>
+          <a:p>
+            <a:fld id="{CE58CB1E-F828-4F11-99E0-327109AF9DA4}" type="slidenum">
+              <a:rPr lang="de-DE" smtClean="0"/>
+              <a:pPr/>
+              <a:t>15</a:t>
+            </a:fld>
+            <a:endParaRPr lang="de-DE" dirty="0"/>
+          </a:p>
+        </p:txBody>
+      </p:sp>
+      <p:sp>
+        <p:nvSpPr>
+          <p:cNvPr id="3" name="Titel 2"/>
+          <p:cNvSpPr>
+            <a:spLocks noGrp="1"/>
+          </p:cNvSpPr>
+          <p:nvPr>
+            <p:ph type="title"/>
+          </p:nvPr>
+        </p:nvSpPr>
+        <p:spPr/>
+        <p:txBody>
+          <a:bodyPr/>
+          <a:lstStyle/>
+          <a:p>
+            <a:r>
+              <a:rPr lang="de-DE"/>
+              <a:t>Aufzählung</a:t>
+            </a:r>
+            <a:endParaRPr lang="de-DE" dirty="0"/>
+          </a:p>
+        </p:txBody>
+      </p:sp>
+      <p:sp>
+        <p:nvSpPr>
+          <p:cNvPr id="6" name="Fußzeilenplatzhalter 3">
+            <a:extLst>
+              <a:ext uri="{FF2B5EF4-FFF2-40B4-BE49-F238E27FC236}">
+                <a16:creationId xmlns:a16="http://schemas.microsoft.com/office/drawing/2014/main" id="{6D9C17F9-4EA6-49F4-A284-80C513D34E48}"/>
+              </a:ext>
+            </a:extLst>
+          </p:cNvPr>
+          <p:cNvSpPr>
+            <a:spLocks noGrp="1"/>
+          </p:cNvSpPr>
+          <p:nvPr>
+            <p:ph type="ftr" sz="quarter" idx="12"/>
+          </p:nvPr>
+        </p:nvSpPr>
+        <p:spPr>
+          <a:xfrm>
+            <a:off x="311163" y="6473313"/>
+            <a:ext cx="1430552" cy="365125"/>
+          </a:xfrm>
+        </p:spPr>
+        <p:txBody>
+          <a:bodyPr/>
+          <a:lstStyle/>
+          <a:p>
+            <a:r>
+              <a:rPr lang="de-DE" dirty="0"/>
+              <a:t>Hannes Bohnengel</a:t>
+            </a:r>
+            <a:endParaRPr lang="en-US" dirty="0"/>
+          </a:p>
+        </p:txBody>
+      </p:sp>
+      <p:sp>
+        <p:nvSpPr>
+          <p:cNvPr id="7" name="Fußzeilenplatzhalter 3">
+            <a:extLst>
+              <a:ext uri="{FF2B5EF4-FFF2-40B4-BE49-F238E27FC236}">
+                <a16:creationId xmlns:a16="http://schemas.microsoft.com/office/drawing/2014/main" id="{D01415AD-5547-4E3E-A0F9-C9236DDB1935}"/>
+              </a:ext>
+            </a:extLst>
+          </p:cNvPr>
+          <p:cNvSpPr txBox="1">
+            <a:spLocks/>
+          </p:cNvSpPr>
+          <p:nvPr/>
+        </p:nvSpPr>
+        <p:spPr>
+          <a:xfrm>
+            <a:off x="3062514" y="6473312"/>
+            <a:ext cx="3022146" cy="365125"/>
+          </a:xfrm>
+          <a:prstGeom prst="rect">
+            <a:avLst/>
+          </a:prstGeom>
+        </p:spPr>
+        <p:txBody>
+          <a:bodyPr vert="horz" lIns="0" tIns="45720" rIns="0" bIns="45720" rtlCol="0" anchor="ctr"/>
+          <a:lstStyle>
+            <a:defPPr>
+              <a:defRPr lang="de-DE"/>
+            </a:defPPr>
+            <a:lvl1pPr algn="l" rtl="0" fontAlgn="base">
+              <a:spcBef>
+                <a:spcPct val="0"/>
+              </a:spcBef>
+              <a:spcAft>
+                <a:spcPct val="0"/>
+              </a:spcAft>
+              <a:defRPr sz="1200" kern="1200">
+                <a:solidFill>
+                  <a:schemeClr val="tx1"/>
+                </a:solidFill>
+                <a:latin typeface="Arial" charset="0"/>
+                <a:ea typeface="+mn-ea"/>
+                <a:cs typeface="Arial" charset="0"/>
+              </a:defRPr>
+            </a:lvl1pPr>
+            <a:lvl2pPr marL="457200" algn="l" rtl="0" fontAlgn="base">
+              <a:spcBef>
+                <a:spcPct val="0"/>
+              </a:spcBef>
+              <a:spcAft>
+                <a:spcPct val="0"/>
+              </a:spcAft>
+              <a:defRPr kern="1200">
+                <a:solidFill>
+                  <a:schemeClr val="tx1"/>
+                </a:solidFill>
+                <a:latin typeface="Arial" charset="0"/>
+                <a:ea typeface="+mn-ea"/>
+                <a:cs typeface="Arial" charset="0"/>
+              </a:defRPr>
+            </a:lvl2pPr>
+            <a:lvl3pPr marL="914400" algn="l" rtl="0" fontAlgn="base">
+              <a:spcBef>
+                <a:spcPct val="0"/>
+              </a:spcBef>
+              <a:spcAft>
+                <a:spcPct val="0"/>
+              </a:spcAft>
+              <a:defRPr kern="1200">
+                <a:solidFill>
+                  <a:schemeClr val="tx1"/>
+                </a:solidFill>
+                <a:latin typeface="Arial" charset="0"/>
+                <a:ea typeface="+mn-ea"/>
+                <a:cs typeface="Arial" charset="0"/>
+              </a:defRPr>
+            </a:lvl3pPr>
+            <a:lvl4pPr marL="1371600" algn="l" rtl="0" fontAlgn="base">
+              <a:spcBef>
+                <a:spcPct val="0"/>
+              </a:spcBef>
+              <a:spcAft>
+                <a:spcPct val="0"/>
+              </a:spcAft>
+              <a:defRPr kern="1200">
+                <a:solidFill>
+                  <a:schemeClr val="tx1"/>
+                </a:solidFill>
+                <a:latin typeface="Arial" charset="0"/>
+                <a:ea typeface="+mn-ea"/>
+                <a:cs typeface="Arial" charset="0"/>
+              </a:defRPr>
+            </a:lvl4pPr>
+            <a:lvl5pPr marL="1828800" algn="l" rtl="0" fontAlgn="base">
+              <a:spcBef>
+                <a:spcPct val="0"/>
+              </a:spcBef>
+              <a:spcAft>
+                <a:spcPct val="0"/>
+              </a:spcAft>
+              <a:defRPr kern="1200">
+                <a:solidFill>
+                  <a:schemeClr val="tx1"/>
+                </a:solidFill>
+                <a:latin typeface="Arial" charset="0"/>
+                <a:ea typeface="+mn-ea"/>
+                <a:cs typeface="Arial" charset="0"/>
+              </a:defRPr>
+            </a:lvl5pPr>
+            <a:lvl6pPr marL="2286000" algn="l" defTabSz="914400" rtl="0" eaLnBrk="1" latinLnBrk="0" hangingPunct="1">
+              <a:defRPr kern="1200">
+                <a:solidFill>
+                  <a:schemeClr val="tx1"/>
+                </a:solidFill>
+                <a:latin typeface="Arial" charset="0"/>
+                <a:ea typeface="+mn-ea"/>
+                <a:cs typeface="Arial" charset="0"/>
+              </a:defRPr>
+            </a:lvl6pPr>
+            <a:lvl7pPr marL="2743200" algn="l" defTabSz="914400" rtl="0" eaLnBrk="1" latinLnBrk="0" hangingPunct="1">
+              <a:defRPr kern="1200">
+                <a:solidFill>
+                  <a:schemeClr val="tx1"/>
+                </a:solidFill>
+                <a:latin typeface="Arial" charset="0"/>
+                <a:ea typeface="+mn-ea"/>
+                <a:cs typeface="Arial" charset="0"/>
+              </a:defRPr>
+            </a:lvl7pPr>
+            <a:lvl8pPr marL="3200400" algn="l" defTabSz="914400" rtl="0" eaLnBrk="1" latinLnBrk="0" hangingPunct="1">
+              <a:defRPr kern="1200">
+                <a:solidFill>
+                  <a:schemeClr val="tx1"/>
+                </a:solidFill>
+                <a:latin typeface="Arial" charset="0"/>
+                <a:ea typeface="+mn-ea"/>
+                <a:cs typeface="Arial" charset="0"/>
+              </a:defRPr>
+            </a:lvl8pPr>
+            <a:lvl9pPr marL="3657600" algn="l" defTabSz="914400" rtl="0" eaLnBrk="1" latinLnBrk="0" hangingPunct="1">
+              <a:defRPr kern="1200">
+                <a:solidFill>
+                  <a:schemeClr val="tx1"/>
+                </a:solidFill>
+                <a:latin typeface="Arial" charset="0"/>
+                <a:ea typeface="+mn-ea"/>
+                <a:cs typeface="Arial" charset="0"/>
+              </a:defRPr>
+            </a:lvl9pPr>
+          </a:lstStyle>
+          <a:p>
+            <a:pPr algn="ctr"/>
+            <a:r>
+              <a:rPr lang="en-US" dirty="0"/>
+              <a:t>Final Presentation of Advanced Seminar</a:t>
+            </a:r>
+          </a:p>
+        </p:txBody>
+      </p:sp>
+    </p:spTree>
+  </p:cSld>
+  <p:clrMapOvr>
+    <a:masterClrMapping/>
+  </p:clrMapOvr>
+</p:sld>
+</file>
+
+<file path=ppt/slides/slide16.xml><?xml version="1.0" encoding="utf-8"?>
 <p:sld xmlns:a="http://schemas.openxmlformats.org/drawingml/2006/main" xmlns:r="http://schemas.openxmlformats.org/officeDocument/2006/relationships" xmlns:p="http://schemas.openxmlformats.org/presentationml/2006/main" show="0">
   <p:cSld>
     <p:spTree>
@@ -10139,7 +12655,7 @@
             <a:fld id="{CE58CB1E-F828-4F11-99E0-327109AF9DA4}" type="slidenum">
               <a:rPr lang="de-DE" smtClean="0"/>
               <a:pPr/>
-              <a:t>10</a:t>
+              <a:t>16</a:t>
             </a:fld>
             <a:endParaRPr lang="de-DE" dirty="0"/>
           </a:p>
@@ -10399,7 +12915,7 @@
 </p:sld>
 </file>
 
-<file path=ppt/slides/slide11.xml><?xml version="1.0" encoding="utf-8"?>
+<file path=ppt/slides/slide17.xml><?xml version="1.0" encoding="utf-8"?>
 <p:sld xmlns:a="http://schemas.openxmlformats.org/drawingml/2006/main" xmlns:r="http://schemas.openxmlformats.org/officeDocument/2006/relationships" xmlns:p="http://schemas.openxmlformats.org/presentationml/2006/main" show="0">
   <p:cSld>
     <p:spTree>
@@ -10839,7 +13355,7 @@
             <a:fld id="{CE58CB1E-F828-4F11-99E0-327109AF9DA4}" type="slidenum">
               <a:rPr lang="de-DE" smtClean="0"/>
               <a:pPr/>
-              <a:t>11</a:t>
+              <a:t>17</a:t>
             </a:fld>
             <a:endParaRPr lang="de-DE" dirty="0"/>
           </a:p>
@@ -11099,7 +13615,7 @@
 </p:sld>
 </file>
 
-<file path=ppt/slides/slide12.xml><?xml version="1.0" encoding="utf-8"?>
+<file path=ppt/slides/slide18.xml><?xml version="1.0" encoding="utf-8"?>
 <p:sld xmlns:a="http://schemas.openxmlformats.org/drawingml/2006/main" xmlns:r="http://schemas.openxmlformats.org/officeDocument/2006/relationships" xmlns:p="http://schemas.openxmlformats.org/presentationml/2006/main" show="0">
   <p:cSld>
     <p:spTree>
@@ -11134,7 +13650,7 @@
             <a:fld id="{CE58CB1E-F828-4F11-99E0-327109AF9DA4}" type="slidenum">
               <a:rPr lang="de-DE" smtClean="0"/>
               <a:pPr/>
-              <a:t>12</a:t>
+              <a:t>18</a:t>
             </a:fld>
             <a:endParaRPr lang="de-DE" dirty="0"/>
           </a:p>
@@ -11411,7 +13927,7 @@
 </p:sld>
 </file>
 
-<file path=ppt/slides/slide13.xml><?xml version="1.0" encoding="utf-8"?>
+<file path=ppt/slides/slide19.xml><?xml version="1.0" encoding="utf-8"?>
 <p:sld xmlns:a="http://schemas.openxmlformats.org/drawingml/2006/main" xmlns:r="http://schemas.openxmlformats.org/officeDocument/2006/relationships" xmlns:p="http://schemas.openxmlformats.org/presentationml/2006/main" show="0">
   <p:cSld>
     <p:spTree>
@@ -11471,7 +13987,7 @@
             <a:fld id="{CE58CB1E-F828-4F11-99E0-327109AF9DA4}" type="slidenum">
               <a:rPr lang="de-DE" smtClean="0"/>
               <a:pPr/>
-              <a:t>13</a:t>
+              <a:t>19</a:t>
             </a:fld>
             <a:endParaRPr lang="de-DE" dirty="0"/>
           </a:p>
@@ -11718,6 +14234,185 @@
           <a:chExt cx="0" cy="0"/>
         </a:xfrm>
       </p:grpSpPr>
+      <p:pic>
+        <p:nvPicPr>
+          <p:cNvPr id="4" name="Bild 4" descr="TUM_Glockenturm.tif">
+            <a:extLst>
+              <a:ext uri="{FF2B5EF4-FFF2-40B4-BE49-F238E27FC236}">
+                <a16:creationId xmlns:a16="http://schemas.microsoft.com/office/drawing/2014/main" id="{6E1B4B54-6271-48C4-BF68-95E6A46C9AA9}"/>
+              </a:ext>
+            </a:extLst>
+          </p:cNvPr>
+          <p:cNvPicPr>
+            <a:picLocks noChangeAspect="1"/>
+          </p:cNvPicPr>
+          <p:nvPr/>
+        </p:nvPicPr>
+        <p:blipFill>
+          <a:blip r:embed="rId2"/>
+          <a:stretch>
+            <a:fillRect/>
+          </a:stretch>
+        </p:blipFill>
+        <p:spPr>
+          <a:xfrm>
+            <a:off x="4927101" y="3051360"/>
+            <a:ext cx="3892489" cy="3397419"/>
+          </a:xfrm>
+          <a:prstGeom prst="rect">
+            <a:avLst/>
+          </a:prstGeom>
+        </p:spPr>
+      </p:pic>
+      <p:sp>
+        <p:nvSpPr>
+          <p:cNvPr id="9" name="Inhaltsplatzhalter 2">
+            <a:extLst>
+              <a:ext uri="{FF2B5EF4-FFF2-40B4-BE49-F238E27FC236}">
+                <a16:creationId xmlns:a16="http://schemas.microsoft.com/office/drawing/2014/main" id="{7EC2C0AF-CED8-47C6-94F8-41D6EFFAB6EF}"/>
+              </a:ext>
+            </a:extLst>
+          </p:cNvPr>
+          <p:cNvSpPr>
+            <a:spLocks noGrp="1"/>
+          </p:cNvSpPr>
+          <p:nvPr>
+            <p:ph idx="10"/>
+          </p:nvPr>
+        </p:nvSpPr>
+        <p:spPr>
+          <a:xfrm>
+            <a:off x="319088" y="1962017"/>
+            <a:ext cx="8508999" cy="2085280"/>
+          </a:xfrm>
+        </p:spPr>
+        <p:txBody>
+          <a:bodyPr/>
+          <a:lstStyle/>
+          <a:p>
+            <a:r>
+              <a:rPr lang="de-DE" dirty="0"/>
+              <a:t>Hannes Bohnengel</a:t>
+            </a:r>
+          </a:p>
+          <a:p>
+            <a:r>
+              <a:rPr lang="en-US" dirty="0"/>
+              <a:t>Technical</a:t>
+            </a:r>
+            <a:r>
+              <a:rPr lang="de-DE" dirty="0"/>
+              <a:t> </a:t>
+            </a:r>
+            <a:r>
+              <a:rPr lang="en-US" dirty="0"/>
+              <a:t>University</a:t>
+            </a:r>
+            <a:r>
+              <a:rPr lang="de-DE" dirty="0"/>
+              <a:t> </a:t>
+            </a:r>
+            <a:r>
+              <a:rPr lang="de-DE" dirty="0" err="1"/>
+              <a:t>of</a:t>
+            </a:r>
+            <a:r>
+              <a:rPr lang="de-DE" dirty="0"/>
+              <a:t> Munich</a:t>
+            </a:r>
+          </a:p>
+          <a:p>
+            <a:r>
+              <a:rPr lang="en-US" dirty="0"/>
+              <a:t>TUM Department of Electrical and Computer Engineering</a:t>
+            </a:r>
+          </a:p>
+          <a:p>
+            <a:r>
+              <a:rPr lang="en-US" dirty="0"/>
+              <a:t>Chair of Real-Time Computer Systems</a:t>
+            </a:r>
+            <a:endParaRPr lang="de-DE" dirty="0"/>
+          </a:p>
+          <a:p>
+            <a:r>
+              <a:rPr lang="de-DE" dirty="0"/>
+              <a:t>Munich, 21 </a:t>
+            </a:r>
+            <a:r>
+              <a:rPr lang="de-DE" dirty="0" err="1"/>
+              <a:t>July</a:t>
+            </a:r>
+            <a:r>
+              <a:rPr lang="de-DE" dirty="0"/>
+              <a:t> 2017</a:t>
+            </a:r>
+            <a:endParaRPr dirty="0"/>
+          </a:p>
+        </p:txBody>
+      </p:sp>
+      <p:sp>
+        <p:nvSpPr>
+          <p:cNvPr id="7" name="Titel 6"/>
+          <p:cNvSpPr>
+            <a:spLocks noGrp="1"/>
+          </p:cNvSpPr>
+          <p:nvPr>
+            <p:ph type="title"/>
+          </p:nvPr>
+        </p:nvSpPr>
+        <p:spPr>
+          <a:xfrm>
+            <a:off x="319090" y="994334"/>
+            <a:ext cx="8508999" cy="482248"/>
+          </a:xfrm>
+        </p:spPr>
+        <p:txBody>
+          <a:bodyPr/>
+          <a:lstStyle/>
+          <a:p>
+            <a:pPr>
+              <a:lnSpc>
+                <a:spcPct val="114000"/>
+              </a:lnSpc>
+            </a:pPr>
+            <a:r>
+              <a:rPr lang="en-US" dirty="0"/>
+              <a:t>Final Presentation of Advanced Seminar</a:t>
+            </a:r>
+          </a:p>
+        </p:txBody>
+      </p:sp>
+    </p:spTree>
+    <p:extLst>
+      <p:ext uri="{BB962C8B-B14F-4D97-AF65-F5344CB8AC3E}">
+        <p14:creationId xmlns:p14="http://schemas.microsoft.com/office/powerpoint/2010/main" val="2086259993"/>
+      </p:ext>
+    </p:extLst>
+  </p:cSld>
+  <p:clrMapOvr>
+    <a:masterClrMapping/>
+  </p:clrMapOvr>
+</p:sld>
+</file>
+
+<file path=ppt/slides/slide3.xml><?xml version="1.0" encoding="utf-8"?>
+<p:sld xmlns:a="http://schemas.openxmlformats.org/drawingml/2006/main" xmlns:r="http://schemas.openxmlformats.org/officeDocument/2006/relationships" xmlns:p="http://schemas.openxmlformats.org/presentationml/2006/main">
+  <p:cSld>
+    <p:spTree>
+      <p:nvGrpSpPr>
+        <p:cNvPr id="1" name=""/>
+        <p:cNvGrpSpPr/>
+        <p:nvPr/>
+      </p:nvGrpSpPr>
+      <p:grpSpPr>
+        <a:xfrm>
+          <a:off x="0" y="0"/>
+          <a:ext cx="0" cy="0"/>
+          <a:chOff x="0" y="0"/>
+          <a:chExt cx="0" cy="0"/>
+        </a:xfrm>
+      </p:grpSpPr>
       <p:sp>
         <p:nvSpPr>
           <p:cNvPr id="3" name="Foliennummernplatzhalter 2">
@@ -11742,7 +14437,7 @@
             <a:fld id="{CE58CB1E-F828-4F11-99E0-327109AF9DA4}" type="slidenum">
               <a:rPr lang="de-DE" smtClean="0"/>
               <a:pPr/>
-              <a:t>2</a:t>
+              <a:t>3</a:t>
             </a:fld>
             <a:endParaRPr lang="de-DE" dirty="0"/>
           </a:p>
@@ -11764,8 +14459,8 @@
         </p:nvSpPr>
         <p:spPr>
           <a:xfrm>
-            <a:off x="319090" y="994334"/>
-            <a:ext cx="8508999" cy="1008546"/>
+            <a:off x="317501" y="2819603"/>
+            <a:ext cx="8508999" cy="1218795"/>
           </a:xfrm>
           <a:prstGeom prst="rect">
             <a:avLst/>
@@ -11927,14 +14622,25 @@
             </a:lvl9pPr>
           </a:lstStyle>
           <a:p>
-            <a:pPr>
+            <a:pPr algn="ctr">
               <a:lnSpc>
                 <a:spcPct val="114000"/>
               </a:lnSpc>
             </a:pPr>
             <a:r>
               <a:rPr lang="en-US" dirty="0"/>
-              <a:t>The Impact of Deep Learning on Speech Synthesis with Mobile Devices</a:t>
+              <a:t>The Impact of Deep Learning on Speech</a:t>
+            </a:r>
+          </a:p>
+          <a:p>
+            <a:pPr algn="ctr">
+              <a:lnSpc>
+                <a:spcPct val="150000"/>
+              </a:lnSpc>
+            </a:pPr>
+            <a:r>
+              <a:rPr lang="en-US" dirty="0"/>
+              <a:t>Synthesis with Mobile Devices</a:t>
             </a:r>
           </a:p>
         </p:txBody>
@@ -11952,7 +14658,7 @@
 </p:sld>
 </file>
 
-<file path=ppt/slides/slide3.xml><?xml version="1.0" encoding="utf-8"?>
+<file path=ppt/slides/slide4.xml><?xml version="1.0" encoding="utf-8"?>
 <p:sld xmlns:a="http://schemas.openxmlformats.org/drawingml/2006/main" xmlns:r="http://schemas.openxmlformats.org/officeDocument/2006/relationships" xmlns:p="http://schemas.openxmlformats.org/presentationml/2006/main">
   <p:cSld>
     <p:spTree>
@@ -12003,23 +14709,23 @@
               <a:buChar char="•"/>
             </a:pPr>
             <a:r>
-              <a:rPr lang="en-US" dirty="0"/>
+              <a:rPr lang="en-US" sz="2200" dirty="0"/>
               <a:t>Conventional</a:t>
             </a:r>
             <a:r>
-              <a:rPr lang="de-DE" dirty="0"/>
+              <a:rPr lang="de-DE" sz="2200" dirty="0"/>
               <a:t> </a:t>
             </a:r>
             <a:r>
-              <a:rPr lang="en-US" dirty="0"/>
+              <a:rPr lang="en-US" sz="2200" dirty="0"/>
               <a:t>Speech</a:t>
             </a:r>
             <a:r>
-              <a:rPr lang="de-DE" dirty="0"/>
+              <a:rPr lang="de-DE" sz="2200" dirty="0"/>
               <a:t> </a:t>
             </a:r>
             <a:r>
-              <a:rPr lang="en-US" dirty="0"/>
+              <a:rPr lang="en-US" sz="2200" dirty="0"/>
               <a:t>Synthesis</a:t>
             </a:r>
           </a:p>
@@ -12032,31 +14738,31 @@
               <a:buChar char="•"/>
             </a:pPr>
             <a:r>
-              <a:rPr lang="en-US" dirty="0"/>
+              <a:rPr lang="en-US" sz="2200" dirty="0"/>
               <a:t>Introducing</a:t>
             </a:r>
             <a:r>
-              <a:rPr lang="de-DE" dirty="0"/>
+              <a:rPr lang="de-DE" sz="2200" dirty="0"/>
               <a:t> </a:t>
             </a:r>
             <a:r>
-              <a:rPr lang="en-US" dirty="0"/>
+              <a:rPr lang="en-US" sz="2200" dirty="0"/>
               <a:t>Deep</a:t>
             </a:r>
             <a:r>
-              <a:rPr lang="de-DE" dirty="0"/>
+              <a:rPr lang="de-DE" sz="2200" dirty="0"/>
               <a:t> </a:t>
             </a:r>
             <a:r>
-              <a:rPr lang="en-US" dirty="0"/>
+              <a:rPr lang="en-US" sz="2200" dirty="0"/>
               <a:t>Learning</a:t>
             </a:r>
             <a:r>
-              <a:rPr lang="de-DE" dirty="0"/>
+              <a:rPr lang="de-DE" sz="2200" dirty="0"/>
               <a:t> </a:t>
             </a:r>
             <a:r>
-              <a:rPr lang="en-US" dirty="0"/>
+              <a:rPr lang="en-US" sz="2200" dirty="0"/>
               <a:t>Models</a:t>
             </a:r>
           </a:p>
@@ -12069,12 +14775,25 @@
               <a:buChar char="•"/>
             </a:pPr>
             <a:r>
-              <a:rPr lang="de-DE" dirty="0"/>
+              <a:rPr lang="de-DE" sz="2200" dirty="0"/>
               <a:t>Speech</a:t>
             </a:r>
             <a:r>
-              <a:rPr lang="en-US" dirty="0"/>
+              <a:rPr lang="en-US" sz="2200" dirty="0"/>
               <a:t> Synthesis on Mobile Devices</a:t>
+            </a:r>
+          </a:p>
+          <a:p>
+            <a:pPr marL="285750" indent="-285750">
+              <a:lnSpc>
+                <a:spcPct val="200000"/>
+              </a:lnSpc>
+              <a:buFont typeface="Arial" panose="020B0604020202020204" pitchFamily="34" charset="0"/>
+              <a:buChar char="•"/>
+            </a:pPr>
+            <a:r>
+              <a:rPr lang="en-US" sz="2200" dirty="0"/>
+              <a:t>Conclusions</a:t>
             </a:r>
           </a:p>
           <a:p>
@@ -12106,7 +14825,7 @@
             <a:fld id="{CE58CB1E-F828-4F11-99E0-327109AF9DA4}" type="slidenum">
               <a:rPr lang="de-DE" smtClean="0"/>
               <a:pPr/>
-              <a:t>3</a:t>
+              <a:t>4</a:t>
             </a:fld>
             <a:endParaRPr lang="de-DE" dirty="0"/>
           </a:p>
@@ -12151,10 +14870,304 @@
   <p:clrMapOvr>
     <a:masterClrMapping/>
   </p:clrMapOvr>
+  <p:timing>
+    <p:tnLst>
+      <p:par>
+        <p:cTn id="1" dur="indefinite" restart="never" nodeType="tmRoot">
+          <p:childTnLst>
+            <p:seq concurrent="1" nextAc="seek">
+              <p:cTn id="2" dur="indefinite" nodeType="mainSeq">
+                <p:childTnLst>
+                  <p:par>
+                    <p:cTn id="3" fill="hold">
+                      <p:stCondLst>
+                        <p:cond delay="indefinite"/>
+                      </p:stCondLst>
+                      <p:childTnLst>
+                        <p:par>
+                          <p:cTn id="4" fill="hold">
+                            <p:stCondLst>
+                              <p:cond delay="0"/>
+                            </p:stCondLst>
+                            <p:childTnLst>
+                              <p:par>
+                                <p:cTn id="5" presetID="19" presetClass="emph" presetSubtype="0" fill="hold" grpId="0" nodeType="clickEffect">
+                                  <p:stCondLst>
+                                    <p:cond delay="0"/>
+                                  </p:stCondLst>
+                                  <p:childTnLst>
+                                    <p:animClr clrSpc="rgb" dir="cw">
+                                      <p:cBhvr override="childStyle">
+                                        <p:cTn id="6" dur="500" fill="hold"/>
+                                        <p:tgtEl>
+                                          <p:spTgt spid="2">
+                                            <p:txEl>
+                                              <p:pRg st="1" end="1"/>
+                                            </p:txEl>
+                                          </p:spTgt>
+                                        </p:tgtEl>
+                                        <p:attrNameLst>
+                                          <p:attrName>style.color</p:attrName>
+                                        </p:attrNameLst>
+                                      </p:cBhvr>
+                                      <p:to>
+                                        <a:srgbClr val="D8D8D8"/>
+                                      </p:to>
+                                    </p:animClr>
+                                    <p:animClr clrSpc="rgb" dir="cw">
+                                      <p:cBhvr>
+                                        <p:cTn id="7" dur="500" fill="hold"/>
+                                        <p:tgtEl>
+                                          <p:spTgt spid="2">
+                                            <p:txEl>
+                                              <p:pRg st="1" end="1"/>
+                                            </p:txEl>
+                                          </p:spTgt>
+                                        </p:tgtEl>
+                                        <p:attrNameLst>
+                                          <p:attrName>fillcolor</p:attrName>
+                                        </p:attrNameLst>
+                                      </p:cBhvr>
+                                      <p:to>
+                                        <a:srgbClr val="D8D8D8"/>
+                                      </p:to>
+                                    </p:animClr>
+                                    <p:set>
+                                      <p:cBhvr>
+                                        <p:cTn id="8" dur="500" fill="hold"/>
+                                        <p:tgtEl>
+                                          <p:spTgt spid="2">
+                                            <p:txEl>
+                                              <p:pRg st="1" end="1"/>
+                                            </p:txEl>
+                                          </p:spTgt>
+                                        </p:tgtEl>
+                                        <p:attrNameLst>
+                                          <p:attrName>fill.type</p:attrName>
+                                        </p:attrNameLst>
+                                      </p:cBhvr>
+                                      <p:to>
+                                        <p:strVal val="solid"/>
+                                      </p:to>
+                                    </p:set>
+                                    <p:set>
+                                      <p:cBhvr>
+                                        <p:cTn id="9" dur="500" fill="hold"/>
+                                        <p:tgtEl>
+                                          <p:spTgt spid="2">
+                                            <p:txEl>
+                                              <p:pRg st="1" end="1"/>
+                                            </p:txEl>
+                                          </p:spTgt>
+                                        </p:tgtEl>
+                                        <p:attrNameLst>
+                                          <p:attrName>fill.on</p:attrName>
+                                        </p:attrNameLst>
+                                      </p:cBhvr>
+                                      <p:to>
+                                        <p:strVal val="true"/>
+                                      </p:to>
+                                    </p:set>
+                                  </p:childTnLst>
+                                </p:cTn>
+                              </p:par>
+                              <p:par>
+                                <p:cTn id="10" presetID="19" presetClass="emph" presetSubtype="0" fill="hold" grpId="0" nodeType="withEffect">
+                                  <p:stCondLst>
+                                    <p:cond delay="0"/>
+                                  </p:stCondLst>
+                                  <p:childTnLst>
+                                    <p:animClr clrSpc="rgb" dir="cw">
+                                      <p:cBhvr override="childStyle">
+                                        <p:cTn id="11" dur="500" fill="hold"/>
+                                        <p:tgtEl>
+                                          <p:spTgt spid="2">
+                                            <p:txEl>
+                                              <p:pRg st="2" end="2"/>
+                                            </p:txEl>
+                                          </p:spTgt>
+                                        </p:tgtEl>
+                                        <p:attrNameLst>
+                                          <p:attrName>style.color</p:attrName>
+                                        </p:attrNameLst>
+                                      </p:cBhvr>
+                                      <p:to>
+                                        <a:srgbClr val="D8D8D8"/>
+                                      </p:to>
+                                    </p:animClr>
+                                    <p:animClr clrSpc="rgb" dir="cw">
+                                      <p:cBhvr>
+                                        <p:cTn id="12" dur="500" fill="hold"/>
+                                        <p:tgtEl>
+                                          <p:spTgt spid="2">
+                                            <p:txEl>
+                                              <p:pRg st="2" end="2"/>
+                                            </p:txEl>
+                                          </p:spTgt>
+                                        </p:tgtEl>
+                                        <p:attrNameLst>
+                                          <p:attrName>fillcolor</p:attrName>
+                                        </p:attrNameLst>
+                                      </p:cBhvr>
+                                      <p:to>
+                                        <a:srgbClr val="D8D8D8"/>
+                                      </p:to>
+                                    </p:animClr>
+                                    <p:set>
+                                      <p:cBhvr>
+                                        <p:cTn id="13" dur="500" fill="hold"/>
+                                        <p:tgtEl>
+                                          <p:spTgt spid="2">
+                                            <p:txEl>
+                                              <p:pRg st="2" end="2"/>
+                                            </p:txEl>
+                                          </p:spTgt>
+                                        </p:tgtEl>
+                                        <p:attrNameLst>
+                                          <p:attrName>fill.type</p:attrName>
+                                        </p:attrNameLst>
+                                      </p:cBhvr>
+                                      <p:to>
+                                        <p:strVal val="solid"/>
+                                      </p:to>
+                                    </p:set>
+                                    <p:set>
+                                      <p:cBhvr>
+                                        <p:cTn id="14" dur="500" fill="hold"/>
+                                        <p:tgtEl>
+                                          <p:spTgt spid="2">
+                                            <p:txEl>
+                                              <p:pRg st="2" end="2"/>
+                                            </p:txEl>
+                                          </p:spTgt>
+                                        </p:tgtEl>
+                                        <p:attrNameLst>
+                                          <p:attrName>fill.on</p:attrName>
+                                        </p:attrNameLst>
+                                      </p:cBhvr>
+                                      <p:to>
+                                        <p:strVal val="true"/>
+                                      </p:to>
+                                    </p:set>
+                                  </p:childTnLst>
+                                </p:cTn>
+                              </p:par>
+                              <p:par>
+                                <p:cTn id="15" presetID="19" presetClass="emph" presetSubtype="0" fill="hold" grpId="0" nodeType="withEffect">
+                                  <p:stCondLst>
+                                    <p:cond delay="0"/>
+                                  </p:stCondLst>
+                                  <p:childTnLst>
+                                    <p:animClr clrSpc="rgb" dir="cw">
+                                      <p:cBhvr override="childStyle">
+                                        <p:cTn id="16" dur="500" fill="hold"/>
+                                        <p:tgtEl>
+                                          <p:spTgt spid="2">
+                                            <p:txEl>
+                                              <p:pRg st="3" end="3"/>
+                                            </p:txEl>
+                                          </p:spTgt>
+                                        </p:tgtEl>
+                                        <p:attrNameLst>
+                                          <p:attrName>style.color</p:attrName>
+                                        </p:attrNameLst>
+                                      </p:cBhvr>
+                                      <p:to>
+                                        <a:srgbClr val="D8D8D8"/>
+                                      </p:to>
+                                    </p:animClr>
+                                    <p:animClr clrSpc="rgb" dir="cw">
+                                      <p:cBhvr>
+                                        <p:cTn id="17" dur="500" fill="hold"/>
+                                        <p:tgtEl>
+                                          <p:spTgt spid="2">
+                                            <p:txEl>
+                                              <p:pRg st="3" end="3"/>
+                                            </p:txEl>
+                                          </p:spTgt>
+                                        </p:tgtEl>
+                                        <p:attrNameLst>
+                                          <p:attrName>fillcolor</p:attrName>
+                                        </p:attrNameLst>
+                                      </p:cBhvr>
+                                      <p:to>
+                                        <a:srgbClr val="D8D8D8"/>
+                                      </p:to>
+                                    </p:animClr>
+                                    <p:set>
+                                      <p:cBhvr>
+                                        <p:cTn id="18" dur="500" fill="hold"/>
+                                        <p:tgtEl>
+                                          <p:spTgt spid="2">
+                                            <p:txEl>
+                                              <p:pRg st="3" end="3"/>
+                                            </p:txEl>
+                                          </p:spTgt>
+                                        </p:tgtEl>
+                                        <p:attrNameLst>
+                                          <p:attrName>fill.type</p:attrName>
+                                        </p:attrNameLst>
+                                      </p:cBhvr>
+                                      <p:to>
+                                        <p:strVal val="solid"/>
+                                      </p:to>
+                                    </p:set>
+                                    <p:set>
+                                      <p:cBhvr>
+                                        <p:cTn id="19" dur="500" fill="hold"/>
+                                        <p:tgtEl>
+                                          <p:spTgt spid="2">
+                                            <p:txEl>
+                                              <p:pRg st="3" end="3"/>
+                                            </p:txEl>
+                                          </p:spTgt>
+                                        </p:tgtEl>
+                                        <p:attrNameLst>
+                                          <p:attrName>fill.on</p:attrName>
+                                        </p:attrNameLst>
+                                      </p:cBhvr>
+                                      <p:to>
+                                        <p:strVal val="true"/>
+                                      </p:to>
+                                    </p:set>
+                                  </p:childTnLst>
+                                </p:cTn>
+                              </p:par>
+                            </p:childTnLst>
+                          </p:cTn>
+                        </p:par>
+                      </p:childTnLst>
+                    </p:cTn>
+                  </p:par>
+                </p:childTnLst>
+              </p:cTn>
+              <p:prevCondLst>
+                <p:cond evt="onPrev" delay="0">
+                  <p:tgtEl>
+                    <p:sldTgt/>
+                  </p:tgtEl>
+                </p:cond>
+              </p:prevCondLst>
+              <p:nextCondLst>
+                <p:cond evt="onNext" delay="0">
+                  <p:tgtEl>
+                    <p:sldTgt/>
+                  </p:tgtEl>
+                </p:cond>
+              </p:nextCondLst>
+            </p:seq>
+          </p:childTnLst>
+        </p:cTn>
+      </p:par>
+    </p:tnLst>
+    <p:bldLst>
+      <p:bldP spid="2" grpId="0" uiExpand="1" build="p"/>
+    </p:bldLst>
+  </p:timing>
 </p:sld>
 </file>
 
-<file path=ppt/slides/slide4.xml><?xml version="1.0" encoding="utf-8"?>
+<file path=ppt/slides/slide5.xml><?xml version="1.0" encoding="utf-8"?>
 <p:sld xmlns:a="http://schemas.openxmlformats.org/drawingml/2006/main" xmlns:r="http://schemas.openxmlformats.org/officeDocument/2006/relationships" xmlns:p="http://schemas.openxmlformats.org/presentationml/2006/main">
   <p:cSld>
     <p:spTree>
@@ -12192,7 +15205,28 @@
           <a:bodyPr/>
           <a:lstStyle/>
           <a:p>
-            <a:endParaRPr lang="en-US"/>
+            <a:pPr marL="285750" indent="-285750">
+              <a:buFont typeface="Arial" panose="020B0604020202020204" pitchFamily="34" charset="0"/>
+              <a:buChar char="•"/>
+            </a:pPr>
+            <a:r>
+              <a:rPr lang="en-US" dirty="0"/>
+              <a:t>Different Approaches -&gt; Advantages and Drawbacks</a:t>
+            </a:r>
+          </a:p>
+          <a:p>
+            <a:pPr marL="285750" indent="-285750">
+              <a:buFont typeface="Arial" panose="020B0604020202020204" pitchFamily="34" charset="0"/>
+              <a:buChar char="•"/>
+            </a:pPr>
+            <a:r>
+              <a:rPr lang="de-DE" dirty="0"/>
+              <a:t>Details</a:t>
+            </a:r>
+            <a:r>
+              <a:rPr lang="en-US" dirty="0"/>
+              <a:t> about HMM-based synthesis</a:t>
+            </a:r>
           </a:p>
         </p:txBody>
       </p:sp>
@@ -12220,7 +15254,7 @@
             <a:fld id="{CE58CB1E-F828-4F11-99E0-327109AF9DA4}" type="slidenum">
               <a:rPr lang="de-DE" smtClean="0"/>
               <a:pPr/>
-              <a:t>4</a:t>
+              <a:t>5</a:t>
             </a:fld>
             <a:endParaRPr lang="de-DE" dirty="0"/>
           </a:p>
@@ -12288,7 +15322,516 @@
 </p:sld>
 </file>
 
-<file path=ppt/slides/slide5.xml><?xml version="1.0" encoding="utf-8"?>
+<file path=ppt/slides/slide6.xml><?xml version="1.0" encoding="utf-8"?>
+<p:sld xmlns:a="http://schemas.openxmlformats.org/drawingml/2006/main" xmlns:r="http://schemas.openxmlformats.org/officeDocument/2006/relationships" xmlns:p="http://schemas.openxmlformats.org/presentationml/2006/main">
+  <p:cSld>
+    <p:spTree>
+      <p:nvGrpSpPr>
+        <p:cNvPr id="1" name=""/>
+        <p:cNvGrpSpPr/>
+        <p:nvPr/>
+      </p:nvGrpSpPr>
+      <p:grpSpPr>
+        <a:xfrm>
+          <a:off x="0" y="0"/>
+          <a:ext cx="0" cy="0"/>
+          <a:chOff x="0" y="0"/>
+          <a:chExt cx="0" cy="0"/>
+        </a:xfrm>
+      </p:grpSpPr>
+      <p:sp>
+        <p:nvSpPr>
+          <p:cNvPr id="2" name="Inhaltsplatzhalter 1">
+            <a:extLst>
+              <a:ext uri="{FF2B5EF4-FFF2-40B4-BE49-F238E27FC236}">
+                <a16:creationId xmlns:a16="http://schemas.microsoft.com/office/drawing/2014/main" id="{8A7E94C3-2964-4EDC-B78B-AA3DDEE7EAFE}"/>
+              </a:ext>
+            </a:extLst>
+          </p:cNvPr>
+          <p:cNvSpPr>
+            <a:spLocks noGrp="1"/>
+          </p:cNvSpPr>
+          <p:nvPr>
+            <p:ph idx="10"/>
+          </p:nvPr>
+        </p:nvSpPr>
+        <p:spPr>
+          <a:xfrm>
+            <a:off x="319088" y="1978720"/>
+            <a:ext cx="8508999" cy="3274767"/>
+          </a:xfrm>
+        </p:spPr>
+        <p:txBody>
+          <a:bodyPr/>
+          <a:lstStyle/>
+          <a:p>
+            <a:pPr marL="285750" indent="-285750">
+              <a:lnSpc>
+                <a:spcPct val="200000"/>
+              </a:lnSpc>
+              <a:buFont typeface="Arial" panose="020B0604020202020204" pitchFamily="34" charset="0"/>
+              <a:buChar char="•"/>
+            </a:pPr>
+            <a:r>
+              <a:rPr lang="en-US" sz="2200" dirty="0"/>
+              <a:t>Conventional</a:t>
+            </a:r>
+            <a:r>
+              <a:rPr lang="de-DE" sz="2200" dirty="0"/>
+              <a:t> </a:t>
+            </a:r>
+            <a:r>
+              <a:rPr lang="en-US" sz="2200" dirty="0"/>
+              <a:t>Speech</a:t>
+            </a:r>
+            <a:r>
+              <a:rPr lang="de-DE" sz="2200" dirty="0"/>
+              <a:t> </a:t>
+            </a:r>
+            <a:r>
+              <a:rPr lang="en-US" sz="2200" dirty="0"/>
+              <a:t>Synthesis</a:t>
+            </a:r>
+          </a:p>
+          <a:p>
+            <a:pPr marL="285750" indent="-285750">
+              <a:lnSpc>
+                <a:spcPct val="200000"/>
+              </a:lnSpc>
+              <a:buFont typeface="Arial" panose="020B0604020202020204" pitchFamily="34" charset="0"/>
+              <a:buChar char="•"/>
+            </a:pPr>
+            <a:r>
+              <a:rPr lang="en-US" sz="2200" dirty="0"/>
+              <a:t>Introducing</a:t>
+            </a:r>
+            <a:r>
+              <a:rPr lang="de-DE" sz="2200" dirty="0"/>
+              <a:t> </a:t>
+            </a:r>
+            <a:r>
+              <a:rPr lang="en-US" sz="2200" dirty="0"/>
+              <a:t>Deep</a:t>
+            </a:r>
+            <a:r>
+              <a:rPr lang="de-DE" sz="2200" dirty="0"/>
+              <a:t> </a:t>
+            </a:r>
+            <a:r>
+              <a:rPr lang="en-US" sz="2200" dirty="0"/>
+              <a:t>Learning</a:t>
+            </a:r>
+            <a:r>
+              <a:rPr lang="de-DE" sz="2200" dirty="0"/>
+              <a:t> </a:t>
+            </a:r>
+            <a:r>
+              <a:rPr lang="en-US" sz="2200" dirty="0"/>
+              <a:t>Models</a:t>
+            </a:r>
+          </a:p>
+          <a:p>
+            <a:pPr marL="285750" indent="-285750">
+              <a:lnSpc>
+                <a:spcPct val="200000"/>
+              </a:lnSpc>
+              <a:buFont typeface="Arial" panose="020B0604020202020204" pitchFamily="34" charset="0"/>
+              <a:buChar char="•"/>
+            </a:pPr>
+            <a:r>
+              <a:rPr lang="de-DE" sz="2200" dirty="0"/>
+              <a:t>Speech</a:t>
+            </a:r>
+            <a:r>
+              <a:rPr lang="en-US" sz="2200" dirty="0"/>
+              <a:t> Synthesis on Mobile Devices</a:t>
+            </a:r>
+          </a:p>
+          <a:p>
+            <a:pPr marL="285750" indent="-285750">
+              <a:lnSpc>
+                <a:spcPct val="200000"/>
+              </a:lnSpc>
+              <a:buFont typeface="Arial" panose="020B0604020202020204" pitchFamily="34" charset="0"/>
+              <a:buChar char="•"/>
+            </a:pPr>
+            <a:r>
+              <a:rPr lang="en-US" sz="2200" dirty="0"/>
+              <a:t>Conclusions</a:t>
+            </a:r>
+          </a:p>
+          <a:p>
+            <a:endParaRPr lang="en-US" dirty="0"/>
+          </a:p>
+        </p:txBody>
+      </p:sp>
+      <p:sp>
+        <p:nvSpPr>
+          <p:cNvPr id="3" name="Foliennummernplatzhalter 2">
+            <a:extLst>
+              <a:ext uri="{FF2B5EF4-FFF2-40B4-BE49-F238E27FC236}">
+                <a16:creationId xmlns:a16="http://schemas.microsoft.com/office/drawing/2014/main" id="{1365DE39-A1A7-40D2-AE79-CC14FF2E3805}"/>
+              </a:ext>
+            </a:extLst>
+          </p:cNvPr>
+          <p:cNvSpPr>
+            <a:spLocks noGrp="1"/>
+          </p:cNvSpPr>
+          <p:nvPr>
+            <p:ph type="sldNum" sz="quarter" idx="11"/>
+          </p:nvPr>
+        </p:nvSpPr>
+        <p:spPr/>
+        <p:txBody>
+          <a:bodyPr/>
+          <a:lstStyle/>
+          <a:p>
+            <a:fld id="{CE58CB1E-F828-4F11-99E0-327109AF9DA4}" type="slidenum">
+              <a:rPr lang="de-DE" smtClean="0"/>
+              <a:pPr/>
+              <a:t>6</a:t>
+            </a:fld>
+            <a:endParaRPr lang="de-DE" dirty="0"/>
+          </a:p>
+        </p:txBody>
+      </p:sp>
+      <p:sp>
+        <p:nvSpPr>
+          <p:cNvPr id="4" name="Titel 3">
+            <a:extLst>
+              <a:ext uri="{FF2B5EF4-FFF2-40B4-BE49-F238E27FC236}">
+                <a16:creationId xmlns:a16="http://schemas.microsoft.com/office/drawing/2014/main" id="{6654AC61-DCA5-4E04-916B-BCA64AE1B3FB}"/>
+              </a:ext>
+            </a:extLst>
+          </p:cNvPr>
+          <p:cNvSpPr>
+            <a:spLocks noGrp="1"/>
+          </p:cNvSpPr>
+          <p:nvPr>
+            <p:ph type="title"/>
+          </p:nvPr>
+        </p:nvSpPr>
+        <p:spPr/>
+        <p:txBody>
+          <a:bodyPr/>
+          <a:lstStyle/>
+          <a:p>
+            <a:r>
+              <a:rPr lang="de-DE" dirty="0"/>
+              <a:t>Outline</a:t>
+            </a:r>
+            <a:endParaRPr lang="en-US" dirty="0"/>
+          </a:p>
+        </p:txBody>
+      </p:sp>
+    </p:spTree>
+    <p:extLst>
+      <p:ext uri="{BB962C8B-B14F-4D97-AF65-F5344CB8AC3E}">
+        <p14:creationId xmlns:p14="http://schemas.microsoft.com/office/powerpoint/2010/main" val="2302222702"/>
+      </p:ext>
+    </p:extLst>
+  </p:cSld>
+  <p:clrMapOvr>
+    <a:masterClrMapping/>
+  </p:clrMapOvr>
+  <p:timing>
+    <p:tnLst>
+      <p:par>
+        <p:cTn id="1" dur="indefinite" restart="never" nodeType="tmRoot">
+          <p:childTnLst>
+            <p:seq concurrent="1" nextAc="seek">
+              <p:cTn id="2" dur="indefinite" nodeType="mainSeq">
+                <p:childTnLst>
+                  <p:par>
+                    <p:cTn id="3" fill="hold">
+                      <p:stCondLst>
+                        <p:cond delay="indefinite"/>
+                      </p:stCondLst>
+                      <p:childTnLst>
+                        <p:par>
+                          <p:cTn id="4" fill="hold">
+                            <p:stCondLst>
+                              <p:cond delay="0"/>
+                            </p:stCondLst>
+                            <p:childTnLst>
+                              <p:par>
+                                <p:cTn id="5" presetID="19" presetClass="emph" presetSubtype="0" fill="hold" grpId="1" nodeType="clickEffect">
+                                  <p:stCondLst>
+                                    <p:cond delay="0"/>
+                                  </p:stCondLst>
+                                  <p:childTnLst>
+                                    <p:animClr clrSpc="rgb" dir="cw">
+                                      <p:cBhvr override="childStyle">
+                                        <p:cTn id="6" dur="500" fill="hold"/>
+                                        <p:tgtEl>
+                                          <p:spTgt spid="2">
+                                            <p:txEl>
+                                              <p:pRg st="0" end="0"/>
+                                            </p:txEl>
+                                          </p:spTgt>
+                                        </p:tgtEl>
+                                        <p:attrNameLst>
+                                          <p:attrName>style.color</p:attrName>
+                                        </p:attrNameLst>
+                                      </p:cBhvr>
+                                      <p:to>
+                                        <a:srgbClr val="D8D8D8"/>
+                                      </p:to>
+                                    </p:animClr>
+                                    <p:animClr clrSpc="rgb" dir="cw">
+                                      <p:cBhvr>
+                                        <p:cTn id="7" dur="500" fill="hold"/>
+                                        <p:tgtEl>
+                                          <p:spTgt spid="2">
+                                            <p:txEl>
+                                              <p:pRg st="0" end="0"/>
+                                            </p:txEl>
+                                          </p:spTgt>
+                                        </p:tgtEl>
+                                        <p:attrNameLst>
+                                          <p:attrName>fillcolor</p:attrName>
+                                        </p:attrNameLst>
+                                      </p:cBhvr>
+                                      <p:to>
+                                        <a:srgbClr val="D8D8D8"/>
+                                      </p:to>
+                                    </p:animClr>
+                                    <p:set>
+                                      <p:cBhvr>
+                                        <p:cTn id="8" dur="500" fill="hold"/>
+                                        <p:tgtEl>
+                                          <p:spTgt spid="2">
+                                            <p:txEl>
+                                              <p:pRg st="0" end="0"/>
+                                            </p:txEl>
+                                          </p:spTgt>
+                                        </p:tgtEl>
+                                        <p:attrNameLst>
+                                          <p:attrName>fill.type</p:attrName>
+                                        </p:attrNameLst>
+                                      </p:cBhvr>
+                                      <p:to>
+                                        <p:strVal val="solid"/>
+                                      </p:to>
+                                    </p:set>
+                                    <p:set>
+                                      <p:cBhvr>
+                                        <p:cTn id="9" dur="500" fill="hold"/>
+                                        <p:tgtEl>
+                                          <p:spTgt spid="2">
+                                            <p:txEl>
+                                              <p:pRg st="0" end="0"/>
+                                            </p:txEl>
+                                          </p:spTgt>
+                                        </p:tgtEl>
+                                        <p:attrNameLst>
+                                          <p:attrName>fill.on</p:attrName>
+                                        </p:attrNameLst>
+                                      </p:cBhvr>
+                                      <p:to>
+                                        <p:strVal val="true"/>
+                                      </p:to>
+                                    </p:set>
+                                  </p:childTnLst>
+                                </p:cTn>
+                              </p:par>
+                              <p:par>
+                                <p:cTn id="10" presetID="19" presetClass="emph" presetSubtype="0" fill="hold" grpId="1" nodeType="withEffect">
+                                  <p:stCondLst>
+                                    <p:cond delay="0"/>
+                                  </p:stCondLst>
+                                  <p:childTnLst>
+                                    <p:animClr clrSpc="rgb" dir="cw">
+                                      <p:cBhvr override="childStyle">
+                                        <p:cTn id="11" dur="500" fill="hold"/>
+                                        <p:tgtEl>
+                                          <p:spTgt spid="2">
+                                            <p:txEl>
+                                              <p:pRg st="2" end="2"/>
+                                            </p:txEl>
+                                          </p:spTgt>
+                                        </p:tgtEl>
+                                        <p:attrNameLst>
+                                          <p:attrName>style.color</p:attrName>
+                                        </p:attrNameLst>
+                                      </p:cBhvr>
+                                      <p:to>
+                                        <a:srgbClr val="D8D8D8"/>
+                                      </p:to>
+                                    </p:animClr>
+                                    <p:animClr clrSpc="rgb" dir="cw">
+                                      <p:cBhvr>
+                                        <p:cTn id="12" dur="500" fill="hold"/>
+                                        <p:tgtEl>
+                                          <p:spTgt spid="2">
+                                            <p:txEl>
+                                              <p:pRg st="2" end="2"/>
+                                            </p:txEl>
+                                          </p:spTgt>
+                                        </p:tgtEl>
+                                        <p:attrNameLst>
+                                          <p:attrName>fillcolor</p:attrName>
+                                        </p:attrNameLst>
+                                      </p:cBhvr>
+                                      <p:to>
+                                        <a:srgbClr val="D8D8D8"/>
+                                      </p:to>
+                                    </p:animClr>
+                                    <p:set>
+                                      <p:cBhvr>
+                                        <p:cTn id="13" dur="500" fill="hold"/>
+                                        <p:tgtEl>
+                                          <p:spTgt spid="2">
+                                            <p:txEl>
+                                              <p:pRg st="2" end="2"/>
+                                            </p:txEl>
+                                          </p:spTgt>
+                                        </p:tgtEl>
+                                        <p:attrNameLst>
+                                          <p:attrName>fill.type</p:attrName>
+                                        </p:attrNameLst>
+                                      </p:cBhvr>
+                                      <p:to>
+                                        <p:strVal val="solid"/>
+                                      </p:to>
+                                    </p:set>
+                                    <p:set>
+                                      <p:cBhvr>
+                                        <p:cTn id="14" dur="500" fill="hold"/>
+                                        <p:tgtEl>
+                                          <p:spTgt spid="2">
+                                            <p:txEl>
+                                              <p:pRg st="2" end="2"/>
+                                            </p:txEl>
+                                          </p:spTgt>
+                                        </p:tgtEl>
+                                        <p:attrNameLst>
+                                          <p:attrName>fill.on</p:attrName>
+                                        </p:attrNameLst>
+                                      </p:cBhvr>
+                                      <p:to>
+                                        <p:strVal val="true"/>
+                                      </p:to>
+                                    </p:set>
+                                  </p:childTnLst>
+                                </p:cTn>
+                              </p:par>
+                              <p:par>
+                                <p:cTn id="15" presetID="19" presetClass="emph" presetSubtype="0" fill="hold" grpId="1" nodeType="withEffect">
+                                  <p:stCondLst>
+                                    <p:cond delay="0"/>
+                                  </p:stCondLst>
+                                  <p:childTnLst>
+                                    <p:animClr clrSpc="rgb" dir="cw">
+                                      <p:cBhvr override="childStyle">
+                                        <p:cTn id="16" dur="500" fill="hold"/>
+                                        <p:tgtEl>
+                                          <p:spTgt spid="2">
+                                            <p:txEl>
+                                              <p:pRg st="3" end="3"/>
+                                            </p:txEl>
+                                          </p:spTgt>
+                                        </p:tgtEl>
+                                        <p:attrNameLst>
+                                          <p:attrName>style.color</p:attrName>
+                                        </p:attrNameLst>
+                                      </p:cBhvr>
+                                      <p:to>
+                                        <a:srgbClr val="D8D8D8"/>
+                                      </p:to>
+                                    </p:animClr>
+                                    <p:animClr clrSpc="rgb" dir="cw">
+                                      <p:cBhvr>
+                                        <p:cTn id="17" dur="500" fill="hold"/>
+                                        <p:tgtEl>
+                                          <p:spTgt spid="2">
+                                            <p:txEl>
+                                              <p:pRg st="3" end="3"/>
+                                            </p:txEl>
+                                          </p:spTgt>
+                                        </p:tgtEl>
+                                        <p:attrNameLst>
+                                          <p:attrName>fillcolor</p:attrName>
+                                        </p:attrNameLst>
+                                      </p:cBhvr>
+                                      <p:to>
+                                        <a:srgbClr val="D8D8D8"/>
+                                      </p:to>
+                                    </p:animClr>
+                                    <p:set>
+                                      <p:cBhvr>
+                                        <p:cTn id="18" dur="500" fill="hold"/>
+                                        <p:tgtEl>
+                                          <p:spTgt spid="2">
+                                            <p:txEl>
+                                              <p:pRg st="3" end="3"/>
+                                            </p:txEl>
+                                          </p:spTgt>
+                                        </p:tgtEl>
+                                        <p:attrNameLst>
+                                          <p:attrName>fill.type</p:attrName>
+                                        </p:attrNameLst>
+                                      </p:cBhvr>
+                                      <p:to>
+                                        <p:strVal val="solid"/>
+                                      </p:to>
+                                    </p:set>
+                                    <p:set>
+                                      <p:cBhvr>
+                                        <p:cTn id="19" dur="500" fill="hold"/>
+                                        <p:tgtEl>
+                                          <p:spTgt spid="2">
+                                            <p:txEl>
+                                              <p:pRg st="3" end="3"/>
+                                            </p:txEl>
+                                          </p:spTgt>
+                                        </p:tgtEl>
+                                        <p:attrNameLst>
+                                          <p:attrName>fill.on</p:attrName>
+                                        </p:attrNameLst>
+                                      </p:cBhvr>
+                                      <p:to>
+                                        <p:strVal val="true"/>
+                                      </p:to>
+                                    </p:set>
+                                  </p:childTnLst>
+                                </p:cTn>
+                              </p:par>
+                            </p:childTnLst>
+                          </p:cTn>
+                        </p:par>
+                      </p:childTnLst>
+                    </p:cTn>
+                  </p:par>
+                </p:childTnLst>
+              </p:cTn>
+              <p:prevCondLst>
+                <p:cond evt="onPrev" delay="0">
+                  <p:tgtEl>
+                    <p:sldTgt/>
+                  </p:tgtEl>
+                </p:cond>
+              </p:prevCondLst>
+              <p:nextCondLst>
+                <p:cond evt="onNext" delay="0">
+                  <p:tgtEl>
+                    <p:sldTgt/>
+                  </p:tgtEl>
+                </p:cond>
+              </p:nextCondLst>
+            </p:seq>
+          </p:childTnLst>
+        </p:cTn>
+      </p:par>
+    </p:tnLst>
+    <p:bldLst>
+      <p:bldP spid="2" grpId="1" uiExpand="1" build="p"/>
+    </p:bldLst>
+  </p:timing>
+</p:sld>
+</file>
+
+<file path=ppt/slides/slide7.xml><?xml version="1.0" encoding="utf-8"?>
 <p:sld xmlns:a="http://schemas.openxmlformats.org/drawingml/2006/main" xmlns:r="http://schemas.openxmlformats.org/officeDocument/2006/relationships" xmlns:p="http://schemas.openxmlformats.org/presentationml/2006/main">
   <p:cSld>
     <p:spTree>
@@ -12326,7 +15869,24 @@
           <a:bodyPr/>
           <a:lstStyle/>
           <a:p>
-            <a:endParaRPr lang="en-US"/>
+            <a:pPr marL="285750" indent="-285750">
+              <a:buFont typeface="Arial" panose="020B0604020202020204" pitchFamily="34" charset="0"/>
+              <a:buChar char="•"/>
+            </a:pPr>
+            <a:r>
+              <a:rPr lang="en-US" dirty="0"/>
+              <a:t>Where it is possible to introduce DL?</a:t>
+            </a:r>
+          </a:p>
+          <a:p>
+            <a:pPr marL="285750" indent="-285750">
+              <a:buFont typeface="Arial" panose="020B0604020202020204" pitchFamily="34" charset="0"/>
+              <a:buChar char="•"/>
+            </a:pPr>
+            <a:r>
+              <a:rPr lang="en-US" dirty="0"/>
+              <a:t>Details about one Approach</a:t>
+            </a:r>
           </a:p>
         </p:txBody>
       </p:sp>
@@ -12354,7 +15914,7 @@
             <a:fld id="{CE58CB1E-F828-4F11-99E0-327109AF9DA4}" type="slidenum">
               <a:rPr lang="de-DE" smtClean="0"/>
               <a:pPr/>
-              <a:t>5</a:t>
+              <a:t>7</a:t>
             </a:fld>
             <a:endParaRPr lang="de-DE" dirty="0"/>
           </a:p>
@@ -12430,7 +15990,566 @@
 </p:sld>
 </file>
 
-<file path=ppt/slides/slide6.xml><?xml version="1.0" encoding="utf-8"?>
+<file path=ppt/slides/slide8.xml><?xml version="1.0" encoding="utf-8"?>
+<p:sld xmlns:a="http://schemas.openxmlformats.org/drawingml/2006/main" xmlns:r="http://schemas.openxmlformats.org/officeDocument/2006/relationships" xmlns:p="http://schemas.openxmlformats.org/presentationml/2006/main">
+  <p:cSld>
+    <p:spTree>
+      <p:nvGrpSpPr>
+        <p:cNvPr id="1" name=""/>
+        <p:cNvGrpSpPr/>
+        <p:nvPr/>
+      </p:nvGrpSpPr>
+      <p:grpSpPr>
+        <a:xfrm>
+          <a:off x="0" y="0"/>
+          <a:ext cx="0" cy="0"/>
+          <a:chOff x="0" y="0"/>
+          <a:chExt cx="0" cy="0"/>
+        </a:xfrm>
+      </p:grpSpPr>
+      <p:sp>
+        <p:nvSpPr>
+          <p:cNvPr id="2" name="Inhaltsplatzhalter 1">
+            <a:extLst>
+              <a:ext uri="{FF2B5EF4-FFF2-40B4-BE49-F238E27FC236}">
+                <a16:creationId xmlns:a16="http://schemas.microsoft.com/office/drawing/2014/main" id="{8A7E94C3-2964-4EDC-B78B-AA3DDEE7EAFE}"/>
+              </a:ext>
+            </a:extLst>
+          </p:cNvPr>
+          <p:cNvSpPr>
+            <a:spLocks noGrp="1"/>
+          </p:cNvSpPr>
+          <p:nvPr>
+            <p:ph idx="10"/>
+          </p:nvPr>
+        </p:nvSpPr>
+        <p:spPr>
+          <a:xfrm>
+            <a:off x="319088" y="1978720"/>
+            <a:ext cx="8508999" cy="3274767"/>
+          </a:xfrm>
+        </p:spPr>
+        <p:txBody>
+          <a:bodyPr/>
+          <a:lstStyle/>
+          <a:p>
+            <a:pPr marL="285750" indent="-285750">
+              <a:lnSpc>
+                <a:spcPct val="200000"/>
+              </a:lnSpc>
+              <a:buFont typeface="Arial" panose="020B0604020202020204" pitchFamily="34" charset="0"/>
+              <a:buChar char="•"/>
+            </a:pPr>
+            <a:r>
+              <a:rPr lang="en-US" sz="2200" dirty="0">
+                <a:solidFill>
+                  <a:schemeClr val="tx1"/>
+                </a:solidFill>
+              </a:rPr>
+              <a:t>Conventional</a:t>
+            </a:r>
+            <a:r>
+              <a:rPr lang="de-DE" sz="2200" dirty="0">
+                <a:solidFill>
+                  <a:schemeClr val="tx1"/>
+                </a:solidFill>
+              </a:rPr>
+              <a:t> </a:t>
+            </a:r>
+            <a:r>
+              <a:rPr lang="en-US" sz="2200" dirty="0">
+                <a:solidFill>
+                  <a:schemeClr val="tx1"/>
+                </a:solidFill>
+              </a:rPr>
+              <a:t>Speech</a:t>
+            </a:r>
+            <a:r>
+              <a:rPr lang="de-DE" sz="2200" dirty="0">
+                <a:solidFill>
+                  <a:schemeClr val="tx1"/>
+                </a:solidFill>
+              </a:rPr>
+              <a:t> </a:t>
+            </a:r>
+            <a:r>
+              <a:rPr lang="en-US" sz="2200" dirty="0">
+                <a:solidFill>
+                  <a:schemeClr val="tx1"/>
+                </a:solidFill>
+              </a:rPr>
+              <a:t>Synthesis</a:t>
+            </a:r>
+          </a:p>
+          <a:p>
+            <a:pPr marL="285750" indent="-285750">
+              <a:lnSpc>
+                <a:spcPct val="200000"/>
+              </a:lnSpc>
+              <a:buFont typeface="Arial" panose="020B0604020202020204" pitchFamily="34" charset="0"/>
+              <a:buChar char="•"/>
+            </a:pPr>
+            <a:r>
+              <a:rPr lang="en-US" sz="2200" dirty="0">
+                <a:solidFill>
+                  <a:schemeClr val="tx1"/>
+                </a:solidFill>
+              </a:rPr>
+              <a:t>Introducing</a:t>
+            </a:r>
+            <a:r>
+              <a:rPr lang="de-DE" sz="2200" dirty="0">
+                <a:solidFill>
+                  <a:schemeClr val="tx1"/>
+                </a:solidFill>
+              </a:rPr>
+              <a:t> </a:t>
+            </a:r>
+            <a:r>
+              <a:rPr lang="en-US" sz="2200" dirty="0">
+                <a:solidFill>
+                  <a:schemeClr val="tx1"/>
+                </a:solidFill>
+              </a:rPr>
+              <a:t>Deep</a:t>
+            </a:r>
+            <a:r>
+              <a:rPr lang="de-DE" sz="2200" dirty="0">
+                <a:solidFill>
+                  <a:schemeClr val="tx1"/>
+                </a:solidFill>
+              </a:rPr>
+              <a:t> </a:t>
+            </a:r>
+            <a:r>
+              <a:rPr lang="en-US" sz="2200" dirty="0">
+                <a:solidFill>
+                  <a:schemeClr val="tx1"/>
+                </a:solidFill>
+              </a:rPr>
+              <a:t>Learning</a:t>
+            </a:r>
+            <a:r>
+              <a:rPr lang="de-DE" sz="2200" dirty="0">
+                <a:solidFill>
+                  <a:schemeClr val="tx1"/>
+                </a:solidFill>
+              </a:rPr>
+              <a:t> </a:t>
+            </a:r>
+            <a:r>
+              <a:rPr lang="en-US" sz="2200" dirty="0">
+                <a:solidFill>
+                  <a:schemeClr val="tx1"/>
+                </a:solidFill>
+              </a:rPr>
+              <a:t>Models</a:t>
+            </a:r>
+          </a:p>
+          <a:p>
+            <a:pPr marL="285750" indent="-285750">
+              <a:lnSpc>
+                <a:spcPct val="200000"/>
+              </a:lnSpc>
+              <a:buFont typeface="Arial" panose="020B0604020202020204" pitchFamily="34" charset="0"/>
+              <a:buChar char="•"/>
+            </a:pPr>
+            <a:r>
+              <a:rPr lang="de-DE" sz="2200" dirty="0"/>
+              <a:t>Speech</a:t>
+            </a:r>
+            <a:r>
+              <a:rPr lang="en-US" sz="2200" dirty="0"/>
+              <a:t> Synthesis on Mobile Devices</a:t>
+            </a:r>
+          </a:p>
+          <a:p>
+            <a:pPr marL="285750" indent="-285750">
+              <a:lnSpc>
+                <a:spcPct val="200000"/>
+              </a:lnSpc>
+              <a:buFont typeface="Arial" panose="020B0604020202020204" pitchFamily="34" charset="0"/>
+              <a:buChar char="•"/>
+            </a:pPr>
+            <a:r>
+              <a:rPr lang="en-US" sz="2200" dirty="0"/>
+              <a:t>Conclusions</a:t>
+            </a:r>
+          </a:p>
+          <a:p>
+            <a:endParaRPr lang="en-US" dirty="0"/>
+          </a:p>
+        </p:txBody>
+      </p:sp>
+      <p:sp>
+        <p:nvSpPr>
+          <p:cNvPr id="3" name="Foliennummernplatzhalter 2">
+            <a:extLst>
+              <a:ext uri="{FF2B5EF4-FFF2-40B4-BE49-F238E27FC236}">
+                <a16:creationId xmlns:a16="http://schemas.microsoft.com/office/drawing/2014/main" id="{1365DE39-A1A7-40D2-AE79-CC14FF2E3805}"/>
+              </a:ext>
+            </a:extLst>
+          </p:cNvPr>
+          <p:cNvSpPr>
+            <a:spLocks noGrp="1"/>
+          </p:cNvSpPr>
+          <p:nvPr>
+            <p:ph type="sldNum" sz="quarter" idx="11"/>
+          </p:nvPr>
+        </p:nvSpPr>
+        <p:spPr/>
+        <p:txBody>
+          <a:bodyPr/>
+          <a:lstStyle/>
+          <a:p>
+            <a:fld id="{CE58CB1E-F828-4F11-99E0-327109AF9DA4}" type="slidenum">
+              <a:rPr lang="de-DE" smtClean="0"/>
+              <a:pPr/>
+              <a:t>8</a:t>
+            </a:fld>
+            <a:endParaRPr lang="de-DE" dirty="0"/>
+          </a:p>
+        </p:txBody>
+      </p:sp>
+      <p:sp>
+        <p:nvSpPr>
+          <p:cNvPr id="4" name="Titel 3">
+            <a:extLst>
+              <a:ext uri="{FF2B5EF4-FFF2-40B4-BE49-F238E27FC236}">
+                <a16:creationId xmlns:a16="http://schemas.microsoft.com/office/drawing/2014/main" id="{6654AC61-DCA5-4E04-916B-BCA64AE1B3FB}"/>
+              </a:ext>
+            </a:extLst>
+          </p:cNvPr>
+          <p:cNvSpPr>
+            <a:spLocks noGrp="1"/>
+          </p:cNvSpPr>
+          <p:nvPr>
+            <p:ph type="title"/>
+          </p:nvPr>
+        </p:nvSpPr>
+        <p:spPr/>
+        <p:txBody>
+          <a:bodyPr/>
+          <a:lstStyle/>
+          <a:p>
+            <a:r>
+              <a:rPr lang="de-DE" dirty="0"/>
+              <a:t>Outline</a:t>
+            </a:r>
+            <a:endParaRPr lang="en-US" dirty="0"/>
+          </a:p>
+        </p:txBody>
+      </p:sp>
+    </p:spTree>
+    <p:extLst>
+      <p:ext uri="{BB962C8B-B14F-4D97-AF65-F5344CB8AC3E}">
+        <p14:creationId xmlns:p14="http://schemas.microsoft.com/office/powerpoint/2010/main" val="1444625833"/>
+      </p:ext>
+    </p:extLst>
+  </p:cSld>
+  <p:clrMapOvr>
+    <a:masterClrMapping/>
+  </p:clrMapOvr>
+  <p:timing>
+    <p:tnLst>
+      <p:par>
+        <p:cTn id="1" dur="indefinite" restart="never" nodeType="tmRoot">
+          <p:childTnLst>
+            <p:seq concurrent="1" nextAc="seek">
+              <p:cTn id="2" dur="indefinite" nodeType="mainSeq">
+                <p:childTnLst>
+                  <p:par>
+                    <p:cTn id="3" fill="hold">
+                      <p:stCondLst>
+                        <p:cond delay="indefinite"/>
+                      </p:stCondLst>
+                      <p:childTnLst>
+                        <p:par>
+                          <p:cTn id="4" fill="hold">
+                            <p:stCondLst>
+                              <p:cond delay="0"/>
+                            </p:stCondLst>
+                            <p:childTnLst>
+                              <p:par>
+                                <p:cTn id="5" presetID="19" presetClass="emph" presetSubtype="0" fill="hold" grpId="0" nodeType="clickEffect">
+                                  <p:stCondLst>
+                                    <p:cond delay="0"/>
+                                  </p:stCondLst>
+                                  <p:childTnLst>
+                                    <p:animClr clrSpc="rgb" dir="cw">
+                                      <p:cBhvr override="childStyle">
+                                        <p:cTn id="6" dur="500" fill="hold"/>
+                                        <p:tgtEl>
+                                          <p:spTgt spid="2">
+                                            <p:txEl>
+                                              <p:pRg st="1" end="1"/>
+                                            </p:txEl>
+                                          </p:spTgt>
+                                        </p:tgtEl>
+                                        <p:attrNameLst>
+                                          <p:attrName>style.color</p:attrName>
+                                        </p:attrNameLst>
+                                      </p:cBhvr>
+                                      <p:to>
+                                        <a:srgbClr val="D8D8D8"/>
+                                      </p:to>
+                                    </p:animClr>
+                                    <p:animClr clrSpc="rgb" dir="cw">
+                                      <p:cBhvr>
+                                        <p:cTn id="7" dur="500" fill="hold"/>
+                                        <p:tgtEl>
+                                          <p:spTgt spid="2">
+                                            <p:txEl>
+                                              <p:pRg st="1" end="1"/>
+                                            </p:txEl>
+                                          </p:spTgt>
+                                        </p:tgtEl>
+                                        <p:attrNameLst>
+                                          <p:attrName>fillcolor</p:attrName>
+                                        </p:attrNameLst>
+                                      </p:cBhvr>
+                                      <p:to>
+                                        <a:srgbClr val="D8D8D8"/>
+                                      </p:to>
+                                    </p:animClr>
+                                    <p:set>
+                                      <p:cBhvr>
+                                        <p:cTn id="8" dur="500" fill="hold"/>
+                                        <p:tgtEl>
+                                          <p:spTgt spid="2">
+                                            <p:txEl>
+                                              <p:pRg st="1" end="1"/>
+                                            </p:txEl>
+                                          </p:spTgt>
+                                        </p:tgtEl>
+                                        <p:attrNameLst>
+                                          <p:attrName>fill.type</p:attrName>
+                                        </p:attrNameLst>
+                                      </p:cBhvr>
+                                      <p:to>
+                                        <p:strVal val="solid"/>
+                                      </p:to>
+                                    </p:set>
+                                    <p:set>
+                                      <p:cBhvr>
+                                        <p:cTn id="9" dur="500" fill="hold"/>
+                                        <p:tgtEl>
+                                          <p:spTgt spid="2">
+                                            <p:txEl>
+                                              <p:pRg st="1" end="1"/>
+                                            </p:txEl>
+                                          </p:spTgt>
+                                        </p:tgtEl>
+                                        <p:attrNameLst>
+                                          <p:attrName>fill.on</p:attrName>
+                                        </p:attrNameLst>
+                                      </p:cBhvr>
+                                      <p:to>
+                                        <p:strVal val="true"/>
+                                      </p:to>
+                                    </p:set>
+                                  </p:childTnLst>
+                                </p:cTn>
+                              </p:par>
+                              <p:par>
+                                <p:cTn id="10" presetID="19" presetClass="emph" presetSubtype="0" fill="hold" grpId="1" nodeType="withEffect">
+                                  <p:stCondLst>
+                                    <p:cond delay="0"/>
+                                  </p:stCondLst>
+                                  <p:childTnLst>
+                                    <p:animClr clrSpc="rgb" dir="cw">
+                                      <p:cBhvr override="childStyle">
+                                        <p:cTn id="11" dur="500" fill="hold"/>
+                                        <p:tgtEl>
+                                          <p:spTgt spid="2">
+                                            <p:txEl>
+                                              <p:pRg st="0" end="0"/>
+                                            </p:txEl>
+                                          </p:spTgt>
+                                        </p:tgtEl>
+                                        <p:attrNameLst>
+                                          <p:attrName>style.color</p:attrName>
+                                        </p:attrNameLst>
+                                      </p:cBhvr>
+                                      <p:to>
+                                        <a:srgbClr val="D8D8D8"/>
+                                      </p:to>
+                                    </p:animClr>
+                                    <p:animClr clrSpc="rgb" dir="cw">
+                                      <p:cBhvr>
+                                        <p:cTn id="12" dur="500" fill="hold"/>
+                                        <p:tgtEl>
+                                          <p:spTgt spid="2">
+                                            <p:txEl>
+                                              <p:pRg st="0" end="0"/>
+                                            </p:txEl>
+                                          </p:spTgt>
+                                        </p:tgtEl>
+                                        <p:attrNameLst>
+                                          <p:attrName>fillcolor</p:attrName>
+                                        </p:attrNameLst>
+                                      </p:cBhvr>
+                                      <p:to>
+                                        <a:srgbClr val="D8D8D8"/>
+                                      </p:to>
+                                    </p:animClr>
+                                    <p:set>
+                                      <p:cBhvr>
+                                        <p:cTn id="13" dur="500" fill="hold"/>
+                                        <p:tgtEl>
+                                          <p:spTgt spid="2">
+                                            <p:txEl>
+                                              <p:pRg st="0" end="0"/>
+                                            </p:txEl>
+                                          </p:spTgt>
+                                        </p:tgtEl>
+                                        <p:attrNameLst>
+                                          <p:attrName>fill.type</p:attrName>
+                                        </p:attrNameLst>
+                                      </p:cBhvr>
+                                      <p:to>
+                                        <p:strVal val="solid"/>
+                                      </p:to>
+                                    </p:set>
+                                    <p:set>
+                                      <p:cBhvr>
+                                        <p:cTn id="14" dur="500" fill="hold"/>
+                                        <p:tgtEl>
+                                          <p:spTgt spid="2">
+                                            <p:txEl>
+                                              <p:pRg st="0" end="0"/>
+                                            </p:txEl>
+                                          </p:spTgt>
+                                        </p:tgtEl>
+                                        <p:attrNameLst>
+                                          <p:attrName>fill.on</p:attrName>
+                                        </p:attrNameLst>
+                                      </p:cBhvr>
+                                      <p:to>
+                                        <p:strVal val="true"/>
+                                      </p:to>
+                                    </p:set>
+                                  </p:childTnLst>
+                                </p:cTn>
+                              </p:par>
+                              <p:par>
+                                <p:cTn id="15" presetID="19" presetClass="emph" presetSubtype="0" fill="hold" grpId="2" nodeType="withEffect">
+                                  <p:stCondLst>
+                                    <p:cond delay="0"/>
+                                  </p:stCondLst>
+                                  <p:childTnLst>
+                                    <p:animClr clrSpc="rgb" dir="cw">
+                                      <p:cBhvr override="childStyle">
+                                        <p:cTn id="16" dur="500" fill="hold"/>
+                                        <p:tgtEl>
+                                          <p:spTgt spid="2">
+                                            <p:txEl>
+                                              <p:pRg st="3" end="3"/>
+                                            </p:txEl>
+                                          </p:spTgt>
+                                        </p:tgtEl>
+                                        <p:attrNameLst>
+                                          <p:attrName>style.color</p:attrName>
+                                        </p:attrNameLst>
+                                      </p:cBhvr>
+                                      <p:to>
+                                        <a:srgbClr val="D8D8D8"/>
+                                      </p:to>
+                                    </p:animClr>
+                                    <p:animClr clrSpc="rgb" dir="cw">
+                                      <p:cBhvr>
+                                        <p:cTn id="17" dur="500" fill="hold"/>
+                                        <p:tgtEl>
+                                          <p:spTgt spid="2">
+                                            <p:txEl>
+                                              <p:pRg st="3" end="3"/>
+                                            </p:txEl>
+                                          </p:spTgt>
+                                        </p:tgtEl>
+                                        <p:attrNameLst>
+                                          <p:attrName>fillcolor</p:attrName>
+                                        </p:attrNameLst>
+                                      </p:cBhvr>
+                                      <p:to>
+                                        <a:srgbClr val="D8D8D8"/>
+                                      </p:to>
+                                    </p:animClr>
+                                    <p:set>
+                                      <p:cBhvr>
+                                        <p:cTn id="18" dur="500" fill="hold"/>
+                                        <p:tgtEl>
+                                          <p:spTgt spid="2">
+                                            <p:txEl>
+                                              <p:pRg st="3" end="3"/>
+                                            </p:txEl>
+                                          </p:spTgt>
+                                        </p:tgtEl>
+                                        <p:attrNameLst>
+                                          <p:attrName>fill.type</p:attrName>
+                                        </p:attrNameLst>
+                                      </p:cBhvr>
+                                      <p:to>
+                                        <p:strVal val="solid"/>
+                                      </p:to>
+                                    </p:set>
+                                    <p:set>
+                                      <p:cBhvr>
+                                        <p:cTn id="19" dur="500" fill="hold"/>
+                                        <p:tgtEl>
+                                          <p:spTgt spid="2">
+                                            <p:txEl>
+                                              <p:pRg st="3" end="3"/>
+                                            </p:txEl>
+                                          </p:spTgt>
+                                        </p:tgtEl>
+                                        <p:attrNameLst>
+                                          <p:attrName>fill.on</p:attrName>
+                                        </p:attrNameLst>
+                                      </p:cBhvr>
+                                      <p:to>
+                                        <p:strVal val="true"/>
+                                      </p:to>
+                                    </p:set>
+                                  </p:childTnLst>
+                                </p:cTn>
+                              </p:par>
+                            </p:childTnLst>
+                          </p:cTn>
+                        </p:par>
+                      </p:childTnLst>
+                    </p:cTn>
+                  </p:par>
+                </p:childTnLst>
+              </p:cTn>
+              <p:prevCondLst>
+                <p:cond evt="onPrev" delay="0">
+                  <p:tgtEl>
+                    <p:sldTgt/>
+                  </p:tgtEl>
+                </p:cond>
+              </p:prevCondLst>
+              <p:nextCondLst>
+                <p:cond evt="onNext" delay="0">
+                  <p:tgtEl>
+                    <p:sldTgt/>
+                  </p:tgtEl>
+                </p:cond>
+              </p:nextCondLst>
+            </p:seq>
+          </p:childTnLst>
+        </p:cTn>
+      </p:par>
+    </p:tnLst>
+    <p:bldLst>
+      <p:bldP spid="2" grpId="0" uiExpand="1" build="p"/>
+      <p:bldP spid="2" grpId="1" uiExpand="1" build="p"/>
+      <p:bldP spid="2" grpId="2" uiExpand="1" build="p"/>
+    </p:bldLst>
+  </p:timing>
+</p:sld>
+</file>
+
+<file path=ppt/slides/slide9.xml><?xml version="1.0" encoding="utf-8"?>
 <p:sld xmlns:a="http://schemas.openxmlformats.org/drawingml/2006/main" xmlns:r="http://schemas.openxmlformats.org/officeDocument/2006/relationships" xmlns:p="http://schemas.openxmlformats.org/presentationml/2006/main">
   <p:cSld>
     <p:spTree>
@@ -12468,7 +16587,42 @@
           <a:bodyPr/>
           <a:lstStyle/>
           <a:p>
-            <a:endParaRPr lang="en-US"/>
+            <a:pPr marL="285750" indent="-285750">
+              <a:buFont typeface="Arial" panose="020B0604020202020204" pitchFamily="34" charset="0"/>
+              <a:buChar char="•"/>
+            </a:pPr>
+            <a:r>
+              <a:rPr lang="en-US" dirty="0"/>
+              <a:t>Motivation and Challenges</a:t>
+            </a:r>
+          </a:p>
+          <a:p>
+            <a:pPr marL="285750" indent="-285750">
+              <a:buFont typeface="Arial" panose="020B0604020202020204" pitchFamily="34" charset="0"/>
+              <a:buChar char="•"/>
+            </a:pPr>
+            <a:r>
+              <a:rPr lang="en-US" dirty="0"/>
+              <a:t>Approach</a:t>
+            </a:r>
+            <a:r>
+              <a:rPr lang="de-DE" dirty="0"/>
+              <a:t> </a:t>
+            </a:r>
+            <a:r>
+              <a:rPr lang="en-US" dirty="0"/>
+              <a:t>without DL</a:t>
+            </a:r>
+          </a:p>
+          <a:p>
+            <a:pPr marL="285750" indent="-285750">
+              <a:buFont typeface="Arial" panose="020B0604020202020204" pitchFamily="34" charset="0"/>
+              <a:buChar char="•"/>
+            </a:pPr>
+            <a:r>
+              <a:rPr lang="en-US" dirty="0"/>
+              <a:t>Approach with DL</a:t>
+            </a:r>
           </a:p>
         </p:txBody>
       </p:sp>
@@ -12496,7 +16650,7 @@
             <a:fld id="{CE58CB1E-F828-4F11-99E0-327109AF9DA4}" type="slidenum">
               <a:rPr lang="de-DE" smtClean="0"/>
               <a:pPr/>
-              <a:t>6</a:t>
+              <a:t>9</a:t>
             </a:fld>
             <a:endParaRPr lang="de-DE" dirty="0"/>
           </a:p>
@@ -12545,1539 +16699,6 @@
         <p14:creationId xmlns:p14="http://schemas.microsoft.com/office/powerpoint/2010/main" val="927065859"/>
       </p:ext>
     </p:extLst>
-  </p:cSld>
-  <p:clrMapOvr>
-    <a:masterClrMapping/>
-  </p:clrMapOvr>
-</p:sld>
-</file>
-
-<file path=ppt/slides/slide7.xml><?xml version="1.0" encoding="utf-8"?>
-<p:sld xmlns:a="http://schemas.openxmlformats.org/drawingml/2006/main" xmlns:r="http://schemas.openxmlformats.org/officeDocument/2006/relationships" xmlns:p="http://schemas.openxmlformats.org/presentationml/2006/main" show="0">
-  <p:cSld>
-    <p:spTree>
-      <p:nvGrpSpPr>
-        <p:cNvPr id="1" name=""/>
-        <p:cNvGrpSpPr/>
-        <p:nvPr/>
-      </p:nvGrpSpPr>
-      <p:grpSpPr>
-        <a:xfrm>
-          <a:off x="0" y="0"/>
-          <a:ext cx="0" cy="0"/>
-          <a:chOff x="0" y="0"/>
-          <a:chExt cx="0" cy="0"/>
-        </a:xfrm>
-      </p:grpSpPr>
-      <p:sp>
-        <p:nvSpPr>
-          <p:cNvPr id="2" name="Inhaltsplatzhalter 1"/>
-          <p:cNvSpPr>
-            <a:spLocks noGrp="1"/>
-          </p:cNvSpPr>
-          <p:nvPr>
-            <p:ph idx="1"/>
-          </p:nvPr>
-        </p:nvSpPr>
-        <p:spPr/>
-        <p:txBody>
-          <a:bodyPr/>
-          <a:lstStyle/>
-          <a:p>
-            <a:r>
-              <a:rPr dirty="0"/>
-              <a:t>Das Grundprinzip ist, Informationen bestmöglich zu transportieren. Dazu muss vor allem die Schrift einheitlich und für alle im Raum lesbar sein. </a:t>
-            </a:r>
-          </a:p>
-          <a:p>
-            <a:endParaRPr dirty="0"/>
-          </a:p>
-          <a:p>
-            <a:r>
-              <a:rPr dirty="0" err="1"/>
-              <a:t>Schriftart</a:t>
-            </a:r>
-            <a:r>
-              <a:rPr dirty="0"/>
-              <a:t>: Arial</a:t>
-            </a:r>
-          </a:p>
-          <a:p>
-            <a:endParaRPr dirty="0"/>
-          </a:p>
-          <a:p>
-            <a:r>
-              <a:rPr dirty="0" err="1"/>
-              <a:t>Schriftgr</a:t>
-            </a:r>
-            <a:r>
-              <a:rPr lang="de-DE" dirty="0" err="1"/>
-              <a:t>ößen</a:t>
-            </a:r>
-            <a:r>
-              <a:rPr dirty="0"/>
-              <a:t>:</a:t>
-            </a:r>
-            <a:r>
-              <a:rPr lang="de-DE" dirty="0"/>
-              <a:t>30 | 22 | 16 | 12</a:t>
-            </a:r>
-            <a:endParaRPr dirty="0"/>
-          </a:p>
-          <a:p>
-            <a:endParaRPr dirty="0"/>
-          </a:p>
-          <a:p>
-            <a:r>
-              <a:rPr dirty="0" err="1"/>
-              <a:t>Zeilenabstand</a:t>
-            </a:r>
-            <a:r>
-              <a:rPr dirty="0"/>
-              <a:t>: 1,15mm</a:t>
-            </a:r>
-          </a:p>
-          <a:p>
-            <a:endParaRPr dirty="0"/>
-          </a:p>
-          <a:p>
-            <a:r>
-              <a:rPr dirty="0"/>
-              <a:t>Die Einstellungen sind in den Textfeldern und Textfeldvorlagen dieses ppt-Masters als Standard eingestellt. Bei Diagrammen und Tabellen muss die Schriftgröße ggf. angepasst werden.</a:t>
-            </a:r>
-            <a:r>
-              <a:rPr lang="de-DE" dirty="0"/>
-              <a:t> Für Auszeichnungen im Fließtext kann auch </a:t>
-            </a:r>
-            <a:r>
-              <a:rPr lang="de-DE" b="1" dirty="0"/>
-              <a:t>fett </a:t>
-            </a:r>
-            <a:r>
-              <a:rPr lang="de-DE" dirty="0"/>
-              <a:t>markiert werden.</a:t>
-            </a:r>
-            <a:endParaRPr dirty="0"/>
-          </a:p>
-          <a:p>
-            <a:r>
-              <a:rPr dirty="0"/>
-              <a:t>Bei großer Distanz bzw. </a:t>
-            </a:r>
-            <a:r>
-              <a:rPr dirty="0" err="1"/>
-              <a:t>kleinem</a:t>
-            </a:r>
-            <a:r>
-              <a:rPr dirty="0"/>
-              <a:t> </a:t>
-            </a:r>
-            <a:r>
-              <a:rPr dirty="0" err="1"/>
-              <a:t>Präsentationsmedium</a:t>
-            </a:r>
-            <a:r>
-              <a:rPr dirty="0"/>
-              <a:t> kann der Schriftgrad notfalls proportional erhöht werden.</a:t>
-            </a:r>
-          </a:p>
-        </p:txBody>
-      </p:sp>
-      <p:sp>
-        <p:nvSpPr>
-          <p:cNvPr id="4" name="Foliennummernplatzhalter 3"/>
-          <p:cNvSpPr>
-            <a:spLocks noGrp="1"/>
-          </p:cNvSpPr>
-          <p:nvPr>
-            <p:ph type="sldNum" sz="quarter" idx="11"/>
-          </p:nvPr>
-        </p:nvSpPr>
-        <p:spPr>
-          <a:prstGeom prst="rect">
-            <a:avLst/>
-          </a:prstGeom>
-        </p:spPr>
-        <p:txBody>
-          <a:bodyPr/>
-          <a:lstStyle/>
-          <a:p>
-            <a:fld id="{CE58CB1E-F828-4F11-99E0-327109AF9DA4}" type="slidenum">
-              <a:rPr lang="de-DE" smtClean="0"/>
-              <a:pPr/>
-              <a:t>7</a:t>
-            </a:fld>
-            <a:endParaRPr lang="de-DE" dirty="0"/>
-          </a:p>
-        </p:txBody>
-      </p:sp>
-      <p:sp>
-        <p:nvSpPr>
-          <p:cNvPr id="3" name="Titel 2"/>
-          <p:cNvSpPr>
-            <a:spLocks noGrp="1"/>
-          </p:cNvSpPr>
-          <p:nvPr>
-            <p:ph type="title"/>
-          </p:nvPr>
-        </p:nvSpPr>
-        <p:spPr>
-          <a:prstGeom prst="rect">
-            <a:avLst/>
-          </a:prstGeom>
-        </p:spPr>
-        <p:txBody>
-          <a:bodyPr/>
-          <a:lstStyle/>
-          <a:p>
-            <a:r>
-              <a:rPr sz="3000" dirty="0"/>
-              <a:t>Schrift</a:t>
-            </a:r>
-            <a:endParaRPr lang="de-DE" sz="3000" dirty="0"/>
-          </a:p>
-        </p:txBody>
-      </p:sp>
-      <p:sp>
-        <p:nvSpPr>
-          <p:cNvPr id="7" name="Fußzeilenplatzhalter 3">
-            <a:extLst>
-              <a:ext uri="{FF2B5EF4-FFF2-40B4-BE49-F238E27FC236}">
-                <a16:creationId xmlns:a16="http://schemas.microsoft.com/office/drawing/2014/main" id="{3EF033C2-BFE5-463A-8665-11E06BDCE587}"/>
-              </a:ext>
-            </a:extLst>
-          </p:cNvPr>
-          <p:cNvSpPr>
-            <a:spLocks noGrp="1"/>
-          </p:cNvSpPr>
-          <p:nvPr>
-            <p:ph type="ftr" sz="quarter" idx="12"/>
-          </p:nvPr>
-        </p:nvSpPr>
-        <p:spPr>
-          <a:xfrm>
-            <a:off x="311163" y="6473313"/>
-            <a:ext cx="1430552" cy="365125"/>
-          </a:xfrm>
-        </p:spPr>
-        <p:txBody>
-          <a:bodyPr/>
-          <a:lstStyle/>
-          <a:p>
-            <a:r>
-              <a:rPr lang="de-DE" dirty="0"/>
-              <a:t>Hannes Bohnengel</a:t>
-            </a:r>
-            <a:endParaRPr lang="en-US" dirty="0"/>
-          </a:p>
-        </p:txBody>
-      </p:sp>
-    </p:spTree>
-  </p:cSld>
-  <p:clrMapOvr>
-    <a:masterClrMapping/>
-  </p:clrMapOvr>
-</p:sld>
-</file>
-
-<file path=ppt/slides/slide8.xml><?xml version="1.0" encoding="utf-8"?>
-<p:sld xmlns:a="http://schemas.openxmlformats.org/drawingml/2006/main" xmlns:r="http://schemas.openxmlformats.org/officeDocument/2006/relationships" xmlns:p="http://schemas.openxmlformats.org/presentationml/2006/main" show="0">
-  <p:cSld>
-    <p:spTree>
-      <p:nvGrpSpPr>
-        <p:cNvPr id="1" name=""/>
-        <p:cNvGrpSpPr/>
-        <p:nvPr/>
-      </p:nvGrpSpPr>
-      <p:grpSpPr>
-        <a:xfrm>
-          <a:off x="0" y="0"/>
-          <a:ext cx="0" cy="0"/>
-          <a:chOff x="0" y="0"/>
-          <a:chExt cx="0" cy="0"/>
-        </a:xfrm>
-      </p:grpSpPr>
-      <p:sp>
-        <p:nvSpPr>
-          <p:cNvPr id="2" name="Inhaltsplatzhalter 1"/>
-          <p:cNvSpPr>
-            <a:spLocks noGrp="1"/>
-          </p:cNvSpPr>
-          <p:nvPr>
-            <p:ph idx="1"/>
-          </p:nvPr>
-        </p:nvSpPr>
-        <p:spPr/>
-        <p:txBody>
-          <a:bodyPr/>
-          <a:lstStyle/>
-          <a:p>
-            <a:r>
-              <a:rPr dirty="0"/>
-              <a:t>Als erstes soll mit schwarz und weiß gearbeitet werden.</a:t>
-            </a:r>
-            <a:br>
-              <a:rPr dirty="0"/>
-            </a:br>
-            <a:r>
-              <a:rPr dirty="0"/>
-              <a:t>Für Aufwändigere Darstellungen sind Farben mit Bedacht und in möglichst geringem Umfang einzusetzen.</a:t>
-            </a:r>
-            <a:br>
-              <a:rPr dirty="0"/>
-            </a:br>
-            <a:endParaRPr dirty="0"/>
-          </a:p>
-          <a:p>
-            <a:r>
-              <a:rPr dirty="0"/>
-              <a:t>In diesem Folienmaster ist die Farbpalette festgelegt.</a:t>
-            </a:r>
-          </a:p>
-          <a:p>
-            <a:endParaRPr dirty="0"/>
-          </a:p>
-          <a:p>
-            <a:r>
-              <a:rPr dirty="0"/>
-              <a:t>Zuerst mit </a:t>
-            </a:r>
-            <a:r>
-              <a:rPr lang="de-DE" dirty="0"/>
-              <a:t>den Primärfarben </a:t>
-            </a:r>
-            <a:r>
-              <a:rPr dirty="0"/>
-              <a:t>arbeiten</a:t>
-            </a:r>
-            <a:r>
-              <a:rPr lang="de-DE" dirty="0"/>
-              <a:t>.</a:t>
-            </a:r>
-          </a:p>
-          <a:p>
-            <a:endParaRPr lang="de-DE" dirty="0"/>
-          </a:p>
-          <a:p>
-            <a:endParaRPr lang="de-DE" dirty="0"/>
-          </a:p>
-          <a:p>
-            <a:r>
-              <a:rPr dirty="0"/>
-              <a:t>Für z.B. komplexe Diagramme stehen noch</a:t>
-            </a:r>
-            <a:r>
-              <a:rPr lang="de-DE" dirty="0"/>
-              <a:t>Sekundärfarben </a:t>
-            </a:r>
-            <a:r>
-              <a:rPr dirty="0"/>
-              <a:t>zur Verfügung.</a:t>
-            </a:r>
-          </a:p>
-          <a:p>
-            <a:endParaRPr dirty="0"/>
-          </a:p>
-          <a:p>
-            <a:endParaRPr dirty="0"/>
-          </a:p>
-          <a:p>
-            <a:r>
-              <a:rPr lang="de-DE" dirty="0"/>
-              <a:t>Gering im Einsatz sind die Akzentfarben.</a:t>
-            </a:r>
-            <a:endParaRPr dirty="0"/>
-          </a:p>
-          <a:p>
-            <a:endParaRPr dirty="0"/>
-          </a:p>
-        </p:txBody>
-      </p:sp>
-      <p:sp>
-        <p:nvSpPr>
-          <p:cNvPr id="4" name="Foliennummernplatzhalter 3"/>
-          <p:cNvSpPr>
-            <a:spLocks noGrp="1"/>
-          </p:cNvSpPr>
-          <p:nvPr>
-            <p:ph type="sldNum" sz="quarter" idx="11"/>
-          </p:nvPr>
-        </p:nvSpPr>
-        <p:spPr>
-          <a:prstGeom prst="rect">
-            <a:avLst/>
-          </a:prstGeom>
-        </p:spPr>
-        <p:txBody>
-          <a:bodyPr/>
-          <a:lstStyle/>
-          <a:p>
-            <a:fld id="{CE58CB1E-F828-4F11-99E0-327109AF9DA4}" type="slidenum">
-              <a:rPr lang="de-DE" smtClean="0"/>
-              <a:pPr/>
-              <a:t>8</a:t>
-            </a:fld>
-            <a:endParaRPr lang="de-DE" dirty="0"/>
-          </a:p>
-        </p:txBody>
-      </p:sp>
-      <p:sp>
-        <p:nvSpPr>
-          <p:cNvPr id="3" name="Titel 2"/>
-          <p:cNvSpPr>
-            <a:spLocks noGrp="1"/>
-          </p:cNvSpPr>
-          <p:nvPr>
-            <p:ph type="title"/>
-          </p:nvPr>
-        </p:nvSpPr>
-        <p:spPr>
-          <a:prstGeom prst="rect">
-            <a:avLst/>
-          </a:prstGeom>
-        </p:spPr>
-        <p:txBody>
-          <a:bodyPr/>
-          <a:lstStyle/>
-          <a:p>
-            <a:r>
-              <a:rPr sz="3000" dirty="0"/>
-              <a:t>Farben</a:t>
-            </a:r>
-            <a:endParaRPr lang="de-DE" sz="3000" dirty="0"/>
-          </a:p>
-        </p:txBody>
-      </p:sp>
-      <p:sp>
-        <p:nvSpPr>
-          <p:cNvPr id="14" name="Rechteck 13"/>
-          <p:cNvSpPr/>
-          <p:nvPr/>
-        </p:nvSpPr>
-        <p:spPr>
-          <a:xfrm>
-            <a:off x="321735" y="3843868"/>
-            <a:ext cx="855132" cy="245531"/>
-          </a:xfrm>
-          <a:prstGeom prst="rect">
-            <a:avLst/>
-          </a:prstGeom>
-          <a:solidFill>
-            <a:schemeClr val="bg2"/>
-          </a:solidFill>
-          <a:ln>
-            <a:noFill/>
-          </a:ln>
-        </p:spPr>
-        <p:style>
-          <a:lnRef idx="2">
-            <a:schemeClr val="accent1">
-              <a:shade val="50000"/>
-            </a:schemeClr>
-          </a:lnRef>
-          <a:fillRef idx="1">
-            <a:schemeClr val="accent1"/>
-          </a:fillRef>
-          <a:effectRef idx="0">
-            <a:schemeClr val="accent1"/>
-          </a:effectRef>
-          <a:fontRef idx="minor">
-            <a:schemeClr val="lt1"/>
-          </a:fontRef>
-        </p:style>
-        <p:txBody>
-          <a:bodyPr rot="0" spcFirstLastPara="0" vertOverflow="overflow" horzOverflow="overflow" vert="horz" wrap="square" lIns="91440" tIns="45720" rIns="91440" bIns="45720" numCol="1" spcCol="0" rtlCol="0" fromWordArt="0" anchor="t" anchorCtr="0" forceAA="0" compatLnSpc="1">
-            <a:prstTxWarp prst="textNoShape">
-              <a:avLst/>
-            </a:prstTxWarp>
-            <a:noAutofit/>
-          </a:bodyPr>
-          <a:lstStyle/>
-          <a:p>
-            <a:pPr algn="ctr">
-              <a:lnSpc>
-                <a:spcPct val="114000"/>
-              </a:lnSpc>
-            </a:pPr>
-            <a:endParaRPr lang="de-DE" dirty="0">
-              <a:solidFill>
-                <a:schemeClr val="accent1"/>
-              </a:solidFill>
-            </a:endParaRPr>
-          </a:p>
-        </p:txBody>
-      </p:sp>
-      <p:sp>
-        <p:nvSpPr>
-          <p:cNvPr id="24" name="Rechteck 23"/>
-          <p:cNvSpPr/>
-          <p:nvPr/>
-        </p:nvSpPr>
-        <p:spPr>
-          <a:xfrm>
-            <a:off x="1295402" y="3843868"/>
-            <a:ext cx="855132" cy="245531"/>
-          </a:xfrm>
-          <a:prstGeom prst="rect">
-            <a:avLst/>
-          </a:prstGeom>
-          <a:solidFill>
-            <a:schemeClr val="tx1"/>
-          </a:solidFill>
-          <a:ln>
-            <a:noFill/>
-          </a:ln>
-        </p:spPr>
-        <p:style>
-          <a:lnRef idx="2">
-            <a:schemeClr val="accent1">
-              <a:shade val="50000"/>
-            </a:schemeClr>
-          </a:lnRef>
-          <a:fillRef idx="1">
-            <a:schemeClr val="accent1"/>
-          </a:fillRef>
-          <a:effectRef idx="0">
-            <a:schemeClr val="accent1"/>
-          </a:effectRef>
-          <a:fontRef idx="minor">
-            <a:schemeClr val="lt1"/>
-          </a:fontRef>
-        </p:style>
-        <p:txBody>
-          <a:bodyPr rot="0" spcFirstLastPara="0" vertOverflow="overflow" horzOverflow="overflow" vert="horz" wrap="square" lIns="91440" tIns="45720" rIns="91440" bIns="45720" numCol="1" spcCol="0" rtlCol="0" fromWordArt="0" anchor="t" anchorCtr="0" forceAA="0" compatLnSpc="1">
-            <a:prstTxWarp prst="textNoShape">
-              <a:avLst/>
-            </a:prstTxWarp>
-            <a:noAutofit/>
-          </a:bodyPr>
-          <a:lstStyle/>
-          <a:p>
-            <a:pPr algn="ctr">
-              <a:lnSpc>
-                <a:spcPct val="114000"/>
-              </a:lnSpc>
-            </a:pPr>
-            <a:endParaRPr lang="de-DE" dirty="0">
-              <a:solidFill>
-                <a:schemeClr val="tx1"/>
-              </a:solidFill>
-            </a:endParaRPr>
-          </a:p>
-        </p:txBody>
-      </p:sp>
-      <p:sp>
-        <p:nvSpPr>
-          <p:cNvPr id="25" name="Rechteck 24"/>
-          <p:cNvSpPr/>
-          <p:nvPr/>
-        </p:nvSpPr>
-        <p:spPr>
-          <a:xfrm>
-            <a:off x="2260602" y="3843868"/>
-            <a:ext cx="855132" cy="245531"/>
-          </a:xfrm>
-          <a:prstGeom prst="rect">
-            <a:avLst/>
-          </a:prstGeom>
-          <a:solidFill>
-            <a:schemeClr val="bg1"/>
-          </a:solidFill>
-          <a:ln w="6350" cap="flat" cmpd="sng" algn="ctr">
-            <a:solidFill>
-              <a:schemeClr val="tx1"/>
-            </a:solidFill>
-            <a:prstDash val="solid"/>
-            <a:round/>
-            <a:headEnd type="none" w="med" len="med"/>
-            <a:tailEnd type="none" w="med" len="med"/>
-          </a:ln>
-        </p:spPr>
-        <p:style>
-          <a:lnRef idx="2">
-            <a:schemeClr val="accent1">
-              <a:shade val="50000"/>
-            </a:schemeClr>
-          </a:lnRef>
-          <a:fillRef idx="1">
-            <a:schemeClr val="accent1"/>
-          </a:fillRef>
-          <a:effectRef idx="0">
-            <a:schemeClr val="accent1"/>
-          </a:effectRef>
-          <a:fontRef idx="minor">
-            <a:schemeClr val="lt1"/>
-          </a:fontRef>
-        </p:style>
-        <p:txBody>
-          <a:bodyPr rot="0" spcFirstLastPara="0" vertOverflow="overflow" horzOverflow="overflow" vert="horz" wrap="square" lIns="91440" tIns="45720" rIns="91440" bIns="45720" numCol="1" spcCol="0" rtlCol="0" fromWordArt="0" anchor="t" anchorCtr="0" forceAA="0" compatLnSpc="1">
-            <a:prstTxWarp prst="textNoShape">
-              <a:avLst/>
-            </a:prstTxWarp>
-            <a:noAutofit/>
-          </a:bodyPr>
-          <a:lstStyle/>
-          <a:p>
-            <a:pPr algn="ctr">
-              <a:lnSpc>
-                <a:spcPct val="114000"/>
-              </a:lnSpc>
-            </a:pPr>
-            <a:endParaRPr lang="de-DE" dirty="0"/>
-          </a:p>
-        </p:txBody>
-      </p:sp>
-      <p:sp>
-        <p:nvSpPr>
-          <p:cNvPr id="26" name="Rechteck 25"/>
-          <p:cNvSpPr/>
-          <p:nvPr/>
-        </p:nvSpPr>
-        <p:spPr>
-          <a:xfrm>
-            <a:off x="321735" y="4665135"/>
-            <a:ext cx="855132" cy="245531"/>
-          </a:xfrm>
-          <a:prstGeom prst="rect">
-            <a:avLst/>
-          </a:prstGeom>
-          <a:solidFill>
-            <a:schemeClr val="accent1"/>
-          </a:solidFill>
-          <a:ln>
-            <a:noFill/>
-          </a:ln>
-        </p:spPr>
-        <p:style>
-          <a:lnRef idx="2">
-            <a:schemeClr val="accent1">
-              <a:shade val="50000"/>
-            </a:schemeClr>
-          </a:lnRef>
-          <a:fillRef idx="1">
-            <a:schemeClr val="accent1"/>
-          </a:fillRef>
-          <a:effectRef idx="0">
-            <a:schemeClr val="accent1"/>
-          </a:effectRef>
-          <a:fontRef idx="minor">
-            <a:schemeClr val="lt1"/>
-          </a:fontRef>
-        </p:style>
-        <p:txBody>
-          <a:bodyPr rot="0" spcFirstLastPara="0" vertOverflow="overflow" horzOverflow="overflow" vert="horz" wrap="square" lIns="91440" tIns="45720" rIns="91440" bIns="45720" numCol="1" spcCol="0" rtlCol="0" fromWordArt="0" anchor="t" anchorCtr="0" forceAA="0" compatLnSpc="1">
-            <a:prstTxWarp prst="textNoShape">
-              <a:avLst/>
-            </a:prstTxWarp>
-            <a:noAutofit/>
-          </a:bodyPr>
-          <a:lstStyle/>
-          <a:p>
-            <a:pPr algn="ctr">
-              <a:lnSpc>
-                <a:spcPct val="114000"/>
-              </a:lnSpc>
-            </a:pPr>
-            <a:endParaRPr lang="de-DE" dirty="0"/>
-          </a:p>
-        </p:txBody>
-      </p:sp>
-      <p:sp>
-        <p:nvSpPr>
-          <p:cNvPr id="27" name="Rechteck 26"/>
-          <p:cNvSpPr/>
-          <p:nvPr/>
-        </p:nvSpPr>
-        <p:spPr>
-          <a:xfrm>
-            <a:off x="1295402" y="4665135"/>
-            <a:ext cx="855132" cy="245531"/>
-          </a:xfrm>
-          <a:prstGeom prst="rect">
-            <a:avLst/>
-          </a:prstGeom>
-          <a:solidFill>
-            <a:schemeClr val="accent2"/>
-          </a:solidFill>
-          <a:ln>
-            <a:noFill/>
-          </a:ln>
-        </p:spPr>
-        <p:style>
-          <a:lnRef idx="2">
-            <a:schemeClr val="accent1">
-              <a:shade val="50000"/>
-            </a:schemeClr>
-          </a:lnRef>
-          <a:fillRef idx="1">
-            <a:schemeClr val="accent1"/>
-          </a:fillRef>
-          <a:effectRef idx="0">
-            <a:schemeClr val="accent1"/>
-          </a:effectRef>
-          <a:fontRef idx="minor">
-            <a:schemeClr val="lt1"/>
-          </a:fontRef>
-        </p:style>
-        <p:txBody>
-          <a:bodyPr rot="0" spcFirstLastPara="0" vertOverflow="overflow" horzOverflow="overflow" vert="horz" wrap="square" lIns="91440" tIns="45720" rIns="91440" bIns="45720" numCol="1" spcCol="0" rtlCol="0" fromWordArt="0" anchor="t" anchorCtr="0" forceAA="0" compatLnSpc="1">
-            <a:prstTxWarp prst="textNoShape">
-              <a:avLst/>
-            </a:prstTxWarp>
-            <a:noAutofit/>
-          </a:bodyPr>
-          <a:lstStyle/>
-          <a:p>
-            <a:pPr algn="ctr">
-              <a:lnSpc>
-                <a:spcPct val="114000"/>
-              </a:lnSpc>
-            </a:pPr>
-            <a:endParaRPr lang="de-DE" dirty="0"/>
-          </a:p>
-        </p:txBody>
-      </p:sp>
-      <p:sp>
-        <p:nvSpPr>
-          <p:cNvPr id="28" name="Rechteck 27"/>
-          <p:cNvSpPr/>
-          <p:nvPr/>
-        </p:nvSpPr>
-        <p:spPr>
-          <a:xfrm>
-            <a:off x="2260602" y="4665135"/>
-            <a:ext cx="855132" cy="245531"/>
-          </a:xfrm>
-          <a:prstGeom prst="rect">
-            <a:avLst/>
-          </a:prstGeom>
-          <a:solidFill>
-            <a:schemeClr val="accent3"/>
-          </a:solidFill>
-          <a:ln>
-            <a:noFill/>
-          </a:ln>
-        </p:spPr>
-        <p:style>
-          <a:lnRef idx="2">
-            <a:schemeClr val="accent1">
-              <a:shade val="50000"/>
-            </a:schemeClr>
-          </a:lnRef>
-          <a:fillRef idx="1">
-            <a:schemeClr val="accent1"/>
-          </a:fillRef>
-          <a:effectRef idx="0">
-            <a:schemeClr val="accent1"/>
-          </a:effectRef>
-          <a:fontRef idx="minor">
-            <a:schemeClr val="lt1"/>
-          </a:fontRef>
-        </p:style>
-        <p:txBody>
-          <a:bodyPr rot="0" spcFirstLastPara="0" vertOverflow="overflow" horzOverflow="overflow" vert="horz" wrap="square" lIns="91440" tIns="45720" rIns="91440" bIns="45720" numCol="1" spcCol="0" rtlCol="0" fromWordArt="0" anchor="t" anchorCtr="0" forceAA="0" compatLnSpc="1">
-            <a:prstTxWarp prst="textNoShape">
-              <a:avLst/>
-            </a:prstTxWarp>
-            <a:noAutofit/>
-          </a:bodyPr>
-          <a:lstStyle/>
-          <a:p>
-            <a:pPr algn="ctr">
-              <a:lnSpc>
-                <a:spcPct val="114000"/>
-              </a:lnSpc>
-            </a:pPr>
-            <a:endParaRPr lang="de-DE" dirty="0"/>
-          </a:p>
-        </p:txBody>
-      </p:sp>
-      <p:sp>
-        <p:nvSpPr>
-          <p:cNvPr id="29" name="Rechteck 28"/>
-          <p:cNvSpPr/>
-          <p:nvPr/>
-        </p:nvSpPr>
-        <p:spPr>
-          <a:xfrm>
-            <a:off x="3225802" y="4665135"/>
-            <a:ext cx="855132" cy="245531"/>
-          </a:xfrm>
-          <a:prstGeom prst="rect">
-            <a:avLst/>
-          </a:prstGeom>
-          <a:solidFill>
-            <a:srgbClr val="999999"/>
-          </a:solidFill>
-          <a:ln>
-            <a:noFill/>
-          </a:ln>
-        </p:spPr>
-        <p:style>
-          <a:lnRef idx="2">
-            <a:schemeClr val="accent1">
-              <a:shade val="50000"/>
-            </a:schemeClr>
-          </a:lnRef>
-          <a:fillRef idx="1">
-            <a:schemeClr val="accent1"/>
-          </a:fillRef>
-          <a:effectRef idx="0">
-            <a:schemeClr val="accent1"/>
-          </a:effectRef>
-          <a:fontRef idx="minor">
-            <a:schemeClr val="lt1"/>
-          </a:fontRef>
-        </p:style>
-        <p:txBody>
-          <a:bodyPr rot="0" spcFirstLastPara="0" vertOverflow="overflow" horzOverflow="overflow" vert="horz" wrap="square" lIns="91440" tIns="45720" rIns="91440" bIns="45720" numCol="1" spcCol="0" rtlCol="0" fromWordArt="0" anchor="t" anchorCtr="0" forceAA="0" compatLnSpc="1">
-            <a:prstTxWarp prst="textNoShape">
-              <a:avLst/>
-            </a:prstTxWarp>
-            <a:noAutofit/>
-          </a:bodyPr>
-          <a:lstStyle/>
-          <a:p>
-            <a:pPr algn="ctr">
-              <a:lnSpc>
-                <a:spcPct val="114000"/>
-              </a:lnSpc>
-            </a:pPr>
-            <a:endParaRPr lang="de-DE" dirty="0"/>
-          </a:p>
-        </p:txBody>
-      </p:sp>
-      <p:sp>
-        <p:nvSpPr>
-          <p:cNvPr id="36" name="Rechteck 35"/>
-          <p:cNvSpPr/>
-          <p:nvPr/>
-        </p:nvSpPr>
-        <p:spPr>
-          <a:xfrm>
-            <a:off x="321735" y="5529793"/>
-            <a:ext cx="855132" cy="245531"/>
-          </a:xfrm>
-          <a:prstGeom prst="rect">
-            <a:avLst/>
-          </a:prstGeom>
-          <a:solidFill>
-            <a:schemeClr val="accent5"/>
-          </a:solidFill>
-          <a:ln>
-            <a:noFill/>
-          </a:ln>
-        </p:spPr>
-        <p:style>
-          <a:lnRef idx="2">
-            <a:schemeClr val="accent1">
-              <a:shade val="50000"/>
-            </a:schemeClr>
-          </a:lnRef>
-          <a:fillRef idx="1">
-            <a:schemeClr val="accent1"/>
-          </a:fillRef>
-          <a:effectRef idx="0">
-            <a:schemeClr val="accent1"/>
-          </a:effectRef>
-          <a:fontRef idx="minor">
-            <a:schemeClr val="lt1"/>
-          </a:fontRef>
-        </p:style>
-        <p:txBody>
-          <a:bodyPr rot="0" spcFirstLastPara="0" vertOverflow="overflow" horzOverflow="overflow" vert="horz" wrap="square" lIns="91440" tIns="45720" rIns="91440" bIns="45720" numCol="1" spcCol="0" rtlCol="0" fromWordArt="0" anchor="t" anchorCtr="0" forceAA="0" compatLnSpc="1">
-            <a:prstTxWarp prst="textNoShape">
-              <a:avLst/>
-            </a:prstTxWarp>
-            <a:noAutofit/>
-          </a:bodyPr>
-          <a:lstStyle/>
-          <a:p>
-            <a:pPr algn="ctr">
-              <a:lnSpc>
-                <a:spcPct val="114000"/>
-              </a:lnSpc>
-            </a:pPr>
-            <a:endParaRPr lang="de-DE" dirty="0"/>
-          </a:p>
-        </p:txBody>
-      </p:sp>
-      <p:sp>
-        <p:nvSpPr>
-          <p:cNvPr id="37" name="Rechteck 36"/>
-          <p:cNvSpPr/>
-          <p:nvPr/>
-        </p:nvSpPr>
-        <p:spPr>
-          <a:xfrm>
-            <a:off x="1295402" y="5529793"/>
-            <a:ext cx="855132" cy="245531"/>
-          </a:xfrm>
-          <a:prstGeom prst="rect">
-            <a:avLst/>
-          </a:prstGeom>
-          <a:solidFill>
-            <a:schemeClr val="accent4"/>
-          </a:solidFill>
-          <a:ln>
-            <a:noFill/>
-          </a:ln>
-        </p:spPr>
-        <p:style>
-          <a:lnRef idx="2">
-            <a:schemeClr val="accent1">
-              <a:shade val="50000"/>
-            </a:schemeClr>
-          </a:lnRef>
-          <a:fillRef idx="1">
-            <a:schemeClr val="accent1"/>
-          </a:fillRef>
-          <a:effectRef idx="0">
-            <a:schemeClr val="accent1"/>
-          </a:effectRef>
-          <a:fontRef idx="minor">
-            <a:schemeClr val="lt1"/>
-          </a:fontRef>
-        </p:style>
-        <p:txBody>
-          <a:bodyPr rot="0" spcFirstLastPara="0" vertOverflow="overflow" horzOverflow="overflow" vert="horz" wrap="square" lIns="91440" tIns="45720" rIns="91440" bIns="45720" numCol="1" spcCol="0" rtlCol="0" fromWordArt="0" anchor="t" anchorCtr="0" forceAA="0" compatLnSpc="1">
-            <a:prstTxWarp prst="textNoShape">
-              <a:avLst/>
-            </a:prstTxWarp>
-            <a:noAutofit/>
-          </a:bodyPr>
-          <a:lstStyle/>
-          <a:p>
-            <a:pPr algn="ctr">
-              <a:lnSpc>
-                <a:spcPct val="114000"/>
-              </a:lnSpc>
-            </a:pPr>
-            <a:endParaRPr lang="de-DE" dirty="0"/>
-          </a:p>
-        </p:txBody>
-      </p:sp>
-      <p:sp>
-        <p:nvSpPr>
-          <p:cNvPr id="38" name="Rechteck 37"/>
-          <p:cNvSpPr/>
-          <p:nvPr/>
-        </p:nvSpPr>
-        <p:spPr>
-          <a:xfrm>
-            <a:off x="2260602" y="5529793"/>
-            <a:ext cx="855132" cy="245531"/>
-          </a:xfrm>
-          <a:prstGeom prst="rect">
-            <a:avLst/>
-          </a:prstGeom>
-          <a:solidFill>
-            <a:schemeClr val="accent6"/>
-          </a:solidFill>
-          <a:ln>
-            <a:noFill/>
-          </a:ln>
-        </p:spPr>
-        <p:style>
-          <a:lnRef idx="2">
-            <a:schemeClr val="accent1">
-              <a:shade val="50000"/>
-            </a:schemeClr>
-          </a:lnRef>
-          <a:fillRef idx="1">
-            <a:schemeClr val="accent1"/>
-          </a:fillRef>
-          <a:effectRef idx="0">
-            <a:schemeClr val="accent1"/>
-          </a:effectRef>
-          <a:fontRef idx="minor">
-            <a:schemeClr val="lt1"/>
-          </a:fontRef>
-        </p:style>
-        <p:txBody>
-          <a:bodyPr rot="0" spcFirstLastPara="0" vertOverflow="overflow" horzOverflow="overflow" vert="horz" wrap="square" lIns="91440" tIns="45720" rIns="91440" bIns="45720" numCol="1" spcCol="0" rtlCol="0" fromWordArt="0" anchor="t" anchorCtr="0" forceAA="0" compatLnSpc="1">
-            <a:prstTxWarp prst="textNoShape">
-              <a:avLst/>
-            </a:prstTxWarp>
-            <a:noAutofit/>
-          </a:bodyPr>
-          <a:lstStyle/>
-          <a:p>
-            <a:pPr algn="ctr">
-              <a:lnSpc>
-                <a:spcPct val="114000"/>
-              </a:lnSpc>
-            </a:pPr>
-            <a:endParaRPr lang="de-DE" dirty="0"/>
-          </a:p>
-        </p:txBody>
-      </p:sp>
-      <p:sp>
-        <p:nvSpPr>
-          <p:cNvPr id="16" name="Fußzeilenplatzhalter 3">
-            <a:extLst>
-              <a:ext uri="{FF2B5EF4-FFF2-40B4-BE49-F238E27FC236}">
-                <a16:creationId xmlns:a16="http://schemas.microsoft.com/office/drawing/2014/main" id="{EB3F7DAC-614D-4776-A8BF-0C8AB298A04F}"/>
-              </a:ext>
-            </a:extLst>
-          </p:cNvPr>
-          <p:cNvSpPr>
-            <a:spLocks noGrp="1"/>
-          </p:cNvSpPr>
-          <p:nvPr>
-            <p:ph type="ftr" sz="quarter" idx="12"/>
-          </p:nvPr>
-        </p:nvSpPr>
-        <p:spPr>
-          <a:xfrm>
-            <a:off x="311163" y="6473313"/>
-            <a:ext cx="1430552" cy="365125"/>
-          </a:xfrm>
-        </p:spPr>
-        <p:txBody>
-          <a:bodyPr/>
-          <a:lstStyle/>
-          <a:p>
-            <a:r>
-              <a:rPr lang="de-DE" dirty="0"/>
-              <a:t>Hannes Bohnengel</a:t>
-            </a:r>
-            <a:endParaRPr lang="en-US" dirty="0"/>
-          </a:p>
-        </p:txBody>
-      </p:sp>
-      <p:sp>
-        <p:nvSpPr>
-          <p:cNvPr id="17" name="Fußzeilenplatzhalter 3">
-            <a:extLst>
-              <a:ext uri="{FF2B5EF4-FFF2-40B4-BE49-F238E27FC236}">
-                <a16:creationId xmlns:a16="http://schemas.microsoft.com/office/drawing/2014/main" id="{96B9A911-4D91-41E4-8270-9C1667A8ED5C}"/>
-              </a:ext>
-            </a:extLst>
-          </p:cNvPr>
-          <p:cNvSpPr txBox="1">
-            <a:spLocks/>
-          </p:cNvSpPr>
-          <p:nvPr/>
-        </p:nvSpPr>
-        <p:spPr>
-          <a:xfrm>
-            <a:off x="3062514" y="6473312"/>
-            <a:ext cx="3022146" cy="365125"/>
-          </a:xfrm>
-          <a:prstGeom prst="rect">
-            <a:avLst/>
-          </a:prstGeom>
-        </p:spPr>
-        <p:txBody>
-          <a:bodyPr vert="horz" lIns="0" tIns="45720" rIns="0" bIns="45720" rtlCol="0" anchor="ctr"/>
-          <a:lstStyle>
-            <a:defPPr>
-              <a:defRPr lang="de-DE"/>
-            </a:defPPr>
-            <a:lvl1pPr algn="l" rtl="0" fontAlgn="base">
-              <a:spcBef>
-                <a:spcPct val="0"/>
-              </a:spcBef>
-              <a:spcAft>
-                <a:spcPct val="0"/>
-              </a:spcAft>
-              <a:defRPr sz="1200" kern="1200">
-                <a:solidFill>
-                  <a:schemeClr val="tx1"/>
-                </a:solidFill>
-                <a:latin typeface="Arial" charset="0"/>
-                <a:ea typeface="+mn-ea"/>
-                <a:cs typeface="Arial" charset="0"/>
-              </a:defRPr>
-            </a:lvl1pPr>
-            <a:lvl2pPr marL="457200" algn="l" rtl="0" fontAlgn="base">
-              <a:spcBef>
-                <a:spcPct val="0"/>
-              </a:spcBef>
-              <a:spcAft>
-                <a:spcPct val="0"/>
-              </a:spcAft>
-              <a:defRPr kern="1200">
-                <a:solidFill>
-                  <a:schemeClr val="tx1"/>
-                </a:solidFill>
-                <a:latin typeface="Arial" charset="0"/>
-                <a:ea typeface="+mn-ea"/>
-                <a:cs typeface="Arial" charset="0"/>
-              </a:defRPr>
-            </a:lvl2pPr>
-            <a:lvl3pPr marL="914400" algn="l" rtl="0" fontAlgn="base">
-              <a:spcBef>
-                <a:spcPct val="0"/>
-              </a:spcBef>
-              <a:spcAft>
-                <a:spcPct val="0"/>
-              </a:spcAft>
-              <a:defRPr kern="1200">
-                <a:solidFill>
-                  <a:schemeClr val="tx1"/>
-                </a:solidFill>
-                <a:latin typeface="Arial" charset="0"/>
-                <a:ea typeface="+mn-ea"/>
-                <a:cs typeface="Arial" charset="0"/>
-              </a:defRPr>
-            </a:lvl3pPr>
-            <a:lvl4pPr marL="1371600" algn="l" rtl="0" fontAlgn="base">
-              <a:spcBef>
-                <a:spcPct val="0"/>
-              </a:spcBef>
-              <a:spcAft>
-                <a:spcPct val="0"/>
-              </a:spcAft>
-              <a:defRPr kern="1200">
-                <a:solidFill>
-                  <a:schemeClr val="tx1"/>
-                </a:solidFill>
-                <a:latin typeface="Arial" charset="0"/>
-                <a:ea typeface="+mn-ea"/>
-                <a:cs typeface="Arial" charset="0"/>
-              </a:defRPr>
-            </a:lvl4pPr>
-            <a:lvl5pPr marL="1828800" algn="l" rtl="0" fontAlgn="base">
-              <a:spcBef>
-                <a:spcPct val="0"/>
-              </a:spcBef>
-              <a:spcAft>
-                <a:spcPct val="0"/>
-              </a:spcAft>
-              <a:defRPr kern="1200">
-                <a:solidFill>
-                  <a:schemeClr val="tx1"/>
-                </a:solidFill>
-                <a:latin typeface="Arial" charset="0"/>
-                <a:ea typeface="+mn-ea"/>
-                <a:cs typeface="Arial" charset="0"/>
-              </a:defRPr>
-            </a:lvl5pPr>
-            <a:lvl6pPr marL="2286000" algn="l" defTabSz="914400" rtl="0" eaLnBrk="1" latinLnBrk="0" hangingPunct="1">
-              <a:defRPr kern="1200">
-                <a:solidFill>
-                  <a:schemeClr val="tx1"/>
-                </a:solidFill>
-                <a:latin typeface="Arial" charset="0"/>
-                <a:ea typeface="+mn-ea"/>
-                <a:cs typeface="Arial" charset="0"/>
-              </a:defRPr>
-            </a:lvl6pPr>
-            <a:lvl7pPr marL="2743200" algn="l" defTabSz="914400" rtl="0" eaLnBrk="1" latinLnBrk="0" hangingPunct="1">
-              <a:defRPr kern="1200">
-                <a:solidFill>
-                  <a:schemeClr val="tx1"/>
-                </a:solidFill>
-                <a:latin typeface="Arial" charset="0"/>
-                <a:ea typeface="+mn-ea"/>
-                <a:cs typeface="Arial" charset="0"/>
-              </a:defRPr>
-            </a:lvl7pPr>
-            <a:lvl8pPr marL="3200400" algn="l" defTabSz="914400" rtl="0" eaLnBrk="1" latinLnBrk="0" hangingPunct="1">
-              <a:defRPr kern="1200">
-                <a:solidFill>
-                  <a:schemeClr val="tx1"/>
-                </a:solidFill>
-                <a:latin typeface="Arial" charset="0"/>
-                <a:ea typeface="+mn-ea"/>
-                <a:cs typeface="Arial" charset="0"/>
-              </a:defRPr>
-            </a:lvl8pPr>
-            <a:lvl9pPr marL="3657600" algn="l" defTabSz="914400" rtl="0" eaLnBrk="1" latinLnBrk="0" hangingPunct="1">
-              <a:defRPr kern="1200">
-                <a:solidFill>
-                  <a:schemeClr val="tx1"/>
-                </a:solidFill>
-                <a:latin typeface="Arial" charset="0"/>
-                <a:ea typeface="+mn-ea"/>
-                <a:cs typeface="Arial" charset="0"/>
-              </a:defRPr>
-            </a:lvl9pPr>
-          </a:lstStyle>
-          <a:p>
-            <a:pPr algn="ctr"/>
-            <a:r>
-              <a:rPr lang="en-US" dirty="0"/>
-              <a:t>Final Presentation of Advanced Seminar</a:t>
-            </a:r>
-          </a:p>
-        </p:txBody>
-      </p:sp>
-    </p:spTree>
-  </p:cSld>
-  <p:clrMapOvr>
-    <a:masterClrMapping/>
-  </p:clrMapOvr>
-</p:sld>
-</file>
-
-<file path=ppt/slides/slide9.xml><?xml version="1.0" encoding="utf-8"?>
-<p:sld xmlns:a="http://schemas.openxmlformats.org/drawingml/2006/main" xmlns:r="http://schemas.openxmlformats.org/officeDocument/2006/relationships" xmlns:p="http://schemas.openxmlformats.org/presentationml/2006/main" show="0">
-  <p:cSld>
-    <p:spTree>
-      <p:nvGrpSpPr>
-        <p:cNvPr id="1" name=""/>
-        <p:cNvGrpSpPr/>
-        <p:nvPr/>
-      </p:nvGrpSpPr>
-      <p:grpSpPr>
-        <a:xfrm>
-          <a:off x="0" y="0"/>
-          <a:ext cx="0" cy="0"/>
-          <a:chOff x="0" y="0"/>
-          <a:chExt cx="0" cy="0"/>
-        </a:xfrm>
-      </p:grpSpPr>
-      <p:sp>
-        <p:nvSpPr>
-          <p:cNvPr id="2" name="Inhaltsplatzhalter 1"/>
-          <p:cNvSpPr>
-            <a:spLocks noGrp="1"/>
-          </p:cNvSpPr>
-          <p:nvPr>
-            <p:ph idx="1"/>
-          </p:nvPr>
-        </p:nvSpPr>
-        <p:spPr/>
-        <p:txBody>
-          <a:bodyPr/>
-          <a:lstStyle/>
-          <a:p>
-            <a:r>
-              <a:rPr lang="de-DE"/>
-              <a:t>Bei kleinen Aufzählungen auf Aufzählungszeichen verzichten und ggf. zusätzliche Leerzeile</a:t>
-            </a:r>
-          </a:p>
-          <a:p>
-            <a:r>
-              <a:rPr lang="de-DE"/>
-              <a:t>Nur die wesentlichen Punkte nennen und Themen auf verschiedene Seiten splitten.</a:t>
-            </a:r>
-          </a:p>
-          <a:p>
-            <a:endParaRPr lang="de-DE"/>
-          </a:p>
-          <a:p>
-            <a:r>
-              <a:rPr lang="de-DE"/>
-              <a:t>Punkt 1</a:t>
-            </a:r>
-          </a:p>
-          <a:p>
-            <a:endParaRPr lang="de-DE"/>
-          </a:p>
-          <a:p>
-            <a:r>
-              <a:rPr lang="de-DE"/>
-              <a:t>Punkt 2</a:t>
-            </a:r>
-          </a:p>
-          <a:p>
-            <a:endParaRPr lang="de-DE"/>
-          </a:p>
-          <a:p>
-            <a:r>
-              <a:rPr lang="de-DE"/>
-              <a:t>Wenn Unterpunkte in einer Aufzählung nötig sind ist ein Einrücken mit – möglich</a:t>
-            </a:r>
-          </a:p>
-          <a:p>
-            <a:pPr lvl="1"/>
-            <a:r>
-              <a:rPr lang="de-DE"/>
-              <a:t>Unterpunkt 1</a:t>
-            </a:r>
-          </a:p>
-          <a:p>
-            <a:pPr lvl="2"/>
-            <a:r>
-              <a:rPr lang="de-DE"/>
-              <a:t>Unterpunkt 1</a:t>
-            </a:r>
-          </a:p>
-          <a:p>
-            <a:pPr lvl="2"/>
-            <a:r>
-              <a:rPr lang="de-DE"/>
-              <a:t>Unterpunkt 2</a:t>
-            </a:r>
-          </a:p>
-          <a:p>
-            <a:endParaRPr lang="de-DE"/>
-          </a:p>
-          <a:p>
-            <a:r>
-              <a:rPr lang="de-DE"/>
-              <a:t>Bei größeren Listen die Standardeinstellung • verwenden</a:t>
-            </a:r>
-          </a:p>
-          <a:p>
-            <a:pPr lvl="1"/>
-            <a:r>
-              <a:rPr lang="de-DE"/>
-              <a:t>Unterpunkt 1</a:t>
-            </a:r>
-          </a:p>
-          <a:p>
-            <a:pPr lvl="1"/>
-            <a:r>
-              <a:rPr lang="de-DE"/>
-              <a:t>Unterpunkt 2</a:t>
-            </a:r>
-          </a:p>
-          <a:p>
-            <a:pPr lvl="1"/>
-            <a:r>
-              <a:rPr lang="de-DE"/>
-              <a:t>Unterpunkt 3</a:t>
-            </a:r>
-            <a:endParaRPr lang="de-DE" dirty="0"/>
-          </a:p>
-        </p:txBody>
-      </p:sp>
-      <p:sp>
-        <p:nvSpPr>
-          <p:cNvPr id="4" name="Foliennummernplatzhalter 3"/>
-          <p:cNvSpPr>
-            <a:spLocks noGrp="1"/>
-          </p:cNvSpPr>
-          <p:nvPr>
-            <p:ph type="sldNum" sz="quarter" idx="11"/>
-          </p:nvPr>
-        </p:nvSpPr>
-        <p:spPr/>
-        <p:txBody>
-          <a:bodyPr/>
-          <a:lstStyle/>
-          <a:p>
-            <a:fld id="{CE58CB1E-F828-4F11-99E0-327109AF9DA4}" type="slidenum">
-              <a:rPr lang="de-DE" smtClean="0"/>
-              <a:pPr/>
-              <a:t>9</a:t>
-            </a:fld>
-            <a:endParaRPr lang="de-DE" dirty="0"/>
-          </a:p>
-        </p:txBody>
-      </p:sp>
-      <p:sp>
-        <p:nvSpPr>
-          <p:cNvPr id="3" name="Titel 2"/>
-          <p:cNvSpPr>
-            <a:spLocks noGrp="1"/>
-          </p:cNvSpPr>
-          <p:nvPr>
-            <p:ph type="title"/>
-          </p:nvPr>
-        </p:nvSpPr>
-        <p:spPr/>
-        <p:txBody>
-          <a:bodyPr/>
-          <a:lstStyle/>
-          <a:p>
-            <a:r>
-              <a:rPr lang="de-DE"/>
-              <a:t>Aufzählung</a:t>
-            </a:r>
-            <a:endParaRPr lang="de-DE" dirty="0"/>
-          </a:p>
-        </p:txBody>
-      </p:sp>
-      <p:sp>
-        <p:nvSpPr>
-          <p:cNvPr id="6" name="Fußzeilenplatzhalter 3">
-            <a:extLst>
-              <a:ext uri="{FF2B5EF4-FFF2-40B4-BE49-F238E27FC236}">
-                <a16:creationId xmlns:a16="http://schemas.microsoft.com/office/drawing/2014/main" id="{6D9C17F9-4EA6-49F4-A284-80C513D34E48}"/>
-              </a:ext>
-            </a:extLst>
-          </p:cNvPr>
-          <p:cNvSpPr>
-            <a:spLocks noGrp="1"/>
-          </p:cNvSpPr>
-          <p:nvPr>
-            <p:ph type="ftr" sz="quarter" idx="12"/>
-          </p:nvPr>
-        </p:nvSpPr>
-        <p:spPr>
-          <a:xfrm>
-            <a:off x="311163" y="6473313"/>
-            <a:ext cx="1430552" cy="365125"/>
-          </a:xfrm>
-        </p:spPr>
-        <p:txBody>
-          <a:bodyPr/>
-          <a:lstStyle/>
-          <a:p>
-            <a:r>
-              <a:rPr lang="de-DE" dirty="0"/>
-              <a:t>Hannes Bohnengel</a:t>
-            </a:r>
-            <a:endParaRPr lang="en-US" dirty="0"/>
-          </a:p>
-        </p:txBody>
-      </p:sp>
-      <p:sp>
-        <p:nvSpPr>
-          <p:cNvPr id="7" name="Fußzeilenplatzhalter 3">
-            <a:extLst>
-              <a:ext uri="{FF2B5EF4-FFF2-40B4-BE49-F238E27FC236}">
-                <a16:creationId xmlns:a16="http://schemas.microsoft.com/office/drawing/2014/main" id="{D01415AD-5547-4E3E-A0F9-C9236DDB1935}"/>
-              </a:ext>
-            </a:extLst>
-          </p:cNvPr>
-          <p:cNvSpPr txBox="1">
-            <a:spLocks/>
-          </p:cNvSpPr>
-          <p:nvPr/>
-        </p:nvSpPr>
-        <p:spPr>
-          <a:xfrm>
-            <a:off x="3062514" y="6473312"/>
-            <a:ext cx="3022146" cy="365125"/>
-          </a:xfrm>
-          <a:prstGeom prst="rect">
-            <a:avLst/>
-          </a:prstGeom>
-        </p:spPr>
-        <p:txBody>
-          <a:bodyPr vert="horz" lIns="0" tIns="45720" rIns="0" bIns="45720" rtlCol="0" anchor="ctr"/>
-          <a:lstStyle>
-            <a:defPPr>
-              <a:defRPr lang="de-DE"/>
-            </a:defPPr>
-            <a:lvl1pPr algn="l" rtl="0" fontAlgn="base">
-              <a:spcBef>
-                <a:spcPct val="0"/>
-              </a:spcBef>
-              <a:spcAft>
-                <a:spcPct val="0"/>
-              </a:spcAft>
-              <a:defRPr sz="1200" kern="1200">
-                <a:solidFill>
-                  <a:schemeClr val="tx1"/>
-                </a:solidFill>
-                <a:latin typeface="Arial" charset="0"/>
-                <a:ea typeface="+mn-ea"/>
-                <a:cs typeface="Arial" charset="0"/>
-              </a:defRPr>
-            </a:lvl1pPr>
-            <a:lvl2pPr marL="457200" algn="l" rtl="0" fontAlgn="base">
-              <a:spcBef>
-                <a:spcPct val="0"/>
-              </a:spcBef>
-              <a:spcAft>
-                <a:spcPct val="0"/>
-              </a:spcAft>
-              <a:defRPr kern="1200">
-                <a:solidFill>
-                  <a:schemeClr val="tx1"/>
-                </a:solidFill>
-                <a:latin typeface="Arial" charset="0"/>
-                <a:ea typeface="+mn-ea"/>
-                <a:cs typeface="Arial" charset="0"/>
-              </a:defRPr>
-            </a:lvl2pPr>
-            <a:lvl3pPr marL="914400" algn="l" rtl="0" fontAlgn="base">
-              <a:spcBef>
-                <a:spcPct val="0"/>
-              </a:spcBef>
-              <a:spcAft>
-                <a:spcPct val="0"/>
-              </a:spcAft>
-              <a:defRPr kern="1200">
-                <a:solidFill>
-                  <a:schemeClr val="tx1"/>
-                </a:solidFill>
-                <a:latin typeface="Arial" charset="0"/>
-                <a:ea typeface="+mn-ea"/>
-                <a:cs typeface="Arial" charset="0"/>
-              </a:defRPr>
-            </a:lvl3pPr>
-            <a:lvl4pPr marL="1371600" algn="l" rtl="0" fontAlgn="base">
-              <a:spcBef>
-                <a:spcPct val="0"/>
-              </a:spcBef>
-              <a:spcAft>
-                <a:spcPct val="0"/>
-              </a:spcAft>
-              <a:defRPr kern="1200">
-                <a:solidFill>
-                  <a:schemeClr val="tx1"/>
-                </a:solidFill>
-                <a:latin typeface="Arial" charset="0"/>
-                <a:ea typeface="+mn-ea"/>
-                <a:cs typeface="Arial" charset="0"/>
-              </a:defRPr>
-            </a:lvl4pPr>
-            <a:lvl5pPr marL="1828800" algn="l" rtl="0" fontAlgn="base">
-              <a:spcBef>
-                <a:spcPct val="0"/>
-              </a:spcBef>
-              <a:spcAft>
-                <a:spcPct val="0"/>
-              </a:spcAft>
-              <a:defRPr kern="1200">
-                <a:solidFill>
-                  <a:schemeClr val="tx1"/>
-                </a:solidFill>
-                <a:latin typeface="Arial" charset="0"/>
-                <a:ea typeface="+mn-ea"/>
-                <a:cs typeface="Arial" charset="0"/>
-              </a:defRPr>
-            </a:lvl5pPr>
-            <a:lvl6pPr marL="2286000" algn="l" defTabSz="914400" rtl="0" eaLnBrk="1" latinLnBrk="0" hangingPunct="1">
-              <a:defRPr kern="1200">
-                <a:solidFill>
-                  <a:schemeClr val="tx1"/>
-                </a:solidFill>
-                <a:latin typeface="Arial" charset="0"/>
-                <a:ea typeface="+mn-ea"/>
-                <a:cs typeface="Arial" charset="0"/>
-              </a:defRPr>
-            </a:lvl6pPr>
-            <a:lvl7pPr marL="2743200" algn="l" defTabSz="914400" rtl="0" eaLnBrk="1" latinLnBrk="0" hangingPunct="1">
-              <a:defRPr kern="1200">
-                <a:solidFill>
-                  <a:schemeClr val="tx1"/>
-                </a:solidFill>
-                <a:latin typeface="Arial" charset="0"/>
-                <a:ea typeface="+mn-ea"/>
-                <a:cs typeface="Arial" charset="0"/>
-              </a:defRPr>
-            </a:lvl7pPr>
-            <a:lvl8pPr marL="3200400" algn="l" defTabSz="914400" rtl="0" eaLnBrk="1" latinLnBrk="0" hangingPunct="1">
-              <a:defRPr kern="1200">
-                <a:solidFill>
-                  <a:schemeClr val="tx1"/>
-                </a:solidFill>
-                <a:latin typeface="Arial" charset="0"/>
-                <a:ea typeface="+mn-ea"/>
-                <a:cs typeface="Arial" charset="0"/>
-              </a:defRPr>
-            </a:lvl8pPr>
-            <a:lvl9pPr marL="3657600" algn="l" defTabSz="914400" rtl="0" eaLnBrk="1" latinLnBrk="0" hangingPunct="1">
-              <a:defRPr kern="1200">
-                <a:solidFill>
-                  <a:schemeClr val="tx1"/>
-                </a:solidFill>
-                <a:latin typeface="Arial" charset="0"/>
-                <a:ea typeface="+mn-ea"/>
-                <a:cs typeface="Arial" charset="0"/>
-              </a:defRPr>
-            </a:lvl9pPr>
-          </a:lstStyle>
-          <a:p>
-            <a:pPr algn="ctr"/>
-            <a:r>
-              <a:rPr lang="en-US" dirty="0"/>
-              <a:t>Final Presentation of Advanced Seminar</a:t>
-            </a:r>
-          </a:p>
-        </p:txBody>
-      </p:sp>
-    </p:spTree>
   </p:cSld>
   <p:clrMapOvr>
     <a:masterClrMapping/>
